--- a/slides/DP_greedy_intro_part1_live.pptx
+++ b/slides/DP_greedy_intro_part1_live.pptx
@@ -5,7 +5,7 @@
     <p:sldMasterId id="2147483660" r:id="rId1"/>
   </p:sldMasterIdLst>
   <p:notesMasterIdLst>
-    <p:notesMasterId r:id="rId51"/>
+    <p:notesMasterId r:id="rId53"/>
   </p:notesMasterIdLst>
   <p:sldIdLst>
     <p:sldId id="642" r:id="rId2"/>
@@ -34,29 +34,31 @@
     <p:sldId id="386" r:id="rId25"/>
     <p:sldId id="313" r:id="rId26"/>
     <p:sldId id="665" r:id="rId27"/>
-    <p:sldId id="476" r:id="rId28"/>
-    <p:sldId id="621" r:id="rId29"/>
-    <p:sldId id="588" r:id="rId30"/>
-    <p:sldId id="622" r:id="rId31"/>
-    <p:sldId id="601" r:id="rId32"/>
-    <p:sldId id="602" r:id="rId33"/>
-    <p:sldId id="603" r:id="rId34"/>
-    <p:sldId id="604" r:id="rId35"/>
-    <p:sldId id="605" r:id="rId36"/>
-    <p:sldId id="606" r:id="rId37"/>
-    <p:sldId id="607" r:id="rId38"/>
-    <p:sldId id="608" r:id="rId39"/>
-    <p:sldId id="609" r:id="rId40"/>
-    <p:sldId id="610" r:id="rId41"/>
-    <p:sldId id="636" r:id="rId42"/>
-    <p:sldId id="669" r:id="rId43"/>
-    <p:sldId id="301" r:id="rId44"/>
-    <p:sldId id="302" r:id="rId45"/>
-    <p:sldId id="303" r:id="rId46"/>
-    <p:sldId id="304" r:id="rId47"/>
-    <p:sldId id="305" r:id="rId48"/>
-    <p:sldId id="668" r:id="rId49"/>
-    <p:sldId id="312" r:id="rId50"/>
+    <p:sldId id="671" r:id="rId28"/>
+    <p:sldId id="670" r:id="rId29"/>
+    <p:sldId id="476" r:id="rId30"/>
+    <p:sldId id="621" r:id="rId31"/>
+    <p:sldId id="588" r:id="rId32"/>
+    <p:sldId id="622" r:id="rId33"/>
+    <p:sldId id="601" r:id="rId34"/>
+    <p:sldId id="602" r:id="rId35"/>
+    <p:sldId id="603" r:id="rId36"/>
+    <p:sldId id="604" r:id="rId37"/>
+    <p:sldId id="605" r:id="rId38"/>
+    <p:sldId id="606" r:id="rId39"/>
+    <p:sldId id="607" r:id="rId40"/>
+    <p:sldId id="608" r:id="rId41"/>
+    <p:sldId id="609" r:id="rId42"/>
+    <p:sldId id="610" r:id="rId43"/>
+    <p:sldId id="636" r:id="rId44"/>
+    <p:sldId id="669" r:id="rId45"/>
+    <p:sldId id="301" r:id="rId46"/>
+    <p:sldId id="302" r:id="rId47"/>
+    <p:sldId id="303" r:id="rId48"/>
+    <p:sldId id="304" r:id="rId49"/>
+    <p:sldId id="305" r:id="rId50"/>
+    <p:sldId id="668" r:id="rId51"/>
+    <p:sldId id="312" r:id="rId52"/>
   </p:sldIdLst>
   <p:sldSz cx="12192000" cy="6858000"/>
   <p:notesSz cx="6858000" cy="9144000"/>
@@ -186,6 +188,8 @@
             <p14:sldId id="386"/>
             <p14:sldId id="313"/>
             <p14:sldId id="665"/>
+            <p14:sldId id="671"/>
+            <p14:sldId id="670"/>
             <p14:sldId id="476"/>
             <p14:sldId id="621"/>
             <p14:sldId id="588"/>
@@ -313,7 +317,7 @@
           <a:p>
             <a:fld id="{9A9F7FD5-2840-4607-A4CD-0A8A66D9D61D}" type="datetimeFigureOut">
               <a:rPr lang="en-US" smtClean="0"/>
-              <a:t>3/20/21</a:t>
+              <a:t>3/22/21</a:t>
             </a:fld>
             <a:endParaRPr lang="en-US"/>
           </a:p>
@@ -1247,7 +1251,7 @@
           <a:p>
             <a:fld id="{BC7E913D-325D-4B30-8E23-50203DB584FD}" type="slidenum">
               <a:rPr lang="en-US" smtClean="0"/>
-              <a:t>39</a:t>
+              <a:t>41</a:t>
             </a:fld>
             <a:endParaRPr lang="en-US"/>
           </a:p>
@@ -1435,7 +1439,7 @@
             <a:fld id="{04434F85-9F2B-0F48-85FB-B4DD0E724831}" type="slidenum">
               <a:rPr lang="en-US" altLang="en-US" sz="1200"/>
               <a:pPr/>
-              <a:t>49</a:t>
+              <a:t>51</a:t>
             </a:fld>
             <a:endParaRPr lang="en-US" altLang="en-US" sz="1200"/>
           </a:p>
@@ -1451,7 +1455,7 @@
             </a:extLst>
           </p:cNvPr>
           <p:cNvSpPr>
-            <a:spLocks noChangeArrowheads="1" noTextEdit="1"/>
+            <a:spLocks noGrp="1" noRot="1" noChangeAspect="1" noChangeArrowheads="1" noTextEdit="1"/>
           </p:cNvSpPr>
           <p:nvPr>
             <p:ph type="sldImg"/>
@@ -1809,7 +1813,7 @@
           <a:p>
             <a:fld id="{088A2421-D2CD-4522-A1BA-E4F59ED821B7}" type="datetime1">
               <a:rPr lang="en-US" smtClean="0"/>
-              <a:t>3/20/21</a:t>
+              <a:t>3/22/21</a:t>
             </a:fld>
             <a:endParaRPr lang="en-US"/>
           </a:p>
@@ -2084,7 +2088,7 @@
           <a:p>
             <a:fld id="{DA91928D-0C55-4D8D-9D16-4C05754E5356}" type="datetime1">
               <a:rPr lang="en-US" smtClean="0"/>
-              <a:t>3/20/21</a:t>
+              <a:t>3/22/21</a:t>
             </a:fld>
             <a:endParaRPr lang="en-US"/>
           </a:p>
@@ -2339,7 +2343,7 @@
           <a:p>
             <a:fld id="{584CEDDD-253B-4C38-A621-35D8BA950C17}" type="datetime1">
               <a:rPr lang="en-US" smtClean="0"/>
-              <a:t>3/20/21</a:t>
+              <a:t>3/22/21</a:t>
             </a:fld>
             <a:endParaRPr lang="en-US"/>
           </a:p>
@@ -2507,7 +2511,7 @@
           <a:p>
             <a:fld id="{BF0967E4-28CB-45C9-B82C-D6B22AD4F0EB}" type="datetime1">
               <a:rPr lang="en-US" smtClean="0"/>
-              <a:t>3/20/21</a:t>
+              <a:t>3/22/21</a:t>
             </a:fld>
             <a:endParaRPr lang="en-US"/>
           </a:p>
@@ -2685,7 +2689,7 @@
           <a:p>
             <a:fld id="{2454C693-B405-44E1-A127-B7CE8B45C1E1}" type="datetime1">
               <a:rPr lang="en-US" smtClean="0"/>
-              <a:t>3/20/21</a:t>
+              <a:t>3/22/21</a:t>
             </a:fld>
             <a:endParaRPr lang="en-US"/>
           </a:p>
@@ -2937,7 +2941,7 @@
           <a:p>
             <a:fld id="{26B28102-2E91-4DD7-8E8B-98B790A12701}" type="datetime1">
               <a:rPr lang="en-US" smtClean="0"/>
-              <a:t>3/20/21</a:t>
+              <a:t>3/22/21</a:t>
             </a:fld>
             <a:endParaRPr lang="en-US"/>
           </a:p>
@@ -3195,7 +3199,7 @@
           <a:p>
             <a:fld id="{0B5AF985-6D44-417A-9881-D208468CBA07}" type="datetime1">
               <a:rPr lang="en-US" smtClean="0"/>
-              <a:t>3/20/21</a:t>
+              <a:t>3/22/21</a:t>
             </a:fld>
             <a:endParaRPr lang="en-US"/>
           </a:p>
@@ -3452,7 +3456,7 @@
           <a:p>
             <a:fld id="{26B28102-2E91-4DD7-8E8B-98B790A12701}" type="datetime1">
               <a:rPr lang="en-US" smtClean="0"/>
-              <a:t>3/20/21</a:t>
+              <a:t>3/22/21</a:t>
             </a:fld>
             <a:endParaRPr lang="en-US"/>
           </a:p>
@@ -3698,7 +3702,7 @@
           <a:p>
             <a:fld id="{3A604A86-E8D2-4E57-8D6D-61E2D175474B}" type="datetime1">
               <a:rPr lang="en-US" smtClean="0"/>
-              <a:t>3/20/21</a:t>
+              <a:t>3/22/21</a:t>
             </a:fld>
             <a:endParaRPr lang="en-US"/>
           </a:p>
@@ -4061,7 +4065,7 @@
           <a:p>
             <a:fld id="{DC921DF3-1FB0-45DC-97EF-461960E13574}" type="datetime1">
               <a:rPr lang="en-US" smtClean="0"/>
-              <a:t>3/20/21</a:t>
+              <a:t>3/22/21</a:t>
             </a:fld>
             <a:endParaRPr lang="en-US"/>
           </a:p>
@@ -4553,7 +4557,7 @@
           <a:p>
             <a:fld id="{092B088E-2809-46D8-B43F-738015D878CC}" type="datetime1">
               <a:rPr lang="en-US" smtClean="0"/>
-              <a:t>3/20/21</a:t>
+              <a:t>3/22/21</a:t>
             </a:fld>
             <a:endParaRPr lang="en-US"/>
           </a:p>
@@ -4748,7 +4752,7 @@
           <a:p>
             <a:fld id="{8208D42A-BC08-426E-9E11-483BA9D61AF6}" type="datetime1">
               <a:rPr lang="en-US" smtClean="0"/>
-              <a:t>3/20/21</a:t>
+              <a:t>3/22/21</a:t>
             </a:fld>
             <a:endParaRPr lang="en-US"/>
           </a:p>
@@ -4948,7 +4952,7 @@
           <a:p>
             <a:fld id="{26B28102-2E91-4DD7-8E8B-98B790A12701}" type="datetime1">
               <a:rPr lang="en-US" smtClean="0"/>
-              <a:t>3/20/21</a:t>
+              <a:t>3/22/21</a:t>
             </a:fld>
             <a:endParaRPr lang="en-US"/>
           </a:p>
@@ -5044,7 +5048,7 @@
           <a:p>
             <a:fld id="{37D5C786-44E1-4BD5-AD14-75F3EA166B5A}" type="datetime1">
               <a:rPr lang="en-US" smtClean="0"/>
-              <a:t>3/20/21</a:t>
+              <a:t>3/22/21</a:t>
             </a:fld>
             <a:endParaRPr lang="en-US"/>
           </a:p>
@@ -5255,7 +5259,7 @@
           <a:p>
             <a:fld id="{26B28102-2E91-4DD7-8E8B-98B790A12701}" type="datetime1">
               <a:rPr lang="en-US" smtClean="0"/>
-              <a:t>3/20/21</a:t>
+              <a:t>3/22/21</a:t>
             </a:fld>
             <a:endParaRPr lang="en-US"/>
           </a:p>
@@ -10307,14 +10311,14 @@
           </a:ln>
           <a:extLst>
             <a:ext uri="{909E8E84-426E-40dd-AFC4-6F175D3DCCD1}">
-              <a14:hiddenFill xmlns="" xmlns:a14="http://schemas.microsoft.com/office/drawing/2010/main">
+              <a14:hiddenFill xmlns:a14="http://schemas.microsoft.com/office/drawing/2010/main" xmlns="">
                 <a:solidFill>
                   <a:srgbClr val="FFFFFF"/>
                 </a:solidFill>
               </a14:hiddenFill>
             </a:ext>
             <a:ext uri="{91240B29-F687-4f45-9708-019B960494DF}">
-              <a14:hiddenLine xmlns="" xmlns:a14="http://schemas.microsoft.com/office/drawing/2010/main" w="9525">
+              <a14:hiddenLine xmlns:a14="http://schemas.microsoft.com/office/drawing/2010/main" xmlns="" w="9525">
                 <a:solidFill>
                   <a:srgbClr val="000000"/>
                 </a:solidFill>
@@ -11231,14 +11235,14 @@
           </a:ln>
           <a:extLst>
             <a:ext uri="{909E8E84-426E-40dd-AFC4-6F175D3DCCD1}">
-              <a14:hiddenFill xmlns="" xmlns:a14="http://schemas.microsoft.com/office/drawing/2010/main">
+              <a14:hiddenFill xmlns:a14="http://schemas.microsoft.com/office/drawing/2010/main" xmlns="">
                 <a:solidFill>
                   <a:srgbClr val="FFFFFF"/>
                 </a:solidFill>
               </a14:hiddenFill>
             </a:ext>
             <a:ext uri="{91240B29-F687-4f45-9708-019B960494DF}">
-              <a14:hiddenLine xmlns="" xmlns:a14="http://schemas.microsoft.com/office/drawing/2010/main" w="9525">
+              <a14:hiddenLine xmlns:a14="http://schemas.microsoft.com/office/drawing/2010/main" xmlns="" w="9525">
                 <a:solidFill>
                   <a:srgbClr val="000000"/>
                 </a:solidFill>
@@ -11502,7 +11506,7 @@
           <a:graphicData uri="http://schemas.openxmlformats.org/presentationml/2006/ole">
             <mc:AlternateContent xmlns:mc="http://schemas.openxmlformats.org/markup-compatibility/2006">
               <mc:Choice xmlns:v="urn:schemas-microsoft-com:vml" Requires="v">
-                <p:oleObj spid="_x0000_s2079" name="Equation" r:id="rId3" imgW="596900" imgH="457200" progId="Equation.3">
+                <p:oleObj spid="_x0000_s2082" name="Equation" r:id="rId3" imgW="596900" imgH="457200" progId="Equation.3">
                   <p:embed/>
                 </p:oleObj>
               </mc:Choice>
@@ -15318,6 +15322,299 @@
       </p:grpSpPr>
       <p:sp>
         <p:nvSpPr>
+          <p:cNvPr id="2" name="Title 1">
+            <a:extLst>
+              <a:ext uri="{FF2B5EF4-FFF2-40B4-BE49-F238E27FC236}">
+                <a16:creationId xmlns:a16="http://schemas.microsoft.com/office/drawing/2014/main" id="{78D00024-7FA5-0C46-88F6-8B0DB063471B}"/>
+              </a:ext>
+            </a:extLst>
+          </p:cNvPr>
+          <p:cNvSpPr>
+            <a:spLocks noGrp="1"/>
+          </p:cNvSpPr>
+          <p:nvPr>
+            <p:ph type="ctrTitle"/>
+          </p:nvPr>
+        </p:nvSpPr>
+        <p:spPr/>
+        <p:txBody>
+          <a:bodyPr/>
+          <a:lstStyle/>
+          <a:p>
+            <a:r>
+              <a:rPr lang="en-US" dirty="0"/>
+              <a:t>Live Session</a:t>
+            </a:r>
+            <a:br>
+              <a:rPr lang="en-US" dirty="0"/>
+            </a:br>
+            <a:r>
+              <a:rPr lang="en-US" dirty="0"/>
+              <a:t>CS4102, Monday March 22</a:t>
+            </a:r>
+          </a:p>
+        </p:txBody>
+      </p:sp>
+      <p:sp>
+        <p:nvSpPr>
+          <p:cNvPr id="3" name="Subtitle 2">
+            <a:extLst>
+              <a:ext uri="{FF2B5EF4-FFF2-40B4-BE49-F238E27FC236}">
+                <a16:creationId xmlns:a16="http://schemas.microsoft.com/office/drawing/2014/main" id="{67C4F4DE-8148-314A-BFE6-29ABCE261B34}"/>
+              </a:ext>
+            </a:extLst>
+          </p:cNvPr>
+          <p:cNvSpPr>
+            <a:spLocks noGrp="1"/>
+          </p:cNvSpPr>
+          <p:nvPr>
+            <p:ph type="subTitle" idx="1"/>
+          </p:nvPr>
+        </p:nvSpPr>
+        <p:spPr/>
+        <p:txBody>
+          <a:bodyPr/>
+          <a:lstStyle/>
+          <a:p>
+            <a:endParaRPr lang="en-US"/>
+          </a:p>
+        </p:txBody>
+      </p:sp>
+      <p:sp>
+        <p:nvSpPr>
+          <p:cNvPr id="4" name="Slide Number Placeholder 3">
+            <a:extLst>
+              <a:ext uri="{FF2B5EF4-FFF2-40B4-BE49-F238E27FC236}">
+                <a16:creationId xmlns:a16="http://schemas.microsoft.com/office/drawing/2014/main" id="{1D8799F2-6C21-C94A-859C-D39F9FAC6750}"/>
+              </a:ext>
+            </a:extLst>
+          </p:cNvPr>
+          <p:cNvSpPr>
+            <a:spLocks noGrp="1"/>
+          </p:cNvSpPr>
+          <p:nvPr>
+            <p:ph type="sldNum" sz="quarter" idx="12"/>
+          </p:nvPr>
+        </p:nvSpPr>
+        <p:spPr/>
+        <p:txBody>
+          <a:bodyPr/>
+          <a:lstStyle/>
+          <a:p>
+            <a:fld id="{86BADE50-950A-4D58-BFB2-FA2C6A8B385D}" type="slidenum">
+              <a:rPr lang="en-US" smtClean="0"/>
+              <a:t>27</a:t>
+            </a:fld>
+            <a:endParaRPr lang="en-US"/>
+          </a:p>
+        </p:txBody>
+      </p:sp>
+    </p:spTree>
+    <p:extLst>
+      <p:ext uri="{BB962C8B-B14F-4D97-AF65-F5344CB8AC3E}">
+        <p14:creationId xmlns:p14="http://schemas.microsoft.com/office/powerpoint/2010/main" val="765307087"/>
+      </p:ext>
+    </p:extLst>
+  </p:cSld>
+  <p:clrMapOvr>
+    <a:masterClrMapping/>
+  </p:clrMapOvr>
+</p:sld>
+</file>
+
+<file path=ppt/slides/slide28.xml><?xml version="1.0" encoding="utf-8"?>
+<p:sld xmlns:a="http://schemas.openxmlformats.org/drawingml/2006/main" xmlns:r="http://schemas.openxmlformats.org/officeDocument/2006/relationships" xmlns:p="http://schemas.openxmlformats.org/presentationml/2006/main">
+  <p:cSld>
+    <p:spTree>
+      <p:nvGrpSpPr>
+        <p:cNvPr id="1" name=""/>
+        <p:cNvGrpSpPr/>
+        <p:nvPr/>
+      </p:nvGrpSpPr>
+      <p:grpSpPr>
+        <a:xfrm>
+          <a:off x="0" y="0"/>
+          <a:ext cx="0" cy="0"/>
+          <a:chOff x="0" y="0"/>
+          <a:chExt cx="0" cy="0"/>
+        </a:xfrm>
+      </p:grpSpPr>
+      <p:sp>
+        <p:nvSpPr>
+          <p:cNvPr id="2" name="Title 1">
+            <a:extLst>
+              <a:ext uri="{FF2B5EF4-FFF2-40B4-BE49-F238E27FC236}">
+                <a16:creationId xmlns:a16="http://schemas.microsoft.com/office/drawing/2014/main" id="{76FDF57D-79A4-9D40-AEEA-09B7CC1A48A7}"/>
+              </a:ext>
+            </a:extLst>
+          </p:cNvPr>
+          <p:cNvSpPr>
+            <a:spLocks noGrp="1"/>
+          </p:cNvSpPr>
+          <p:nvPr>
+            <p:ph type="title"/>
+          </p:nvPr>
+        </p:nvSpPr>
+        <p:spPr/>
+        <p:txBody>
+          <a:bodyPr/>
+          <a:lstStyle/>
+          <a:p>
+            <a:r>
+              <a:rPr lang="en-US" dirty="0"/>
+              <a:t>Announcements for Monday, March 22</a:t>
+            </a:r>
+          </a:p>
+        </p:txBody>
+      </p:sp>
+      <p:sp>
+        <p:nvSpPr>
+          <p:cNvPr id="3" name="Content Placeholder 2">
+            <a:extLst>
+              <a:ext uri="{FF2B5EF4-FFF2-40B4-BE49-F238E27FC236}">
+                <a16:creationId xmlns:a16="http://schemas.microsoft.com/office/drawing/2014/main" id="{BDF28720-A07D-B845-A2F3-FAA7D43C2FD7}"/>
+              </a:ext>
+            </a:extLst>
+          </p:cNvPr>
+          <p:cNvSpPr>
+            <a:spLocks noGrp="1"/>
+          </p:cNvSpPr>
+          <p:nvPr>
+            <p:ph idx="1"/>
+          </p:nvPr>
+        </p:nvSpPr>
+        <p:spPr/>
+        <p:txBody>
+          <a:bodyPr>
+            <a:normAutofit fontScale="92500" lnSpcReduction="10000"/>
+          </a:bodyPr>
+          <a:lstStyle/>
+          <a:p>
+            <a:r>
+              <a:rPr lang="en-US" dirty="0"/>
+              <a:t>Note ”goof” on slide 15 in recording for today (fixed in slides)</a:t>
+            </a:r>
+          </a:p>
+          <a:p>
+            <a:pPr lvl="1"/>
+            <a:r>
+              <a:rPr lang="en-US" dirty="0"/>
+              <a:t>Wrote/said “value to profit ratio” when meant “value to weight ratio”</a:t>
+            </a:r>
+          </a:p>
+          <a:p>
+            <a:r>
+              <a:rPr lang="en-US" dirty="0"/>
+              <a:t>Update to grading policy</a:t>
+            </a:r>
+          </a:p>
+          <a:p>
+            <a:pPr lvl="1"/>
+            <a:r>
+              <a:rPr lang="en-US" dirty="0"/>
+              <a:t>No distinction between Basic and Adv. HWs.  (So future Adv HWs can make up for bad results in Module 1)</a:t>
+            </a:r>
+          </a:p>
+          <a:p>
+            <a:pPr lvl="1"/>
+            <a:r>
+              <a:rPr lang="en-US" dirty="0"/>
+              <a:t>To get D- or higher, must pass at least 1 HW in 3 modules</a:t>
+            </a:r>
+          </a:p>
+          <a:p>
+            <a:pPr lvl="1"/>
+            <a:r>
+              <a:rPr lang="en-US" dirty="0"/>
+              <a:t>To get C- or higher, must pass at least 1 HW in all 4 modules</a:t>
+            </a:r>
+          </a:p>
+          <a:p>
+            <a:r>
+              <a:rPr lang="en-US" dirty="0"/>
+              <a:t>Quiz time!  Module 2 and re-take for Module 1 this week</a:t>
+            </a:r>
+          </a:p>
+          <a:p>
+            <a:pPr lvl="1"/>
+            <a:r>
+              <a:rPr lang="en-US" dirty="0"/>
+              <a:t>Noon Friday until 6 pm Saturday.  (Was that OK?)</a:t>
+            </a:r>
+          </a:p>
+          <a:p>
+            <a:pPr lvl="1"/>
+            <a:r>
+              <a:rPr lang="en-US" dirty="0"/>
+              <a:t>Topic list for Module 2 by Weds class time</a:t>
+            </a:r>
+          </a:p>
+          <a:p>
+            <a:endParaRPr lang="en-US" dirty="0"/>
+          </a:p>
+        </p:txBody>
+      </p:sp>
+      <p:sp>
+        <p:nvSpPr>
+          <p:cNvPr id="4" name="Slide Number Placeholder 3">
+            <a:extLst>
+              <a:ext uri="{FF2B5EF4-FFF2-40B4-BE49-F238E27FC236}">
+                <a16:creationId xmlns:a16="http://schemas.microsoft.com/office/drawing/2014/main" id="{917181D5-EA60-9843-93D6-DA1B448C26C8}"/>
+              </a:ext>
+            </a:extLst>
+          </p:cNvPr>
+          <p:cNvSpPr>
+            <a:spLocks noGrp="1"/>
+          </p:cNvSpPr>
+          <p:nvPr>
+            <p:ph type="sldNum" sz="quarter" idx="12"/>
+          </p:nvPr>
+        </p:nvSpPr>
+        <p:spPr/>
+        <p:txBody>
+          <a:bodyPr/>
+          <a:lstStyle/>
+          <a:p>
+            <a:fld id="{86BADE50-950A-4D58-BFB2-FA2C6A8B385D}" type="slidenum">
+              <a:rPr lang="en-US" smtClean="0"/>
+              <a:t>28</a:t>
+            </a:fld>
+            <a:endParaRPr lang="en-US"/>
+          </a:p>
+        </p:txBody>
+      </p:sp>
+    </p:spTree>
+    <p:extLst>
+      <p:ext uri="{BB962C8B-B14F-4D97-AF65-F5344CB8AC3E}">
+        <p14:creationId xmlns:p14="http://schemas.microsoft.com/office/powerpoint/2010/main" val="1369854334"/>
+      </p:ext>
+    </p:extLst>
+  </p:cSld>
+  <p:clrMapOvr>
+    <a:masterClrMapping/>
+  </p:clrMapOvr>
+</p:sld>
+</file>
+
+<file path=ppt/slides/slide29.xml><?xml version="1.0" encoding="utf-8"?>
+<p:sld xmlns:a="http://schemas.openxmlformats.org/drawingml/2006/main" xmlns:r="http://schemas.openxmlformats.org/officeDocument/2006/relationships" xmlns:p="http://schemas.openxmlformats.org/presentationml/2006/main">
+  <p:cSld>
+    <p:spTree>
+      <p:nvGrpSpPr>
+        <p:cNvPr id="1" name=""/>
+        <p:cNvGrpSpPr/>
+        <p:nvPr/>
+      </p:nvGrpSpPr>
+      <p:grpSpPr>
+        <a:xfrm>
+          <a:off x="0" y="0"/>
+          <a:ext cx="0" cy="0"/>
+          <a:chOff x="0" y="0"/>
+          <a:chExt cx="0" cy="0"/>
+        </a:xfrm>
+      </p:grpSpPr>
+      <p:sp>
+        <p:nvSpPr>
           <p:cNvPr id="2" name="Title 1"/>
           <p:cNvSpPr>
             <a:spLocks noGrp="1"/>
@@ -15355,7 +15652,7 @@
           <a:p>
             <a:fld id="{86BADE50-950A-4D58-BFB2-FA2C6A8B385D}" type="slidenum">
               <a:rPr lang="en-US" smtClean="0"/>
-              <a:t>27</a:t>
+              <a:t>29</a:t>
             </a:fld>
             <a:endParaRPr lang="en-US" dirty="0"/>
           </a:p>
@@ -17102,2328 +17399,6 @@
     </p:tnLst>
     <p:bldLst>
       <p:bldP spid="39" grpId="0"/>
-    </p:bldLst>
-  </p:timing>
-</p:sld>
-</file>
-
-<file path=ppt/slides/slide28.xml><?xml version="1.0" encoding="utf-8"?>
-<p:sld xmlns:a="http://schemas.openxmlformats.org/drawingml/2006/main" xmlns:r="http://schemas.openxmlformats.org/officeDocument/2006/relationships" xmlns:p="http://schemas.openxmlformats.org/presentationml/2006/main">
-  <p:cSld>
-    <p:spTree>
-      <p:nvGrpSpPr>
-        <p:cNvPr id="1" name=""/>
-        <p:cNvGrpSpPr/>
-        <p:nvPr/>
-      </p:nvGrpSpPr>
-      <p:grpSpPr>
-        <a:xfrm>
-          <a:off x="0" y="0"/>
-          <a:ext cx="0" cy="0"/>
-          <a:chOff x="0" y="0"/>
-          <a:chExt cx="0" cy="0"/>
-        </a:xfrm>
-      </p:grpSpPr>
-      <p:sp>
-        <p:nvSpPr>
-          <p:cNvPr id="5" name="Rectangle 4">
-            <a:extLst>
-              <a:ext uri="{FF2B5EF4-FFF2-40B4-BE49-F238E27FC236}">
-                <a16:creationId xmlns:a16="http://schemas.microsoft.com/office/drawing/2014/main" id="{7E912178-9753-6442-B44C-886A12FD6F19}"/>
-              </a:ext>
-            </a:extLst>
-          </p:cNvPr>
-          <p:cNvSpPr/>
-          <p:nvPr/>
-        </p:nvSpPr>
-        <p:spPr>
-          <a:xfrm>
-            <a:off x="1066800" y="3124200"/>
-            <a:ext cx="7467600" cy="914400"/>
-          </a:xfrm>
-          <a:prstGeom prst="rect">
-            <a:avLst/>
-          </a:prstGeom>
-          <a:solidFill>
-            <a:schemeClr val="accent4">
-              <a:lumMod val="20000"/>
-              <a:lumOff val="80000"/>
-            </a:schemeClr>
-          </a:solidFill>
-          <a:ln>
-            <a:solidFill>
-              <a:schemeClr val="accent4">
-                <a:lumMod val="75000"/>
-              </a:schemeClr>
-            </a:solidFill>
-          </a:ln>
-        </p:spPr>
-        <p:style>
-          <a:lnRef idx="2">
-            <a:schemeClr val="accent1">
-              <a:shade val="50000"/>
-            </a:schemeClr>
-          </a:lnRef>
-          <a:fillRef idx="1">
-            <a:schemeClr val="accent1"/>
-          </a:fillRef>
-          <a:effectRef idx="0">
-            <a:schemeClr val="accent1"/>
-          </a:effectRef>
-          <a:fontRef idx="minor">
-            <a:schemeClr val="lt1"/>
-          </a:fontRef>
-        </p:style>
-        <p:txBody>
-          <a:bodyPr rtlCol="0" anchor="ctr"/>
-          <a:lstStyle/>
-          <a:p>
-            <a:pPr algn="ctr"/>
-            <a:endParaRPr lang="en-US"/>
-          </a:p>
-        </p:txBody>
-      </p:sp>
-      <p:sp>
-        <p:nvSpPr>
-          <p:cNvPr id="3" name="Content Placeholder 2"/>
-          <p:cNvSpPr>
-            <a:spLocks noGrp="1"/>
-          </p:cNvSpPr>
-          <p:nvPr>
-            <p:ph idx="1"/>
-          </p:nvPr>
-        </p:nvSpPr>
-        <p:spPr/>
-        <p:txBody>
-          <a:bodyPr>
-            <a:normAutofit fontScale="92500" lnSpcReduction="10000"/>
-          </a:bodyPr>
-          <a:lstStyle/>
-          <a:p>
-            <a:r>
-              <a:rPr lang="en-US" dirty="0"/>
-              <a:t>Requires </a:t>
-            </a:r>
-            <a:r>
-              <a:rPr lang="en-US" dirty="0">
-                <a:solidFill>
-                  <a:srgbClr val="FF33CC"/>
-                </a:solidFill>
-              </a:rPr>
-              <a:t>Optimal Substructure</a:t>
-            </a:r>
-          </a:p>
-          <a:p>
-            <a:pPr lvl="1"/>
-            <a:r>
-              <a:rPr lang="en-US" dirty="0"/>
-              <a:t>Solution to larger problem contains the solutions to smaller ones</a:t>
-            </a:r>
-          </a:p>
-          <a:p>
-            <a:r>
-              <a:rPr lang="en-US" dirty="0"/>
-              <a:t>Idea:</a:t>
-            </a:r>
-          </a:p>
-          <a:p>
-            <a:pPr marL="971550" lvl="1" indent="-514350">
-              <a:buFont typeface="+mj-lt"/>
-              <a:buAutoNum type="arabicPeriod"/>
-            </a:pPr>
-            <a:r>
-              <a:rPr lang="en-US" dirty="0"/>
-              <a:t>Identify the recursive structure of the problem</a:t>
-            </a:r>
-          </a:p>
-          <a:p>
-            <a:pPr lvl="2"/>
-            <a:r>
-              <a:rPr lang="en-US" dirty="0"/>
-              <a:t>What is the “last thing” done?</a:t>
-            </a:r>
-          </a:p>
-          <a:p>
-            <a:pPr marL="971550" lvl="1" indent="-514350">
-              <a:buFont typeface="+mj-lt"/>
-              <a:buAutoNum type="arabicPeriod"/>
-            </a:pPr>
-            <a:r>
-              <a:rPr lang="en-US" dirty="0"/>
-              <a:t>Formulate a data structure (array, table) that can look-up solution to any sub-problem in constant time</a:t>
-            </a:r>
-          </a:p>
-          <a:p>
-            <a:pPr marL="971550" lvl="1" indent="-514350">
-              <a:buFont typeface="+mj-lt"/>
-              <a:buAutoNum type="arabicPeriod"/>
-            </a:pPr>
-            <a:r>
-              <a:rPr lang="en-US" dirty="0"/>
-              <a:t>Select a good order for solving subproblems</a:t>
-            </a:r>
-          </a:p>
-          <a:p>
-            <a:pPr lvl="2"/>
-            <a:r>
-              <a:rPr lang="en-US" dirty="0"/>
-              <a:t>“Top Down”: Solve each recursively.  (Using memorization – we’ll do later!)</a:t>
-            </a:r>
-          </a:p>
-          <a:p>
-            <a:pPr lvl="2"/>
-            <a:r>
-              <a:rPr lang="en-US" dirty="0"/>
-              <a:t>“Bottom Up”: Iteratively solve smallest to largest</a:t>
-            </a:r>
-          </a:p>
-        </p:txBody>
-      </p:sp>
-      <p:sp>
-        <p:nvSpPr>
-          <p:cNvPr id="2" name="Title 1"/>
-          <p:cNvSpPr>
-            <a:spLocks noGrp="1"/>
-          </p:cNvSpPr>
-          <p:nvPr>
-            <p:ph type="title"/>
-          </p:nvPr>
-        </p:nvSpPr>
-        <p:spPr/>
-        <p:txBody>
-          <a:bodyPr/>
-          <a:lstStyle/>
-          <a:p>
-            <a:r>
-              <a:rPr lang="en-US" dirty="0"/>
-              <a:t>Dynamic Programming</a:t>
-            </a:r>
-          </a:p>
-        </p:txBody>
-      </p:sp>
-      <p:sp>
-        <p:nvSpPr>
-          <p:cNvPr id="4" name="Slide Number Placeholder 3"/>
-          <p:cNvSpPr>
-            <a:spLocks noGrp="1"/>
-          </p:cNvSpPr>
-          <p:nvPr>
-            <p:ph type="sldNum" sz="quarter" idx="12"/>
-          </p:nvPr>
-        </p:nvSpPr>
-        <p:spPr/>
-        <p:txBody>
-          <a:bodyPr/>
-          <a:lstStyle/>
-          <a:p>
-            <a:fld id="{86BADE50-950A-4D58-BFB2-FA2C6A8B385D}" type="slidenum">
-              <a:rPr lang="en-US" smtClean="0"/>
-              <a:t>28</a:t>
-            </a:fld>
-            <a:endParaRPr lang="en-US"/>
-          </a:p>
-        </p:txBody>
-      </p:sp>
-    </p:spTree>
-    <p:extLst>
-      <p:ext uri="{BB962C8B-B14F-4D97-AF65-F5344CB8AC3E}">
-        <p14:creationId xmlns:p14="http://schemas.microsoft.com/office/powerpoint/2010/main" val="1097554858"/>
-      </p:ext>
-    </p:extLst>
-  </p:cSld>
-  <p:clrMapOvr>
-    <a:masterClrMapping/>
-  </p:clrMapOvr>
-</p:sld>
-</file>
-
-<file path=ppt/slides/slide29.xml><?xml version="1.0" encoding="utf-8"?>
-<p:sld xmlns:a="http://schemas.openxmlformats.org/drawingml/2006/main" xmlns:r="http://schemas.openxmlformats.org/officeDocument/2006/relationships" xmlns:p="http://schemas.openxmlformats.org/presentationml/2006/main">
-  <p:cSld>
-    <p:spTree>
-      <p:nvGrpSpPr>
-        <p:cNvPr id="1" name=""/>
-        <p:cNvGrpSpPr/>
-        <p:nvPr/>
-      </p:nvGrpSpPr>
-      <p:grpSpPr>
-        <a:xfrm>
-          <a:off x="0" y="0"/>
-          <a:ext cx="0" cy="0"/>
-          <a:chOff x="0" y="0"/>
-          <a:chExt cx="0" cy="0"/>
-        </a:xfrm>
-      </p:grpSpPr>
-      <p:sp>
-        <p:nvSpPr>
-          <p:cNvPr id="2" name="Title 1"/>
-          <p:cNvSpPr>
-            <a:spLocks noGrp="1"/>
-          </p:cNvSpPr>
-          <p:nvPr>
-            <p:ph type="title"/>
-          </p:nvPr>
-        </p:nvSpPr>
-        <p:spPr/>
-        <p:txBody>
-          <a:bodyPr>
-            <a:normAutofit/>
-          </a:bodyPr>
-          <a:lstStyle/>
-          <a:p>
-            <a:r>
-              <a:rPr lang="en-US" dirty="0"/>
-              <a:t>1. Identify Recursive Structure</a:t>
-            </a:r>
-          </a:p>
-        </p:txBody>
-      </p:sp>
-      <p:sp>
-        <p:nvSpPr>
-          <p:cNvPr id="4" name="Slide Number Placeholder 3"/>
-          <p:cNvSpPr>
-            <a:spLocks noGrp="1"/>
-          </p:cNvSpPr>
-          <p:nvPr>
-            <p:ph type="sldNum" sz="quarter" idx="12"/>
-          </p:nvPr>
-        </p:nvSpPr>
-        <p:spPr/>
-        <p:txBody>
-          <a:bodyPr/>
-          <a:lstStyle/>
-          <a:p>
-            <a:fld id="{86BADE50-950A-4D58-BFB2-FA2C6A8B385D}" type="slidenum">
-              <a:rPr lang="en-US" smtClean="0"/>
-              <a:t>29</a:t>
-            </a:fld>
-            <a:endParaRPr lang="en-US"/>
-          </a:p>
-        </p:txBody>
-      </p:sp>
-      <p:pic>
-        <p:nvPicPr>
-          <p:cNvPr id="5" name="Picture 2" descr="Image result for log"/>
-          <p:cNvPicPr>
-            <a:picLocks noChangeAspect="1" noChangeArrowheads="1"/>
-          </p:cNvPicPr>
-          <p:nvPr/>
-        </p:nvPicPr>
-        <p:blipFill rotWithShape="1">
-          <a:blip r:embed="rId2" cstate="print">
-            <a:extLst>
-              <a:ext uri="{28A0092B-C50C-407E-A947-70E740481C1C}">
-                <a14:useLocalDpi xmlns:a14="http://schemas.microsoft.com/office/drawing/2010/main" val="0"/>
-              </a:ext>
-            </a:extLst>
-          </a:blip>
-          <a:srcRect l="38123" r="37586"/>
-          <a:stretch/>
-        </p:blipFill>
-        <p:spPr bwMode="auto">
-          <a:xfrm rot="5400000">
-            <a:off x="4560100" y="2687823"/>
-            <a:ext cx="1600201" cy="6587752"/>
-          </a:xfrm>
-          <a:prstGeom prst="rect">
-            <a:avLst/>
-          </a:prstGeom>
-          <a:noFill/>
-          <a:extLst>
-            <a:ext uri="{909E8E84-426E-40DD-AFC4-6F175D3DCCD1}">
-              <a14:hiddenFill xmlns:a14="http://schemas.microsoft.com/office/drawing/2010/main">
-                <a:solidFill>
-                  <a:srgbClr val="FFFFFF"/>
-                </a:solidFill>
-              </a14:hiddenFill>
-            </a:ext>
-          </a:extLst>
-        </p:spPr>
-      </p:pic>
-      <mc:AlternateContent xmlns:mc="http://schemas.openxmlformats.org/markup-compatibility/2006" xmlns:a14="http://schemas.microsoft.com/office/drawing/2010/main">
-        <mc:Choice Requires="a14">
-          <p:sp>
-            <p:nvSpPr>
-              <p:cNvPr id="6" name="TextBox 5"/>
-              <p:cNvSpPr txBox="1"/>
-              <p:nvPr/>
-            </p:nvSpPr>
-            <p:spPr>
-              <a:xfrm>
-                <a:off x="2438400" y="1828800"/>
-                <a:ext cx="7623112" cy="523220"/>
-              </a:xfrm>
-              <a:prstGeom prst="rect">
-                <a:avLst/>
-              </a:prstGeom>
-              <a:noFill/>
-            </p:spPr>
-            <p:txBody>
-              <a:bodyPr wrap="none" rtlCol="0">
-                <a:spAutoFit/>
-              </a:bodyPr>
-              <a:lstStyle/>
-              <a:p>
-                <a14:m>
-                  <m:oMath xmlns:m="http://schemas.openxmlformats.org/officeDocument/2006/math">
-                    <m:r>
-                      <a:rPr lang="en-US" sz="2800" i="1" dirty="0">
-                        <a:solidFill>
-                          <a:srgbClr val="FF33CC"/>
-                        </a:solidFill>
-                        <a:latin typeface="Cambria Math"/>
-                      </a:rPr>
-                      <m:t>𝐶𝑢𝑡</m:t>
-                    </m:r>
-                    <m:r>
-                      <a:rPr lang="en-US" sz="2800" i="1" dirty="0">
-                        <a:solidFill>
-                          <a:srgbClr val="FF33CC"/>
-                        </a:solidFill>
-                        <a:latin typeface="Cambria Math"/>
-                      </a:rPr>
-                      <m:t>(</m:t>
-                    </m:r>
-                    <m:r>
-                      <a:rPr lang="en-US" sz="2800" i="1" dirty="0">
-                        <a:solidFill>
-                          <a:srgbClr val="FF33CC"/>
-                        </a:solidFill>
-                        <a:latin typeface="Cambria Math"/>
-                      </a:rPr>
-                      <m:t>𝑛</m:t>
-                    </m:r>
-                    <m:r>
-                      <a:rPr lang="en-US" sz="2800" i="1" dirty="0">
-                        <a:solidFill>
-                          <a:srgbClr val="FF33CC"/>
-                        </a:solidFill>
-                        <a:latin typeface="Cambria Math"/>
-                      </a:rPr>
-                      <m:t>)=</m:t>
-                    </m:r>
-                  </m:oMath>
-                </a14:m>
-                <a:r>
-                  <a:rPr lang="en-US" sz="2800" dirty="0">
-                    <a:solidFill>
-                      <a:srgbClr val="FF33CC"/>
-                    </a:solidFill>
-                  </a:rPr>
-                  <a:t> </a:t>
-                </a:r>
-                <a:r>
-                  <a:rPr lang="en-US" sz="2800" dirty="0"/>
-                  <a:t>value of best way to cut a log of length </a:t>
-                </a:r>
-                <a14:m>
-                  <m:oMath xmlns:m="http://schemas.openxmlformats.org/officeDocument/2006/math">
-                    <m:r>
-                      <a:rPr lang="en-US" sz="2800" i="1">
-                        <a:latin typeface="Cambria Math"/>
-                      </a:rPr>
-                      <m:t>𝑛</m:t>
-                    </m:r>
-                  </m:oMath>
-                </a14:m>
-                <a:endParaRPr lang="en-US" sz="2800" dirty="0"/>
-              </a:p>
-            </p:txBody>
-          </p:sp>
-        </mc:Choice>
-        <mc:Fallback xmlns="">
-          <p:sp>
-            <p:nvSpPr>
-              <p:cNvPr id="6" name="TextBox 5"/>
-              <p:cNvSpPr txBox="1">
-                <a:spLocks noRot="1" noChangeAspect="1" noMove="1" noResize="1" noEditPoints="1" noAdjustHandles="1" noChangeArrowheads="1" noChangeShapeType="1" noTextEdit="1"/>
-              </p:cNvSpPr>
-              <p:nvPr/>
-            </p:nvSpPr>
-            <p:spPr>
-              <a:xfrm>
-                <a:off x="2438400" y="1828800"/>
-                <a:ext cx="7623112" cy="523220"/>
-              </a:xfrm>
-              <a:prstGeom prst="rect">
-                <a:avLst/>
-              </a:prstGeom>
-              <a:blipFill>
-                <a:blip r:embed="rId3"/>
-                <a:stretch>
-                  <a:fillRect l="-500" t="-14634" b="-29268"/>
-                </a:stretch>
-              </a:blipFill>
-            </p:spPr>
-            <p:txBody>
-              <a:bodyPr/>
-              <a:lstStyle/>
-              <a:p>
-                <a:r>
-                  <a:rPr lang="en-US">
-                    <a:noFill/>
-                  </a:rPr>
-                  <a:t> </a:t>
-                </a:r>
-              </a:p>
-            </p:txBody>
-          </p:sp>
-        </mc:Fallback>
-      </mc:AlternateContent>
-      <p:cxnSp>
-        <p:nvCxnSpPr>
-          <p:cNvPr id="8" name="Straight Connector 7"/>
-          <p:cNvCxnSpPr/>
-          <p:nvPr/>
-        </p:nvCxnSpPr>
-        <p:spPr>
-          <a:xfrm>
-            <a:off x="7391400" y="5181598"/>
-            <a:ext cx="0" cy="1600202"/>
-          </a:xfrm>
-          <a:prstGeom prst="line">
-            <a:avLst/>
-          </a:prstGeom>
-          <a:ln w="76200">
-            <a:solidFill>
-              <a:srgbClr val="00B0F0"/>
-            </a:solidFill>
-          </a:ln>
-        </p:spPr>
-        <p:style>
-          <a:lnRef idx="1">
-            <a:schemeClr val="accent1"/>
-          </a:lnRef>
-          <a:fillRef idx="0">
-            <a:schemeClr val="accent1"/>
-          </a:fillRef>
-          <a:effectRef idx="0">
-            <a:schemeClr val="accent1"/>
-          </a:effectRef>
-          <a:fontRef idx="minor">
-            <a:schemeClr val="tx1"/>
-          </a:fontRef>
-        </p:style>
-      </p:cxnSp>
-      <mc:AlternateContent xmlns:mc="http://schemas.openxmlformats.org/markup-compatibility/2006" xmlns:a14="http://schemas.microsoft.com/office/drawing/2010/main">
-        <mc:Choice Requires="a14">
-          <p:sp>
-            <p:nvSpPr>
-              <p:cNvPr id="11" name="TextBox 10"/>
-              <p:cNvSpPr txBox="1"/>
-              <p:nvPr/>
-            </p:nvSpPr>
-            <p:spPr>
-              <a:xfrm>
-                <a:off x="7620001" y="4724401"/>
-                <a:ext cx="567912" cy="461665"/>
-              </a:xfrm>
-              <a:prstGeom prst="rect">
-                <a:avLst/>
-              </a:prstGeom>
-              <a:noFill/>
-            </p:spPr>
-            <p:txBody>
-              <a:bodyPr wrap="none" rtlCol="0">
-                <a:spAutoFit/>
-              </a:bodyPr>
-              <a:lstStyle/>
-              <a:p>
-                <a:pPr/>
-                <a14:m>
-                  <m:oMathPara xmlns:m="http://schemas.openxmlformats.org/officeDocument/2006/math">
-                    <m:oMathParaPr>
-                      <m:jc m:val="centerGroup"/>
-                    </m:oMathParaPr>
-                    <m:oMath xmlns:m="http://schemas.openxmlformats.org/officeDocument/2006/math">
-                      <m:sSub>
-                        <m:sSubPr>
-                          <m:ctrlPr>
-                            <a:rPr lang="en-US" sz="2400" i="1" smtClean="0">
-                              <a:solidFill>
-                                <a:srgbClr val="0070C0"/>
-                              </a:solidFill>
-                              <a:latin typeface="Cambria Math" panose="02040503050406030204" pitchFamily="18" charset="0"/>
-                            </a:rPr>
-                          </m:ctrlPr>
-                        </m:sSubPr>
-                        <m:e>
-                          <m:r>
-                            <a:rPr lang="en-US" sz="2400" i="1">
-                              <a:solidFill>
-                                <a:srgbClr val="0070C0"/>
-                              </a:solidFill>
-                              <a:latin typeface="Cambria Math"/>
-                            </a:rPr>
-                            <m:t>ℓ</m:t>
-                          </m:r>
-                        </m:e>
-                        <m:sub>
-                          <m:r>
-                            <a:rPr lang="en-US" sz="2400" b="0" i="1" smtClean="0">
-                              <a:solidFill>
-                                <a:srgbClr val="0070C0"/>
-                              </a:solidFill>
-                              <a:latin typeface="Cambria Math" panose="02040503050406030204" pitchFamily="18" charset="0"/>
-                            </a:rPr>
-                            <m:t>𝑘</m:t>
-                          </m:r>
-                        </m:sub>
-                      </m:sSub>
-                    </m:oMath>
-                  </m:oMathPara>
-                </a14:m>
-                <a:endParaRPr lang="en-US" sz="2400" dirty="0">
-                  <a:solidFill>
-                    <a:srgbClr val="0070C0"/>
-                  </a:solidFill>
-                </a:endParaRPr>
-              </a:p>
-            </p:txBody>
-          </p:sp>
-        </mc:Choice>
-        <mc:Fallback xmlns="">
-          <p:sp>
-            <p:nvSpPr>
-              <p:cNvPr id="11" name="TextBox 10"/>
-              <p:cNvSpPr txBox="1">
-                <a:spLocks noRot="1" noChangeAspect="1" noMove="1" noResize="1" noEditPoints="1" noAdjustHandles="1" noChangeArrowheads="1" noChangeShapeType="1" noTextEdit="1"/>
-              </p:cNvSpPr>
-              <p:nvPr/>
-            </p:nvSpPr>
-            <p:spPr>
-              <a:xfrm>
-                <a:off x="7620001" y="4724401"/>
-                <a:ext cx="567912" cy="461665"/>
-              </a:xfrm>
-              <a:prstGeom prst="rect">
-                <a:avLst/>
-              </a:prstGeom>
-              <a:blipFill>
-                <a:blip r:embed="rId4"/>
-                <a:stretch>
-                  <a:fillRect b="-2778"/>
-                </a:stretch>
-              </a:blipFill>
-            </p:spPr>
-            <p:txBody>
-              <a:bodyPr/>
-              <a:lstStyle/>
-              <a:p>
-                <a:r>
-                  <a:rPr lang="en-US">
-                    <a:noFill/>
-                  </a:rPr>
-                  <a:t> </a:t>
-                </a:r>
-              </a:p>
-            </p:txBody>
-          </p:sp>
-        </mc:Fallback>
-      </mc:AlternateContent>
-      <p:sp>
-        <p:nvSpPr>
-          <p:cNvPr id="12" name="Right Brace 11"/>
-          <p:cNvSpPr/>
-          <p:nvPr/>
-        </p:nvSpPr>
-        <p:spPr>
-          <a:xfrm rot="16200000">
-            <a:off x="4500265" y="2366661"/>
-            <a:ext cx="457200" cy="5325078"/>
-          </a:xfrm>
-          <a:prstGeom prst="rightBrace">
-            <a:avLst/>
-          </a:prstGeom>
-          <a:ln w="76200">
-            <a:solidFill>
-              <a:srgbClr val="FF33CC"/>
-            </a:solidFill>
-          </a:ln>
-        </p:spPr>
-        <p:style>
-          <a:lnRef idx="1">
-            <a:schemeClr val="accent1"/>
-          </a:lnRef>
-          <a:fillRef idx="0">
-            <a:schemeClr val="accent1"/>
-          </a:fillRef>
-          <a:effectRef idx="0">
-            <a:schemeClr val="accent1"/>
-          </a:effectRef>
-          <a:fontRef idx="minor">
-            <a:schemeClr val="tx1"/>
-          </a:fontRef>
-        </p:style>
-        <p:txBody>
-          <a:bodyPr rtlCol="0" anchor="ctr"/>
-          <a:lstStyle/>
-          <a:p>
-            <a:pPr algn="ctr"/>
-            <a:endParaRPr lang="en-US"/>
-          </a:p>
-        </p:txBody>
-      </p:sp>
-      <mc:AlternateContent xmlns:mc="http://schemas.openxmlformats.org/markup-compatibility/2006" xmlns:a14="http://schemas.microsoft.com/office/drawing/2010/main">
-        <mc:Choice Requires="a14">
-          <p:sp>
-            <p:nvSpPr>
-              <p:cNvPr id="13" name="TextBox 12"/>
-              <p:cNvSpPr txBox="1"/>
-              <p:nvPr/>
-            </p:nvSpPr>
-            <p:spPr>
-              <a:xfrm>
-                <a:off x="3794410" y="4358119"/>
-                <a:ext cx="1925976" cy="461665"/>
-              </a:xfrm>
-              <a:prstGeom prst="rect">
-                <a:avLst/>
-              </a:prstGeom>
-              <a:noFill/>
-            </p:spPr>
-            <p:txBody>
-              <a:bodyPr wrap="none" rtlCol="0">
-                <a:spAutoFit/>
-              </a:bodyPr>
-              <a:lstStyle/>
-              <a:p>
-                <a:pPr/>
-                <a14:m>
-                  <m:oMathPara xmlns:m="http://schemas.openxmlformats.org/officeDocument/2006/math">
-                    <m:oMathParaPr>
-                      <m:jc m:val="centerGroup"/>
-                    </m:oMathParaPr>
-                    <m:oMath xmlns:m="http://schemas.openxmlformats.org/officeDocument/2006/math">
-                      <m:r>
-                        <a:rPr lang="en-US" sz="2400" i="1" smtClean="0">
-                          <a:solidFill>
-                            <a:srgbClr val="FF33CC"/>
-                          </a:solidFill>
-                          <a:latin typeface="Cambria Math"/>
-                        </a:rPr>
-                        <m:t>𝐶𝑢𝑡</m:t>
-                      </m:r>
-                      <m:r>
-                        <a:rPr lang="en-US" sz="2400" i="1" smtClean="0">
-                          <a:solidFill>
-                            <a:srgbClr val="FF33CC"/>
-                          </a:solidFill>
-                          <a:latin typeface="Cambria Math"/>
-                        </a:rPr>
-                        <m:t>(</m:t>
-                      </m:r>
-                      <m:r>
-                        <a:rPr lang="en-US" sz="2400" i="1" smtClean="0">
-                          <a:solidFill>
-                            <a:srgbClr val="FF33CC"/>
-                          </a:solidFill>
-                          <a:latin typeface="Cambria Math"/>
-                        </a:rPr>
-                        <m:t>𝑛</m:t>
-                      </m:r>
-                      <m:r>
-                        <a:rPr lang="en-US" sz="2400" i="1" smtClean="0">
-                          <a:solidFill>
-                            <a:srgbClr val="FF33CC"/>
-                          </a:solidFill>
-                          <a:latin typeface="Cambria Math"/>
-                        </a:rPr>
-                        <m:t>−</m:t>
-                      </m:r>
-                      <m:sSub>
-                        <m:sSubPr>
-                          <m:ctrlPr>
-                            <a:rPr lang="en-US" sz="2400" i="1" smtClean="0">
-                              <a:solidFill>
-                                <a:srgbClr val="FF33CC"/>
-                              </a:solidFill>
-                              <a:latin typeface="Cambria Math" panose="02040503050406030204" pitchFamily="18" charset="0"/>
-                            </a:rPr>
-                          </m:ctrlPr>
-                        </m:sSubPr>
-                        <m:e>
-                          <m:r>
-                            <a:rPr lang="en-US" sz="2400" i="1">
-                              <a:solidFill>
-                                <a:srgbClr val="FF33CC"/>
-                              </a:solidFill>
-                              <a:latin typeface="Cambria Math"/>
-                            </a:rPr>
-                            <m:t>ℓ</m:t>
-                          </m:r>
-                        </m:e>
-                        <m:sub>
-                          <m:r>
-                            <a:rPr lang="en-US" sz="2400" b="0" i="1" smtClean="0">
-                              <a:solidFill>
-                                <a:srgbClr val="FF33CC"/>
-                              </a:solidFill>
-                              <a:latin typeface="Cambria Math" panose="02040503050406030204" pitchFamily="18" charset="0"/>
-                            </a:rPr>
-                            <m:t>𝑘</m:t>
-                          </m:r>
-                        </m:sub>
-                      </m:sSub>
-                      <m:r>
-                        <a:rPr lang="en-US" sz="2400" i="1">
-                          <a:solidFill>
-                            <a:srgbClr val="FF33CC"/>
-                          </a:solidFill>
-                          <a:latin typeface="Cambria Math"/>
-                        </a:rPr>
-                        <m:t>)</m:t>
-                      </m:r>
-                    </m:oMath>
-                  </m:oMathPara>
-                </a14:m>
-                <a:endParaRPr lang="en-US" sz="2400" dirty="0">
-                  <a:solidFill>
-                    <a:srgbClr val="FF33CC"/>
-                  </a:solidFill>
-                </a:endParaRPr>
-              </a:p>
-            </p:txBody>
-          </p:sp>
-        </mc:Choice>
-        <mc:Fallback xmlns="">
-          <p:sp>
-            <p:nvSpPr>
-              <p:cNvPr id="13" name="TextBox 12"/>
-              <p:cNvSpPr txBox="1">
-                <a:spLocks noRot="1" noChangeAspect="1" noMove="1" noResize="1" noEditPoints="1" noAdjustHandles="1" noChangeArrowheads="1" noChangeShapeType="1" noTextEdit="1"/>
-              </p:cNvSpPr>
-              <p:nvPr/>
-            </p:nvSpPr>
-            <p:spPr>
-              <a:xfrm>
-                <a:off x="3794410" y="4358119"/>
-                <a:ext cx="1925976" cy="461665"/>
-              </a:xfrm>
-              <a:prstGeom prst="rect">
-                <a:avLst/>
-              </a:prstGeom>
-              <a:blipFill>
-                <a:blip r:embed="rId5"/>
-                <a:stretch>
-                  <a:fillRect b="-13158"/>
-                </a:stretch>
-              </a:blipFill>
-            </p:spPr>
-            <p:txBody>
-              <a:bodyPr/>
-              <a:lstStyle/>
-              <a:p>
-                <a:r>
-                  <a:rPr lang="en-US">
-                    <a:noFill/>
-                  </a:rPr>
-                  <a:t> </a:t>
-                </a:r>
-              </a:p>
-            </p:txBody>
-          </p:sp>
-        </mc:Fallback>
-      </mc:AlternateContent>
-      <mc:AlternateContent xmlns:mc="http://schemas.openxmlformats.org/markup-compatibility/2006" xmlns:a14="http://schemas.microsoft.com/office/drawing/2010/main">
-        <mc:Choice Requires="a14">
-          <p:sp>
-            <p:nvSpPr>
-              <p:cNvPr id="14" name="TextBox 13"/>
-              <p:cNvSpPr txBox="1"/>
-              <p:nvPr/>
-            </p:nvSpPr>
-            <p:spPr>
-              <a:xfrm>
-                <a:off x="2438400" y="2893963"/>
-                <a:ext cx="2611164" cy="523220"/>
-              </a:xfrm>
-              <a:prstGeom prst="rect">
-                <a:avLst/>
-              </a:prstGeom>
-              <a:noFill/>
-            </p:spPr>
-            <p:txBody>
-              <a:bodyPr wrap="none" rtlCol="0">
-                <a:spAutoFit/>
-              </a:bodyPr>
-              <a:lstStyle/>
-              <a:p>
-                <a14:m>
-                  <m:oMath xmlns:m="http://schemas.openxmlformats.org/officeDocument/2006/math">
-                    <m:r>
-                      <a:rPr lang="en-US" sz="2800" i="1" dirty="0">
-                        <a:solidFill>
-                          <a:srgbClr val="FF33CC"/>
-                        </a:solidFill>
-                        <a:latin typeface="Cambria Math"/>
-                      </a:rPr>
-                      <m:t>𝐶𝑢𝑡</m:t>
-                    </m:r>
-                    <m:d>
-                      <m:dPr>
-                        <m:ctrlPr>
-                          <a:rPr lang="en-US" sz="2800" i="1" dirty="0">
-                            <a:solidFill>
-                              <a:srgbClr val="FF33CC"/>
-                            </a:solidFill>
-                            <a:latin typeface="Cambria Math" panose="02040503050406030204" pitchFamily="18" charset="0"/>
-                          </a:rPr>
-                        </m:ctrlPr>
-                      </m:dPr>
-                      <m:e>
-                        <m:r>
-                          <a:rPr lang="en-US" sz="2800" i="1" dirty="0">
-                            <a:solidFill>
-                              <a:srgbClr val="FF33CC"/>
-                            </a:solidFill>
-                            <a:latin typeface="Cambria Math"/>
-                          </a:rPr>
-                          <m:t>𝑛</m:t>
-                        </m:r>
-                      </m:e>
-                    </m:d>
-                    <m:r>
-                      <a:rPr lang="en-US" sz="2800" i="1" dirty="0">
-                        <a:latin typeface="Cambria Math"/>
-                      </a:rPr>
-                      <m:t>=</m:t>
-                    </m:r>
-                    <m:r>
-                      <m:rPr>
-                        <m:sty m:val="p"/>
-                      </m:rPr>
-                      <a:rPr lang="en-US" sz="2800" dirty="0">
-                        <a:latin typeface="Cambria Math"/>
-                      </a:rPr>
-                      <m:t>max</m:t>
-                    </m:r>
-                    <m:r>
-                      <a:rPr lang="en-US" sz="2800" i="1" dirty="0">
-                        <a:solidFill>
-                          <a:srgbClr val="0070C0"/>
-                        </a:solidFill>
-                        <a:latin typeface="Cambria Math"/>
-                      </a:rPr>
-                      <m:t>⁡</m:t>
-                    </m:r>
-                  </m:oMath>
-                </a14:m>
-                <a:r>
-                  <a:rPr lang="en-US" sz="2800" dirty="0">
-                    <a:solidFill>
-                      <a:srgbClr val="0070C0"/>
-                    </a:solidFill>
-                  </a:rPr>
-                  <a:t> </a:t>
-                </a:r>
-              </a:p>
-            </p:txBody>
-          </p:sp>
-        </mc:Choice>
-        <mc:Fallback xmlns="">
-          <p:sp>
-            <p:nvSpPr>
-              <p:cNvPr id="14" name="TextBox 13"/>
-              <p:cNvSpPr txBox="1">
-                <a:spLocks noRot="1" noChangeAspect="1" noMove="1" noResize="1" noEditPoints="1" noAdjustHandles="1" noChangeArrowheads="1" noChangeShapeType="1" noTextEdit="1"/>
-              </p:cNvSpPr>
-              <p:nvPr/>
-            </p:nvSpPr>
-            <p:spPr>
-              <a:xfrm>
-                <a:off x="2438400" y="2893963"/>
-                <a:ext cx="2611164" cy="523220"/>
-              </a:xfrm>
-              <a:prstGeom prst="rect">
-                <a:avLst/>
-              </a:prstGeom>
-              <a:blipFill>
-                <a:blip r:embed="rId6"/>
-                <a:stretch>
-                  <a:fillRect l="-1456" b="-19512"/>
-                </a:stretch>
-              </a:blipFill>
-            </p:spPr>
-            <p:txBody>
-              <a:bodyPr/>
-              <a:lstStyle/>
-              <a:p>
-                <a:r>
-                  <a:rPr lang="en-US">
-                    <a:noFill/>
-                  </a:rPr>
-                  <a:t> </a:t>
-                </a:r>
-              </a:p>
-            </p:txBody>
-          </p:sp>
-        </mc:Fallback>
-      </mc:AlternateContent>
-      <mc:AlternateContent xmlns:mc="http://schemas.openxmlformats.org/markup-compatibility/2006" xmlns:a14="http://schemas.microsoft.com/office/drawing/2010/main">
-        <mc:Choice Requires="a14">
-          <p:sp>
-            <p:nvSpPr>
-              <p:cNvPr id="15" name="TextBox 14"/>
-              <p:cNvSpPr txBox="1"/>
-              <p:nvPr/>
-            </p:nvSpPr>
-            <p:spPr>
-              <a:xfrm>
-                <a:off x="5221879" y="2367297"/>
-                <a:ext cx="3139514" cy="1815882"/>
-              </a:xfrm>
-              <a:prstGeom prst="rect">
-                <a:avLst/>
-              </a:prstGeom>
-              <a:noFill/>
-            </p:spPr>
-            <p:txBody>
-              <a:bodyPr wrap="none" rtlCol="0">
-                <a:spAutoFit/>
-              </a:bodyPr>
-              <a:lstStyle/>
-              <a:p>
-                <a14:m>
-                  <m:oMath xmlns:m="http://schemas.openxmlformats.org/officeDocument/2006/math">
-                    <m:r>
-                      <a:rPr lang="en-US" sz="2800" i="1">
-                        <a:solidFill>
-                          <a:srgbClr val="FF33CC"/>
-                        </a:solidFill>
-                        <a:latin typeface="Cambria Math"/>
-                      </a:rPr>
-                      <m:t>𝐶𝑢𝑡</m:t>
-                    </m:r>
-                    <m:d>
-                      <m:dPr>
-                        <m:ctrlPr>
-                          <a:rPr lang="en-US" sz="2800" i="1">
-                            <a:solidFill>
-                              <a:srgbClr val="FF33CC"/>
-                            </a:solidFill>
-                            <a:latin typeface="Cambria Math" panose="02040503050406030204" pitchFamily="18" charset="0"/>
-                          </a:rPr>
-                        </m:ctrlPr>
-                      </m:dPr>
-                      <m:e>
-                        <m:r>
-                          <a:rPr lang="en-US" sz="2800" i="1">
-                            <a:solidFill>
-                              <a:srgbClr val="FF33CC"/>
-                            </a:solidFill>
-                            <a:latin typeface="Cambria Math"/>
-                          </a:rPr>
-                          <m:t>𝑛</m:t>
-                        </m:r>
-                        <m:r>
-                          <a:rPr lang="en-US" sz="2800" i="1">
-                            <a:solidFill>
-                              <a:srgbClr val="FF33CC"/>
-                            </a:solidFill>
-                            <a:latin typeface="Cambria Math"/>
-                          </a:rPr>
-                          <m:t>−1</m:t>
-                        </m:r>
-                      </m:e>
-                    </m:d>
-                    <m:r>
-                      <a:rPr lang="en-US" sz="2800" i="1">
-                        <a:latin typeface="Cambria Math"/>
-                      </a:rPr>
-                      <m:t>+</m:t>
-                    </m:r>
-                    <m:r>
-                      <a:rPr lang="en-US" sz="2800" i="1">
-                        <a:solidFill>
-                          <a:srgbClr val="0070C0"/>
-                        </a:solidFill>
-                        <a:latin typeface="Cambria Math"/>
-                      </a:rPr>
-                      <m:t>𝑃</m:t>
-                    </m:r>
-                    <m:d>
-                      <m:dPr>
-                        <m:begChr m:val="["/>
-                        <m:endChr m:val="]"/>
-                        <m:ctrlPr>
-                          <a:rPr lang="en-US" sz="2800" i="1">
-                            <a:solidFill>
-                              <a:srgbClr val="0070C0"/>
-                            </a:solidFill>
-                            <a:latin typeface="Cambria Math" panose="02040503050406030204" pitchFamily="18" charset="0"/>
-                          </a:rPr>
-                        </m:ctrlPr>
-                      </m:dPr>
-                      <m:e>
-                        <m:r>
-                          <a:rPr lang="en-US" sz="2800" i="1">
-                            <a:solidFill>
-                              <a:srgbClr val="0070C0"/>
-                            </a:solidFill>
-                            <a:latin typeface="Cambria Math"/>
-                          </a:rPr>
-                          <m:t>1</m:t>
-                        </m:r>
-                      </m:e>
-                    </m:d>
-                  </m:oMath>
-                </a14:m>
-                <a:r>
-                  <a:rPr lang="en-US" sz="2800" dirty="0">
-                    <a:solidFill>
-                      <a:srgbClr val="0070C0"/>
-                    </a:solidFill>
-                  </a:rPr>
-                  <a:t> </a:t>
-                </a:r>
-              </a:p>
-              <a:p>
-                <a14:m>
-                  <m:oMath xmlns:m="http://schemas.openxmlformats.org/officeDocument/2006/math">
-                    <m:r>
-                      <a:rPr lang="en-US" sz="2800" i="1">
-                        <a:solidFill>
-                          <a:srgbClr val="FF33CC"/>
-                        </a:solidFill>
-                        <a:latin typeface="Cambria Math"/>
-                      </a:rPr>
-                      <m:t>𝐶𝑢𝑡</m:t>
-                    </m:r>
-                    <m:d>
-                      <m:dPr>
-                        <m:ctrlPr>
-                          <a:rPr lang="en-US" sz="2800" i="1">
-                            <a:solidFill>
-                              <a:srgbClr val="FF33CC"/>
-                            </a:solidFill>
-                            <a:latin typeface="Cambria Math" panose="02040503050406030204" pitchFamily="18" charset="0"/>
-                          </a:rPr>
-                        </m:ctrlPr>
-                      </m:dPr>
-                      <m:e>
-                        <m:r>
-                          <a:rPr lang="en-US" sz="2800" i="1">
-                            <a:solidFill>
-                              <a:srgbClr val="FF33CC"/>
-                            </a:solidFill>
-                            <a:latin typeface="Cambria Math"/>
-                          </a:rPr>
-                          <m:t>𝑛</m:t>
-                        </m:r>
-                        <m:r>
-                          <a:rPr lang="en-US" sz="2800" i="1">
-                            <a:solidFill>
-                              <a:srgbClr val="FF33CC"/>
-                            </a:solidFill>
-                            <a:latin typeface="Cambria Math"/>
-                          </a:rPr>
-                          <m:t>−2</m:t>
-                        </m:r>
-                      </m:e>
-                    </m:d>
-                    <m:r>
-                      <a:rPr lang="en-US" sz="2800" i="1">
-                        <a:latin typeface="Cambria Math"/>
-                      </a:rPr>
-                      <m:t>+</m:t>
-                    </m:r>
-                    <m:r>
-                      <a:rPr lang="en-US" sz="2800" i="1">
-                        <a:solidFill>
-                          <a:srgbClr val="0070C0"/>
-                        </a:solidFill>
-                        <a:latin typeface="Cambria Math"/>
-                      </a:rPr>
-                      <m:t>𝑃</m:t>
-                    </m:r>
-                    <m:d>
-                      <m:dPr>
-                        <m:begChr m:val="["/>
-                        <m:endChr m:val="]"/>
-                        <m:ctrlPr>
-                          <a:rPr lang="en-US" sz="2800" i="1">
-                            <a:solidFill>
-                              <a:srgbClr val="0070C0"/>
-                            </a:solidFill>
-                            <a:latin typeface="Cambria Math" panose="02040503050406030204" pitchFamily="18" charset="0"/>
-                          </a:rPr>
-                        </m:ctrlPr>
-                      </m:dPr>
-                      <m:e>
-                        <m:r>
-                          <a:rPr lang="en-US" sz="2800" i="1">
-                            <a:solidFill>
-                              <a:srgbClr val="0070C0"/>
-                            </a:solidFill>
-                            <a:latin typeface="Cambria Math"/>
-                          </a:rPr>
-                          <m:t>2</m:t>
-                        </m:r>
-                      </m:e>
-                    </m:d>
-                  </m:oMath>
-                </a14:m>
-                <a:r>
-                  <a:rPr lang="en-US" sz="2800" dirty="0">
-                    <a:solidFill>
-                      <a:srgbClr val="0070C0"/>
-                    </a:solidFill>
-                  </a:rPr>
-                  <a:t> </a:t>
-                </a:r>
-              </a:p>
-              <a:p>
-                <a14:m>
-                  <m:oMath xmlns:m="http://schemas.openxmlformats.org/officeDocument/2006/math">
-                    <m:r>
-                      <a:rPr lang="en-US" sz="2800" i="1">
-                        <a:latin typeface="Cambria Math"/>
-                      </a:rPr>
-                      <m:t>…</m:t>
-                    </m:r>
-                  </m:oMath>
-                </a14:m>
-                <a:r>
-                  <a:rPr lang="en-US" sz="2800" dirty="0">
-                    <a:solidFill>
-                      <a:srgbClr val="0070C0"/>
-                    </a:solidFill>
-                  </a:rPr>
-                  <a:t> </a:t>
-                </a:r>
-              </a:p>
-              <a:p>
-                <a14:m>
-                  <m:oMath xmlns:m="http://schemas.openxmlformats.org/officeDocument/2006/math">
-                    <m:r>
-                      <a:rPr lang="en-US" sz="2800" i="1">
-                        <a:solidFill>
-                          <a:srgbClr val="FF33CC"/>
-                        </a:solidFill>
-                        <a:latin typeface="Cambria Math"/>
-                      </a:rPr>
-                      <m:t>𝐶𝑢𝑡</m:t>
-                    </m:r>
-                    <m:d>
-                      <m:dPr>
-                        <m:ctrlPr>
-                          <a:rPr lang="en-US" sz="2800" i="1">
-                            <a:solidFill>
-                              <a:srgbClr val="FF33CC"/>
-                            </a:solidFill>
-                            <a:latin typeface="Cambria Math" panose="02040503050406030204" pitchFamily="18" charset="0"/>
-                          </a:rPr>
-                        </m:ctrlPr>
-                      </m:dPr>
-                      <m:e>
-                        <m:r>
-                          <a:rPr lang="en-US" sz="2800" i="1">
-                            <a:solidFill>
-                              <a:srgbClr val="FF33CC"/>
-                            </a:solidFill>
-                            <a:latin typeface="Cambria Math"/>
-                          </a:rPr>
-                          <m:t>0</m:t>
-                        </m:r>
-                      </m:e>
-                    </m:d>
-                    <m:r>
-                      <a:rPr lang="en-US" sz="2800" i="1">
-                        <a:latin typeface="Cambria Math"/>
-                      </a:rPr>
-                      <m:t>+</m:t>
-                    </m:r>
-                    <m:r>
-                      <a:rPr lang="en-US" sz="2800" i="1">
-                        <a:solidFill>
-                          <a:srgbClr val="0070C0"/>
-                        </a:solidFill>
-                        <a:latin typeface="Cambria Math"/>
-                      </a:rPr>
-                      <m:t>𝑃</m:t>
-                    </m:r>
-                    <m:r>
-                      <a:rPr lang="en-US" sz="2800" i="1">
-                        <a:solidFill>
-                          <a:srgbClr val="0070C0"/>
-                        </a:solidFill>
-                        <a:latin typeface="Cambria Math"/>
-                      </a:rPr>
-                      <m:t>[</m:t>
-                    </m:r>
-                    <m:r>
-                      <a:rPr lang="en-US" sz="2800" i="1">
-                        <a:solidFill>
-                          <a:srgbClr val="0070C0"/>
-                        </a:solidFill>
-                        <a:latin typeface="Cambria Math"/>
-                      </a:rPr>
-                      <m:t>𝑛</m:t>
-                    </m:r>
-                    <m:r>
-                      <a:rPr lang="en-US" sz="2800" i="1">
-                        <a:solidFill>
-                          <a:srgbClr val="0070C0"/>
-                        </a:solidFill>
-                        <a:latin typeface="Cambria Math"/>
-                      </a:rPr>
-                      <m:t>]</m:t>
-                    </m:r>
-                  </m:oMath>
-                </a14:m>
-                <a:r>
-                  <a:rPr lang="en-US" sz="2800" dirty="0">
-                    <a:solidFill>
-                      <a:srgbClr val="0070C0"/>
-                    </a:solidFill>
-                  </a:rPr>
-                  <a:t> </a:t>
-                </a:r>
-              </a:p>
-            </p:txBody>
-          </p:sp>
-        </mc:Choice>
-        <mc:Fallback xmlns="">
-          <p:sp>
-            <p:nvSpPr>
-              <p:cNvPr id="15" name="TextBox 14"/>
-              <p:cNvSpPr txBox="1">
-                <a:spLocks noRot="1" noChangeAspect="1" noMove="1" noResize="1" noEditPoints="1" noAdjustHandles="1" noChangeArrowheads="1" noChangeShapeType="1" noTextEdit="1"/>
-              </p:cNvSpPr>
-              <p:nvPr/>
-            </p:nvSpPr>
-            <p:spPr>
-              <a:xfrm>
-                <a:off x="5221879" y="2367297"/>
-                <a:ext cx="3139514" cy="1815882"/>
-              </a:xfrm>
-              <a:prstGeom prst="rect">
-                <a:avLst/>
-              </a:prstGeom>
-              <a:blipFill>
-                <a:blip r:embed="rId7"/>
-                <a:stretch>
-                  <a:fillRect l="-806" b="-4861"/>
-                </a:stretch>
-              </a:blipFill>
-            </p:spPr>
-            <p:txBody>
-              <a:bodyPr/>
-              <a:lstStyle/>
-              <a:p>
-                <a:r>
-                  <a:rPr lang="en-US">
-                    <a:noFill/>
-                  </a:rPr>
-                  <a:t> </a:t>
-                </a:r>
-              </a:p>
-            </p:txBody>
-          </p:sp>
-        </mc:Fallback>
-      </mc:AlternateContent>
-      <p:sp>
-        <p:nvSpPr>
-          <p:cNvPr id="16" name="Right Brace 15"/>
-          <p:cNvSpPr/>
-          <p:nvPr/>
-        </p:nvSpPr>
-        <p:spPr>
-          <a:xfrm rot="10800000">
-            <a:off x="4800601" y="2352020"/>
-            <a:ext cx="506456" cy="1831159"/>
-          </a:xfrm>
-          <a:prstGeom prst="rightBrace">
-            <a:avLst>
-              <a:gd name="adj1" fmla="val 8333"/>
-              <a:gd name="adj2" fmla="val 56027"/>
-            </a:avLst>
-          </a:prstGeom>
-          <a:ln>
-            <a:solidFill>
-              <a:schemeClr val="tx1"/>
-            </a:solidFill>
-          </a:ln>
-        </p:spPr>
-        <p:style>
-          <a:lnRef idx="1">
-            <a:schemeClr val="accent1"/>
-          </a:lnRef>
-          <a:fillRef idx="0">
-            <a:schemeClr val="accent1"/>
-          </a:fillRef>
-          <a:effectRef idx="0">
-            <a:schemeClr val="accent1"/>
-          </a:effectRef>
-          <a:fontRef idx="minor">
-            <a:schemeClr val="tx1"/>
-          </a:fontRef>
-        </p:style>
-        <p:txBody>
-          <a:bodyPr rtlCol="0" anchor="ctr"/>
-          <a:lstStyle/>
-          <a:p>
-            <a:pPr algn="ctr"/>
-            <a:endParaRPr lang="en-US"/>
-          </a:p>
-        </p:txBody>
-      </p:sp>
-      <p:sp>
-        <p:nvSpPr>
-          <p:cNvPr id="17" name="TextBox 16"/>
-          <p:cNvSpPr txBox="1"/>
-          <p:nvPr/>
-        </p:nvSpPr>
-        <p:spPr>
-          <a:xfrm>
-            <a:off x="7391405" y="5778850"/>
-            <a:ext cx="1199111" cy="461665"/>
-          </a:xfrm>
-          <a:prstGeom prst="rect">
-            <a:avLst/>
-          </a:prstGeom>
-          <a:noFill/>
-        </p:spPr>
-        <p:txBody>
-          <a:bodyPr wrap="none" rtlCol="0">
-            <a:spAutoFit/>
-          </a:bodyPr>
-          <a:lstStyle/>
-          <a:p>
-            <a:r>
-              <a:rPr lang="en-US" sz="2400" b="1" dirty="0">
-                <a:solidFill>
-                  <a:srgbClr val="00B0F0"/>
-                </a:solidFill>
-              </a:rPr>
-              <a:t>Last Cut</a:t>
-            </a:r>
-          </a:p>
-        </p:txBody>
-      </p:sp>
-      <mc:AlternateContent xmlns:mc="http://schemas.openxmlformats.org/markup-compatibility/2006" xmlns:a14="http://schemas.microsoft.com/office/drawing/2010/main">
-        <mc:Choice Requires="a14">
-          <p:sp>
-            <p:nvSpPr>
-              <p:cNvPr id="18" name="Rectangle 17"/>
-              <p:cNvSpPr/>
-              <p:nvPr/>
-            </p:nvSpPr>
-            <p:spPr>
-              <a:xfrm>
-                <a:off x="2209800" y="5791201"/>
-                <a:ext cx="5029454" cy="461665"/>
-              </a:xfrm>
-              <a:prstGeom prst="rect">
-                <a:avLst/>
-              </a:prstGeom>
-            </p:spPr>
-            <p:txBody>
-              <a:bodyPr wrap="none">
-                <a:spAutoFit/>
-              </a:bodyPr>
-              <a:lstStyle/>
-              <a:p>
-                <a:r>
-                  <a:rPr lang="en-US" sz="2400" b="1" dirty="0">
-                    <a:solidFill>
-                      <a:srgbClr val="FF33CC"/>
-                    </a:solidFill>
-                  </a:rPr>
-                  <a:t>best way to cut a log of length </a:t>
-                </a:r>
-                <a14:m>
-                  <m:oMath xmlns:m="http://schemas.openxmlformats.org/officeDocument/2006/math">
-                    <m:r>
-                      <a:rPr lang="en-US" sz="2400" b="1" i="1">
-                        <a:solidFill>
-                          <a:srgbClr val="FF33CC"/>
-                        </a:solidFill>
-                        <a:latin typeface="Cambria Math"/>
-                      </a:rPr>
-                      <m:t>𝒏</m:t>
-                    </m:r>
-                    <m:r>
-                      <a:rPr lang="en-US" sz="2400" b="1" i="1">
-                        <a:solidFill>
-                          <a:srgbClr val="FF33CC"/>
-                        </a:solidFill>
-                        <a:latin typeface="Cambria Math"/>
-                      </a:rPr>
-                      <m:t>−</m:t>
-                    </m:r>
-                    <m:sSub>
-                      <m:sSubPr>
-                        <m:ctrlPr>
-                          <a:rPr lang="en-US" sz="2400" b="1" i="1">
-                            <a:solidFill>
-                              <a:srgbClr val="FF33CC"/>
-                            </a:solidFill>
-                            <a:latin typeface="Cambria Math" panose="02040503050406030204" pitchFamily="18" charset="0"/>
-                          </a:rPr>
-                        </m:ctrlPr>
-                      </m:sSubPr>
-                      <m:e>
-                        <m:r>
-                          <a:rPr lang="en-US" sz="2400" b="1" i="1">
-                            <a:solidFill>
-                              <a:srgbClr val="FF33CC"/>
-                            </a:solidFill>
-                            <a:latin typeface="Cambria Math"/>
-                          </a:rPr>
-                          <m:t>ℓ</m:t>
-                        </m:r>
-                      </m:e>
-                      <m:sub>
-                        <m:r>
-                          <a:rPr lang="en-US" sz="2400" b="1" i="1" smtClean="0">
-                            <a:solidFill>
-                              <a:srgbClr val="FF33CC"/>
-                            </a:solidFill>
-                            <a:latin typeface="Cambria Math" panose="02040503050406030204" pitchFamily="18" charset="0"/>
-                          </a:rPr>
-                          <m:t>𝒌</m:t>
-                        </m:r>
-                      </m:sub>
-                    </m:sSub>
-                  </m:oMath>
-                </a14:m>
-                <a:endParaRPr lang="en-US" sz="2400" b="1" dirty="0">
-                  <a:solidFill>
-                    <a:srgbClr val="FF33CC"/>
-                  </a:solidFill>
-                </a:endParaRPr>
-              </a:p>
-            </p:txBody>
-          </p:sp>
-        </mc:Choice>
-        <mc:Fallback xmlns="">
-          <p:sp>
-            <p:nvSpPr>
-              <p:cNvPr id="18" name="Rectangle 17"/>
-              <p:cNvSpPr>
-                <a:spLocks noRot="1" noChangeAspect="1" noMove="1" noResize="1" noEditPoints="1" noAdjustHandles="1" noChangeArrowheads="1" noChangeShapeType="1" noTextEdit="1"/>
-              </p:cNvSpPr>
-              <p:nvPr/>
-            </p:nvSpPr>
-            <p:spPr>
-              <a:xfrm>
-                <a:off x="2209800" y="5791201"/>
-                <a:ext cx="5029454" cy="461665"/>
-              </a:xfrm>
-              <a:prstGeom prst="rect">
-                <a:avLst/>
-              </a:prstGeom>
-              <a:blipFill>
-                <a:blip r:embed="rId8"/>
-                <a:stretch>
-                  <a:fillRect l="-1763" t="-8333" b="-30556"/>
-                </a:stretch>
-              </a:blipFill>
-            </p:spPr>
-            <p:txBody>
-              <a:bodyPr/>
-              <a:lstStyle/>
-              <a:p>
-                <a:r>
-                  <a:rPr lang="en-US">
-                    <a:noFill/>
-                  </a:rPr>
-                  <a:t> </a:t>
-                </a:r>
-              </a:p>
-            </p:txBody>
-          </p:sp>
-        </mc:Fallback>
-      </mc:AlternateContent>
-      <mc:AlternateContent xmlns:mc="http://schemas.openxmlformats.org/markup-compatibility/2006" xmlns:a14="http://schemas.microsoft.com/office/drawing/2010/main">
-        <mc:Choice Requires="a14">
-          <p:sp>
-            <p:nvSpPr>
-              <p:cNvPr id="3" name="Rectangle 2"/>
-              <p:cNvSpPr/>
-              <p:nvPr/>
-            </p:nvSpPr>
-            <p:spPr>
-              <a:xfrm>
-                <a:off x="2895601" y="1371600"/>
-                <a:ext cx="4812471" cy="523220"/>
-              </a:xfrm>
-              <a:prstGeom prst="rect">
-                <a:avLst/>
-              </a:prstGeom>
-            </p:spPr>
-            <p:txBody>
-              <a:bodyPr wrap="none">
-                <a:spAutoFit/>
-              </a:bodyPr>
-              <a:lstStyle/>
-              <a:p>
-                <a14:m>
-                  <m:oMath xmlns:m="http://schemas.openxmlformats.org/officeDocument/2006/math">
-                    <m:r>
-                      <a:rPr lang="en-US" sz="2800" i="1">
-                        <a:solidFill>
-                          <a:srgbClr val="0070C0"/>
-                        </a:solidFill>
-                        <a:latin typeface="Cambria Math"/>
-                      </a:rPr>
-                      <m:t>𝑃</m:t>
-                    </m:r>
-                    <m:d>
-                      <m:dPr>
-                        <m:begChr m:val="["/>
-                        <m:endChr m:val="]"/>
-                        <m:ctrlPr>
-                          <a:rPr lang="en-US" sz="2800" i="1">
-                            <a:solidFill>
-                              <a:srgbClr val="0070C0"/>
-                            </a:solidFill>
-                            <a:latin typeface="Cambria Math" panose="02040503050406030204" pitchFamily="18" charset="0"/>
-                          </a:rPr>
-                        </m:ctrlPr>
-                      </m:dPr>
-                      <m:e>
-                        <m:r>
-                          <a:rPr lang="en-US" sz="2800" i="1">
-                            <a:solidFill>
-                              <a:srgbClr val="0070C0"/>
-                            </a:solidFill>
-                            <a:latin typeface="Cambria Math"/>
-                          </a:rPr>
-                          <m:t>𝑖</m:t>
-                        </m:r>
-                      </m:e>
-                    </m:d>
-                    <m:r>
-                      <a:rPr lang="en-US" sz="2800">
-                        <a:solidFill>
-                          <a:srgbClr val="0070C0"/>
-                        </a:solidFill>
-                        <a:latin typeface="Cambria Math"/>
-                      </a:rPr>
-                      <m:t>=</m:t>
-                    </m:r>
-                  </m:oMath>
-                </a14:m>
-                <a:r>
-                  <a:rPr lang="en-US" sz="2800" dirty="0"/>
-                  <a:t> value of a cut of length </a:t>
-                </a:r>
-                <a14:m>
-                  <m:oMath xmlns:m="http://schemas.openxmlformats.org/officeDocument/2006/math">
-                    <m:r>
-                      <a:rPr lang="en-US" sz="2800" i="1">
-                        <a:latin typeface="Cambria Math"/>
-                      </a:rPr>
-                      <m:t>𝑖</m:t>
-                    </m:r>
-                  </m:oMath>
-                </a14:m>
-                <a:endParaRPr lang="en-US" sz="2800" dirty="0"/>
-              </a:p>
-            </p:txBody>
-          </p:sp>
-        </mc:Choice>
-        <mc:Fallback xmlns="">
-          <p:sp>
-            <p:nvSpPr>
-              <p:cNvPr id="3" name="Rectangle 2"/>
-              <p:cNvSpPr>
-                <a:spLocks noRot="1" noChangeAspect="1" noMove="1" noResize="1" noEditPoints="1" noAdjustHandles="1" noChangeArrowheads="1" noChangeShapeType="1" noTextEdit="1"/>
-              </p:cNvSpPr>
-              <p:nvPr/>
-            </p:nvSpPr>
-            <p:spPr>
-              <a:xfrm>
-                <a:off x="2895601" y="1371600"/>
-                <a:ext cx="4812471" cy="523220"/>
-              </a:xfrm>
-              <a:prstGeom prst="rect">
-                <a:avLst/>
-              </a:prstGeom>
-              <a:blipFill>
-                <a:blip r:embed="rId9"/>
-                <a:stretch>
-                  <a:fillRect l="-792" t="-14634" b="-29268"/>
-                </a:stretch>
-              </a:blipFill>
-            </p:spPr>
-            <p:txBody>
-              <a:bodyPr/>
-              <a:lstStyle/>
-              <a:p>
-                <a:r>
-                  <a:rPr lang="en-US">
-                    <a:noFill/>
-                  </a:rPr>
-                  <a:t> </a:t>
-                </a:r>
-              </a:p>
-            </p:txBody>
-          </p:sp>
-        </mc:Fallback>
-      </mc:AlternateContent>
-      <p:sp>
-        <p:nvSpPr>
-          <p:cNvPr id="19" name="Rectangle 18">
-            <a:extLst>
-              <a:ext uri="{FF2B5EF4-FFF2-40B4-BE49-F238E27FC236}">
-                <a16:creationId xmlns:a16="http://schemas.microsoft.com/office/drawing/2014/main" id="{29BB9C3A-5030-284A-BF75-60313905338F}"/>
-              </a:ext>
-            </a:extLst>
-          </p:cNvPr>
-          <p:cNvSpPr/>
-          <p:nvPr/>
-        </p:nvSpPr>
-        <p:spPr>
-          <a:xfrm>
-            <a:off x="8484896" y="2528482"/>
-            <a:ext cx="3498116" cy="1569660"/>
-          </a:xfrm>
-          <a:prstGeom prst="rect">
-            <a:avLst/>
-          </a:prstGeom>
-          <a:ln w="25400">
-            <a:solidFill>
-              <a:srgbClr val="FF33CC"/>
-            </a:solidFill>
-          </a:ln>
-        </p:spPr>
-        <p:txBody>
-          <a:bodyPr wrap="square">
-            <a:spAutoFit/>
-          </a:bodyPr>
-          <a:lstStyle/>
-          <a:p>
-            <a:r>
-              <a:rPr lang="en-US" sz="2400" dirty="0">
-                <a:solidFill>
-                  <a:srgbClr val="FF33CC"/>
-                </a:solidFill>
-              </a:rPr>
-              <a:t>So for a given value of </a:t>
-            </a:r>
-            <a:r>
-              <a:rPr lang="en-US" sz="2400" i="1" dirty="0">
-                <a:solidFill>
-                  <a:srgbClr val="FF33CC"/>
-                </a:solidFill>
-              </a:rPr>
-              <a:t>n</a:t>
-            </a:r>
-            <a:r>
-              <a:rPr lang="en-US" sz="2400" dirty="0">
-                <a:solidFill>
-                  <a:srgbClr val="FF33CC"/>
-                </a:solidFill>
-              </a:rPr>
-              <a:t>, to find </a:t>
-            </a:r>
-            <a:r>
-              <a:rPr lang="en-US" sz="2400" i="1" dirty="0">
-                <a:solidFill>
-                  <a:srgbClr val="FF33CC"/>
-                </a:solidFill>
-              </a:rPr>
-              <a:t>Cut(n)</a:t>
-            </a:r>
-            <a:r>
-              <a:rPr lang="en-US" sz="2400" dirty="0">
-                <a:solidFill>
-                  <a:srgbClr val="FF33CC"/>
-                </a:solidFill>
-              </a:rPr>
-              <a:t>, we need sub-problem solutions for </a:t>
-            </a:r>
-            <a:r>
-              <a:rPr lang="en-US" sz="2400" i="1" dirty="0">
-                <a:solidFill>
-                  <a:srgbClr val="FF33CC"/>
-                </a:solidFill>
-              </a:rPr>
-              <a:t>Cut(n-1)</a:t>
-            </a:r>
-            <a:r>
-              <a:rPr lang="en-US" sz="2400" dirty="0">
-                <a:solidFill>
-                  <a:srgbClr val="FF33CC"/>
-                </a:solidFill>
-              </a:rPr>
-              <a:t> down to </a:t>
-            </a:r>
-            <a:r>
-              <a:rPr lang="en-US" sz="2400" i="1" dirty="0">
-                <a:solidFill>
-                  <a:srgbClr val="FF33CC"/>
-                </a:solidFill>
-              </a:rPr>
-              <a:t>Cut(0)</a:t>
-            </a:r>
-            <a:r>
-              <a:rPr lang="en-US" sz="2400" dirty="0">
-                <a:solidFill>
-                  <a:srgbClr val="FF33CC"/>
-                </a:solidFill>
-              </a:rPr>
-              <a:t>.</a:t>
-            </a:r>
-          </a:p>
-        </p:txBody>
-      </p:sp>
-      <p:sp>
-        <p:nvSpPr>
-          <p:cNvPr id="21" name="Rectangle 20">
-            <a:extLst>
-              <a:ext uri="{FF2B5EF4-FFF2-40B4-BE49-F238E27FC236}">
-                <a16:creationId xmlns:a16="http://schemas.microsoft.com/office/drawing/2014/main" id="{49E63B83-B373-E841-921F-C3E9BB2F9811}"/>
-              </a:ext>
-            </a:extLst>
-          </p:cNvPr>
-          <p:cNvSpPr/>
-          <p:nvPr/>
-        </p:nvSpPr>
-        <p:spPr>
-          <a:xfrm>
-            <a:off x="8882674" y="4359390"/>
-            <a:ext cx="3100338" cy="1200329"/>
-          </a:xfrm>
-          <a:prstGeom prst="rect">
-            <a:avLst/>
-          </a:prstGeom>
-          <a:ln w="25400">
-            <a:solidFill>
-              <a:srgbClr val="FF33CC"/>
-            </a:solidFill>
-          </a:ln>
-        </p:spPr>
-        <p:txBody>
-          <a:bodyPr wrap="square">
-            <a:spAutoFit/>
-          </a:bodyPr>
-          <a:lstStyle/>
-          <a:p>
-            <a:r>
-              <a:rPr lang="en-US" sz="2400" dirty="0">
-                <a:solidFill>
-                  <a:srgbClr val="FF33CC"/>
-                </a:solidFill>
-              </a:rPr>
-              <a:t>What’s the problem with a top-down recursive approach?</a:t>
-            </a:r>
-          </a:p>
-        </p:txBody>
-      </p:sp>
-    </p:spTree>
-    <p:extLst>
-      <p:ext uri="{BB962C8B-B14F-4D97-AF65-F5344CB8AC3E}">
-        <p14:creationId xmlns:p14="http://schemas.microsoft.com/office/powerpoint/2010/main" val="2347915280"/>
-      </p:ext>
-    </p:extLst>
-  </p:cSld>
-  <p:clrMapOvr>
-    <a:masterClrMapping/>
-  </p:clrMapOvr>
-  <p:timing>
-    <p:tnLst>
-      <p:par>
-        <p:cTn id="1" dur="indefinite" restart="never" nodeType="tmRoot">
-          <p:childTnLst>
-            <p:seq concurrent="1" nextAc="seek">
-              <p:cTn id="2" dur="indefinite" nodeType="mainSeq">
-                <p:childTnLst>
-                  <p:par>
-                    <p:cTn id="3" fill="hold">
-                      <p:stCondLst>
-                        <p:cond delay="indefinite"/>
-                      </p:stCondLst>
-                      <p:childTnLst>
-                        <p:par>
-                          <p:cTn id="4" fill="hold">
-                            <p:stCondLst>
-                              <p:cond delay="0"/>
-                            </p:stCondLst>
-                            <p:childTnLst>
-                              <p:par>
-                                <p:cTn id="5" presetID="10" presetClass="entr" presetSubtype="0" fill="hold" nodeType="clickEffect">
-                                  <p:stCondLst>
-                                    <p:cond delay="0"/>
-                                  </p:stCondLst>
-                                  <p:childTnLst>
-                                    <p:set>
-                                      <p:cBhvr>
-                                        <p:cTn id="6" dur="1" fill="hold">
-                                          <p:stCondLst>
-                                            <p:cond delay="0"/>
-                                          </p:stCondLst>
-                                        </p:cTn>
-                                        <p:tgtEl>
-                                          <p:spTgt spid="8"/>
-                                        </p:tgtEl>
-                                        <p:attrNameLst>
-                                          <p:attrName>style.visibility</p:attrName>
-                                        </p:attrNameLst>
-                                      </p:cBhvr>
-                                      <p:to>
-                                        <p:strVal val="visible"/>
-                                      </p:to>
-                                    </p:set>
-                                    <p:animEffect transition="in" filter="fade">
-                                      <p:cBhvr>
-                                        <p:cTn id="7" dur="500"/>
-                                        <p:tgtEl>
-                                          <p:spTgt spid="8"/>
-                                        </p:tgtEl>
-                                      </p:cBhvr>
-                                    </p:animEffect>
-                                  </p:childTnLst>
-                                </p:cTn>
-                              </p:par>
-                              <p:par>
-                                <p:cTn id="8" presetID="10" presetClass="entr" presetSubtype="0" fill="hold" grpId="0" nodeType="withEffect">
-                                  <p:stCondLst>
-                                    <p:cond delay="0"/>
-                                  </p:stCondLst>
-                                  <p:childTnLst>
-                                    <p:set>
-                                      <p:cBhvr>
-                                        <p:cTn id="9" dur="1" fill="hold">
-                                          <p:stCondLst>
-                                            <p:cond delay="0"/>
-                                          </p:stCondLst>
-                                        </p:cTn>
-                                        <p:tgtEl>
-                                          <p:spTgt spid="11"/>
-                                        </p:tgtEl>
-                                        <p:attrNameLst>
-                                          <p:attrName>style.visibility</p:attrName>
-                                        </p:attrNameLst>
-                                      </p:cBhvr>
-                                      <p:to>
-                                        <p:strVal val="visible"/>
-                                      </p:to>
-                                    </p:set>
-                                    <p:animEffect transition="in" filter="fade">
-                                      <p:cBhvr>
-                                        <p:cTn id="10" dur="500"/>
-                                        <p:tgtEl>
-                                          <p:spTgt spid="11"/>
-                                        </p:tgtEl>
-                                      </p:cBhvr>
-                                    </p:animEffect>
-                                  </p:childTnLst>
-                                </p:cTn>
-                              </p:par>
-                              <p:par>
-                                <p:cTn id="11" presetID="10" presetClass="entr" presetSubtype="0" fill="hold" grpId="0" nodeType="withEffect">
-                                  <p:stCondLst>
-                                    <p:cond delay="0"/>
-                                  </p:stCondLst>
-                                  <p:childTnLst>
-                                    <p:set>
-                                      <p:cBhvr>
-                                        <p:cTn id="12" dur="1" fill="hold">
-                                          <p:stCondLst>
-                                            <p:cond delay="0"/>
-                                          </p:stCondLst>
-                                        </p:cTn>
-                                        <p:tgtEl>
-                                          <p:spTgt spid="17"/>
-                                        </p:tgtEl>
-                                        <p:attrNameLst>
-                                          <p:attrName>style.visibility</p:attrName>
-                                        </p:attrNameLst>
-                                      </p:cBhvr>
-                                      <p:to>
-                                        <p:strVal val="visible"/>
-                                      </p:to>
-                                    </p:set>
-                                    <p:animEffect transition="in" filter="fade">
-                                      <p:cBhvr>
-                                        <p:cTn id="13" dur="500"/>
-                                        <p:tgtEl>
-                                          <p:spTgt spid="17"/>
-                                        </p:tgtEl>
-                                      </p:cBhvr>
-                                    </p:animEffect>
-                                  </p:childTnLst>
-                                </p:cTn>
-                              </p:par>
-                            </p:childTnLst>
-                          </p:cTn>
-                        </p:par>
-                      </p:childTnLst>
-                    </p:cTn>
-                  </p:par>
-                  <p:par>
-                    <p:cTn id="14" fill="hold">
-                      <p:stCondLst>
-                        <p:cond delay="indefinite"/>
-                      </p:stCondLst>
-                      <p:childTnLst>
-                        <p:par>
-                          <p:cTn id="15" fill="hold">
-                            <p:stCondLst>
-                              <p:cond delay="0"/>
-                            </p:stCondLst>
-                            <p:childTnLst>
-                              <p:par>
-                                <p:cTn id="16" presetID="10" presetClass="entr" presetSubtype="0" fill="hold" grpId="0" nodeType="clickEffect">
-                                  <p:stCondLst>
-                                    <p:cond delay="0"/>
-                                  </p:stCondLst>
-                                  <p:childTnLst>
-                                    <p:set>
-                                      <p:cBhvr>
-                                        <p:cTn id="17" dur="1" fill="hold">
-                                          <p:stCondLst>
-                                            <p:cond delay="0"/>
-                                          </p:stCondLst>
-                                        </p:cTn>
-                                        <p:tgtEl>
-                                          <p:spTgt spid="12"/>
-                                        </p:tgtEl>
-                                        <p:attrNameLst>
-                                          <p:attrName>style.visibility</p:attrName>
-                                        </p:attrNameLst>
-                                      </p:cBhvr>
-                                      <p:to>
-                                        <p:strVal val="visible"/>
-                                      </p:to>
-                                    </p:set>
-                                    <p:animEffect transition="in" filter="fade">
-                                      <p:cBhvr>
-                                        <p:cTn id="18" dur="500"/>
-                                        <p:tgtEl>
-                                          <p:spTgt spid="12"/>
-                                        </p:tgtEl>
-                                      </p:cBhvr>
-                                    </p:animEffect>
-                                  </p:childTnLst>
-                                </p:cTn>
-                              </p:par>
-                              <p:par>
-                                <p:cTn id="19" presetID="10" presetClass="entr" presetSubtype="0" fill="hold" grpId="0" nodeType="withEffect">
-                                  <p:stCondLst>
-                                    <p:cond delay="0"/>
-                                  </p:stCondLst>
-                                  <p:childTnLst>
-                                    <p:set>
-                                      <p:cBhvr>
-                                        <p:cTn id="20" dur="1" fill="hold">
-                                          <p:stCondLst>
-                                            <p:cond delay="0"/>
-                                          </p:stCondLst>
-                                        </p:cTn>
-                                        <p:tgtEl>
-                                          <p:spTgt spid="13"/>
-                                        </p:tgtEl>
-                                        <p:attrNameLst>
-                                          <p:attrName>style.visibility</p:attrName>
-                                        </p:attrNameLst>
-                                      </p:cBhvr>
-                                      <p:to>
-                                        <p:strVal val="visible"/>
-                                      </p:to>
-                                    </p:set>
-                                    <p:animEffect transition="in" filter="fade">
-                                      <p:cBhvr>
-                                        <p:cTn id="21" dur="500"/>
-                                        <p:tgtEl>
-                                          <p:spTgt spid="13"/>
-                                        </p:tgtEl>
-                                      </p:cBhvr>
-                                    </p:animEffect>
-                                  </p:childTnLst>
-                                </p:cTn>
-                              </p:par>
-                              <p:par>
-                                <p:cTn id="22" presetID="10" presetClass="entr" presetSubtype="0" fill="hold" grpId="0" nodeType="withEffect">
-                                  <p:stCondLst>
-                                    <p:cond delay="0"/>
-                                  </p:stCondLst>
-                                  <p:childTnLst>
-                                    <p:set>
-                                      <p:cBhvr>
-                                        <p:cTn id="23" dur="1" fill="hold">
-                                          <p:stCondLst>
-                                            <p:cond delay="0"/>
-                                          </p:stCondLst>
-                                        </p:cTn>
-                                        <p:tgtEl>
-                                          <p:spTgt spid="18"/>
-                                        </p:tgtEl>
-                                        <p:attrNameLst>
-                                          <p:attrName>style.visibility</p:attrName>
-                                        </p:attrNameLst>
-                                      </p:cBhvr>
-                                      <p:to>
-                                        <p:strVal val="visible"/>
-                                      </p:to>
-                                    </p:set>
-                                    <p:animEffect transition="in" filter="fade">
-                                      <p:cBhvr>
-                                        <p:cTn id="24" dur="500"/>
-                                        <p:tgtEl>
-                                          <p:spTgt spid="18"/>
-                                        </p:tgtEl>
-                                      </p:cBhvr>
-                                    </p:animEffect>
-                                  </p:childTnLst>
-                                </p:cTn>
-                              </p:par>
-                            </p:childTnLst>
-                          </p:cTn>
-                        </p:par>
-                      </p:childTnLst>
-                    </p:cTn>
-                  </p:par>
-                  <p:par>
-                    <p:cTn id="25" fill="hold">
-                      <p:stCondLst>
-                        <p:cond delay="indefinite"/>
-                      </p:stCondLst>
-                      <p:childTnLst>
-                        <p:par>
-                          <p:cTn id="26" fill="hold">
-                            <p:stCondLst>
-                              <p:cond delay="0"/>
-                            </p:stCondLst>
-                            <p:childTnLst>
-                              <p:par>
-                                <p:cTn id="27" presetID="10" presetClass="entr" presetSubtype="0" fill="hold" grpId="0" nodeType="clickEffect">
-                                  <p:stCondLst>
-                                    <p:cond delay="0"/>
-                                  </p:stCondLst>
-                                  <p:childTnLst>
-                                    <p:set>
-                                      <p:cBhvr>
-                                        <p:cTn id="28" dur="1" fill="hold">
-                                          <p:stCondLst>
-                                            <p:cond delay="0"/>
-                                          </p:stCondLst>
-                                        </p:cTn>
-                                        <p:tgtEl>
-                                          <p:spTgt spid="14"/>
-                                        </p:tgtEl>
-                                        <p:attrNameLst>
-                                          <p:attrName>style.visibility</p:attrName>
-                                        </p:attrNameLst>
-                                      </p:cBhvr>
-                                      <p:to>
-                                        <p:strVal val="visible"/>
-                                      </p:to>
-                                    </p:set>
-                                    <p:animEffect transition="in" filter="fade">
-                                      <p:cBhvr>
-                                        <p:cTn id="29" dur="500"/>
-                                        <p:tgtEl>
-                                          <p:spTgt spid="14"/>
-                                        </p:tgtEl>
-                                      </p:cBhvr>
-                                    </p:animEffect>
-                                  </p:childTnLst>
-                                </p:cTn>
-                              </p:par>
-                              <p:par>
-                                <p:cTn id="30" presetID="10" presetClass="entr" presetSubtype="0" fill="hold" grpId="0" nodeType="withEffect">
-                                  <p:stCondLst>
-                                    <p:cond delay="0"/>
-                                  </p:stCondLst>
-                                  <p:childTnLst>
-                                    <p:set>
-                                      <p:cBhvr>
-                                        <p:cTn id="31" dur="1" fill="hold">
-                                          <p:stCondLst>
-                                            <p:cond delay="0"/>
-                                          </p:stCondLst>
-                                        </p:cTn>
-                                        <p:tgtEl>
-                                          <p:spTgt spid="15"/>
-                                        </p:tgtEl>
-                                        <p:attrNameLst>
-                                          <p:attrName>style.visibility</p:attrName>
-                                        </p:attrNameLst>
-                                      </p:cBhvr>
-                                      <p:to>
-                                        <p:strVal val="visible"/>
-                                      </p:to>
-                                    </p:set>
-                                    <p:animEffect transition="in" filter="fade">
-                                      <p:cBhvr>
-                                        <p:cTn id="32" dur="500"/>
-                                        <p:tgtEl>
-                                          <p:spTgt spid="15"/>
-                                        </p:tgtEl>
-                                      </p:cBhvr>
-                                    </p:animEffect>
-                                  </p:childTnLst>
-                                </p:cTn>
-                              </p:par>
-                              <p:par>
-                                <p:cTn id="33" presetID="10" presetClass="entr" presetSubtype="0" fill="hold" grpId="0" nodeType="withEffect">
-                                  <p:stCondLst>
-                                    <p:cond delay="0"/>
-                                  </p:stCondLst>
-                                  <p:childTnLst>
-                                    <p:set>
-                                      <p:cBhvr>
-                                        <p:cTn id="34" dur="1" fill="hold">
-                                          <p:stCondLst>
-                                            <p:cond delay="0"/>
-                                          </p:stCondLst>
-                                        </p:cTn>
-                                        <p:tgtEl>
-                                          <p:spTgt spid="16"/>
-                                        </p:tgtEl>
-                                        <p:attrNameLst>
-                                          <p:attrName>style.visibility</p:attrName>
-                                        </p:attrNameLst>
-                                      </p:cBhvr>
-                                      <p:to>
-                                        <p:strVal val="visible"/>
-                                      </p:to>
-                                    </p:set>
-                                    <p:animEffect transition="in" filter="fade">
-                                      <p:cBhvr>
-                                        <p:cTn id="35" dur="500"/>
-                                        <p:tgtEl>
-                                          <p:spTgt spid="16"/>
-                                        </p:tgtEl>
-                                      </p:cBhvr>
-                                    </p:animEffect>
-                                  </p:childTnLst>
-                                </p:cTn>
-                              </p:par>
-                            </p:childTnLst>
-                          </p:cTn>
-                        </p:par>
-                      </p:childTnLst>
-                    </p:cTn>
-                  </p:par>
-                  <p:par>
-                    <p:cTn id="36" fill="hold">
-                      <p:stCondLst>
-                        <p:cond delay="indefinite"/>
-                      </p:stCondLst>
-                      <p:childTnLst>
-                        <p:par>
-                          <p:cTn id="37" fill="hold">
-                            <p:stCondLst>
-                              <p:cond delay="0"/>
-                            </p:stCondLst>
-                            <p:childTnLst>
-                              <p:par>
-                                <p:cTn id="38" presetID="1" presetClass="entr" presetSubtype="0" fill="hold" grpId="1" nodeType="clickEffect">
-                                  <p:stCondLst>
-                                    <p:cond delay="0"/>
-                                  </p:stCondLst>
-                                  <p:childTnLst>
-                                    <p:set>
-                                      <p:cBhvr>
-                                        <p:cTn id="39" dur="1" fill="hold">
-                                          <p:stCondLst>
-                                            <p:cond delay="0"/>
-                                          </p:stCondLst>
-                                        </p:cTn>
-                                        <p:tgtEl>
-                                          <p:spTgt spid="19"/>
-                                        </p:tgtEl>
-                                        <p:attrNameLst>
-                                          <p:attrName>style.visibility</p:attrName>
-                                        </p:attrNameLst>
-                                      </p:cBhvr>
-                                      <p:to>
-                                        <p:strVal val="visible"/>
-                                      </p:to>
-                                    </p:set>
-                                  </p:childTnLst>
-                                </p:cTn>
-                              </p:par>
-                            </p:childTnLst>
-                          </p:cTn>
-                        </p:par>
-                      </p:childTnLst>
-                    </p:cTn>
-                  </p:par>
-                  <p:par>
-                    <p:cTn id="40" fill="hold">
-                      <p:stCondLst>
-                        <p:cond delay="indefinite"/>
-                      </p:stCondLst>
-                      <p:childTnLst>
-                        <p:par>
-                          <p:cTn id="41" fill="hold">
-                            <p:stCondLst>
-                              <p:cond delay="0"/>
-                            </p:stCondLst>
-                            <p:childTnLst>
-                              <p:par>
-                                <p:cTn id="42" presetID="1" presetClass="entr" presetSubtype="0" fill="hold" grpId="0" nodeType="clickEffect">
-                                  <p:stCondLst>
-                                    <p:cond delay="0"/>
-                                  </p:stCondLst>
-                                  <p:childTnLst>
-                                    <p:set>
-                                      <p:cBhvr>
-                                        <p:cTn id="43" dur="1" fill="hold">
-                                          <p:stCondLst>
-                                            <p:cond delay="0"/>
-                                          </p:stCondLst>
-                                        </p:cTn>
-                                        <p:tgtEl>
-                                          <p:spTgt spid="21"/>
-                                        </p:tgtEl>
-                                        <p:attrNameLst>
-                                          <p:attrName>style.visibility</p:attrName>
-                                        </p:attrNameLst>
-                                      </p:cBhvr>
-                                      <p:to>
-                                        <p:strVal val="visible"/>
-                                      </p:to>
-                                    </p:set>
-                                  </p:childTnLst>
-                                </p:cTn>
-                              </p:par>
-                            </p:childTnLst>
-                          </p:cTn>
-                        </p:par>
-                      </p:childTnLst>
-                    </p:cTn>
-                  </p:par>
-                </p:childTnLst>
-              </p:cTn>
-              <p:prevCondLst>
-                <p:cond evt="onPrev" delay="0">
-                  <p:tgtEl>
-                    <p:sldTgt/>
-                  </p:tgtEl>
-                </p:cond>
-              </p:prevCondLst>
-              <p:nextCondLst>
-                <p:cond evt="onNext" delay="0">
-                  <p:tgtEl>
-                    <p:sldTgt/>
-                  </p:tgtEl>
-                </p:cond>
-              </p:nextCondLst>
-            </p:seq>
-          </p:childTnLst>
-        </p:cTn>
-      </p:par>
-    </p:tnLst>
-    <p:bldLst>
-      <p:bldP spid="11" grpId="0"/>
-      <p:bldP spid="12" grpId="0" animBg="1"/>
-      <p:bldP spid="13" grpId="0"/>
-      <p:bldP spid="14" grpId="0"/>
-      <p:bldP spid="15" grpId="0"/>
-      <p:bldP spid="16" grpId="0" animBg="1"/>
-      <p:bldP spid="17" grpId="0"/>
-      <p:bldP spid="18" grpId="0"/>
-      <p:bldP spid="19" grpId="1" animBg="1"/>
-      <p:bldP spid="21" grpId="0" animBg="1"/>
     </p:bldLst>
   </p:timing>
 </p:sld>
@@ -21654,6 +19629,2328 @@
         </p:nvSpPr>
         <p:spPr>
           <a:xfrm>
+            <a:off x="1066800" y="3124200"/>
+            <a:ext cx="7467600" cy="914400"/>
+          </a:xfrm>
+          <a:prstGeom prst="rect">
+            <a:avLst/>
+          </a:prstGeom>
+          <a:solidFill>
+            <a:schemeClr val="accent4">
+              <a:lumMod val="20000"/>
+              <a:lumOff val="80000"/>
+            </a:schemeClr>
+          </a:solidFill>
+          <a:ln>
+            <a:solidFill>
+              <a:schemeClr val="accent4">
+                <a:lumMod val="75000"/>
+              </a:schemeClr>
+            </a:solidFill>
+          </a:ln>
+        </p:spPr>
+        <p:style>
+          <a:lnRef idx="2">
+            <a:schemeClr val="accent1">
+              <a:shade val="50000"/>
+            </a:schemeClr>
+          </a:lnRef>
+          <a:fillRef idx="1">
+            <a:schemeClr val="accent1"/>
+          </a:fillRef>
+          <a:effectRef idx="0">
+            <a:schemeClr val="accent1"/>
+          </a:effectRef>
+          <a:fontRef idx="minor">
+            <a:schemeClr val="lt1"/>
+          </a:fontRef>
+        </p:style>
+        <p:txBody>
+          <a:bodyPr rtlCol="0" anchor="ctr"/>
+          <a:lstStyle/>
+          <a:p>
+            <a:pPr algn="ctr"/>
+            <a:endParaRPr lang="en-US"/>
+          </a:p>
+        </p:txBody>
+      </p:sp>
+      <p:sp>
+        <p:nvSpPr>
+          <p:cNvPr id="3" name="Content Placeholder 2"/>
+          <p:cNvSpPr>
+            <a:spLocks noGrp="1"/>
+          </p:cNvSpPr>
+          <p:nvPr>
+            <p:ph idx="1"/>
+          </p:nvPr>
+        </p:nvSpPr>
+        <p:spPr/>
+        <p:txBody>
+          <a:bodyPr>
+            <a:normAutofit fontScale="92500" lnSpcReduction="10000"/>
+          </a:bodyPr>
+          <a:lstStyle/>
+          <a:p>
+            <a:r>
+              <a:rPr lang="en-US" dirty="0"/>
+              <a:t>Requires </a:t>
+            </a:r>
+            <a:r>
+              <a:rPr lang="en-US" dirty="0">
+                <a:solidFill>
+                  <a:srgbClr val="FF33CC"/>
+                </a:solidFill>
+              </a:rPr>
+              <a:t>Optimal Substructure</a:t>
+            </a:r>
+          </a:p>
+          <a:p>
+            <a:pPr lvl="1"/>
+            <a:r>
+              <a:rPr lang="en-US" dirty="0"/>
+              <a:t>Solution to larger problem contains the solutions to smaller ones</a:t>
+            </a:r>
+          </a:p>
+          <a:p>
+            <a:r>
+              <a:rPr lang="en-US" dirty="0"/>
+              <a:t>Idea:</a:t>
+            </a:r>
+          </a:p>
+          <a:p>
+            <a:pPr marL="971550" lvl="1" indent="-514350">
+              <a:buFont typeface="+mj-lt"/>
+              <a:buAutoNum type="arabicPeriod"/>
+            </a:pPr>
+            <a:r>
+              <a:rPr lang="en-US" dirty="0"/>
+              <a:t>Identify the recursive structure of the problem</a:t>
+            </a:r>
+          </a:p>
+          <a:p>
+            <a:pPr lvl="2"/>
+            <a:r>
+              <a:rPr lang="en-US" dirty="0"/>
+              <a:t>What is the “last thing” done?</a:t>
+            </a:r>
+          </a:p>
+          <a:p>
+            <a:pPr marL="971550" lvl="1" indent="-514350">
+              <a:buFont typeface="+mj-lt"/>
+              <a:buAutoNum type="arabicPeriod"/>
+            </a:pPr>
+            <a:r>
+              <a:rPr lang="en-US" dirty="0"/>
+              <a:t>Formulate a data structure (array, table) that can look-up solution to any sub-problem in constant time</a:t>
+            </a:r>
+          </a:p>
+          <a:p>
+            <a:pPr marL="971550" lvl="1" indent="-514350">
+              <a:buFont typeface="+mj-lt"/>
+              <a:buAutoNum type="arabicPeriod"/>
+            </a:pPr>
+            <a:r>
+              <a:rPr lang="en-US" dirty="0"/>
+              <a:t>Select a good order for solving subproblems</a:t>
+            </a:r>
+          </a:p>
+          <a:p>
+            <a:pPr lvl="2"/>
+            <a:r>
+              <a:rPr lang="en-US" dirty="0"/>
+              <a:t>“Top Down”: Solve each recursively.  (Using memorization – we’ll do later!)</a:t>
+            </a:r>
+          </a:p>
+          <a:p>
+            <a:pPr lvl="2"/>
+            <a:r>
+              <a:rPr lang="en-US" dirty="0"/>
+              <a:t>“Bottom Up”: Iteratively solve smallest to largest</a:t>
+            </a:r>
+          </a:p>
+        </p:txBody>
+      </p:sp>
+      <p:sp>
+        <p:nvSpPr>
+          <p:cNvPr id="2" name="Title 1"/>
+          <p:cNvSpPr>
+            <a:spLocks noGrp="1"/>
+          </p:cNvSpPr>
+          <p:nvPr>
+            <p:ph type="title"/>
+          </p:nvPr>
+        </p:nvSpPr>
+        <p:spPr/>
+        <p:txBody>
+          <a:bodyPr/>
+          <a:lstStyle/>
+          <a:p>
+            <a:r>
+              <a:rPr lang="en-US" dirty="0"/>
+              <a:t>Dynamic Programming</a:t>
+            </a:r>
+          </a:p>
+        </p:txBody>
+      </p:sp>
+      <p:sp>
+        <p:nvSpPr>
+          <p:cNvPr id="4" name="Slide Number Placeholder 3"/>
+          <p:cNvSpPr>
+            <a:spLocks noGrp="1"/>
+          </p:cNvSpPr>
+          <p:nvPr>
+            <p:ph type="sldNum" sz="quarter" idx="12"/>
+          </p:nvPr>
+        </p:nvSpPr>
+        <p:spPr/>
+        <p:txBody>
+          <a:bodyPr/>
+          <a:lstStyle/>
+          <a:p>
+            <a:fld id="{86BADE50-950A-4D58-BFB2-FA2C6A8B385D}" type="slidenum">
+              <a:rPr lang="en-US" smtClean="0"/>
+              <a:t>30</a:t>
+            </a:fld>
+            <a:endParaRPr lang="en-US"/>
+          </a:p>
+        </p:txBody>
+      </p:sp>
+    </p:spTree>
+    <p:extLst>
+      <p:ext uri="{BB962C8B-B14F-4D97-AF65-F5344CB8AC3E}">
+        <p14:creationId xmlns:p14="http://schemas.microsoft.com/office/powerpoint/2010/main" val="1097554858"/>
+      </p:ext>
+    </p:extLst>
+  </p:cSld>
+  <p:clrMapOvr>
+    <a:masterClrMapping/>
+  </p:clrMapOvr>
+</p:sld>
+</file>
+
+<file path=ppt/slides/slide31.xml><?xml version="1.0" encoding="utf-8"?>
+<p:sld xmlns:a="http://schemas.openxmlformats.org/drawingml/2006/main" xmlns:r="http://schemas.openxmlformats.org/officeDocument/2006/relationships" xmlns:p="http://schemas.openxmlformats.org/presentationml/2006/main">
+  <p:cSld>
+    <p:spTree>
+      <p:nvGrpSpPr>
+        <p:cNvPr id="1" name=""/>
+        <p:cNvGrpSpPr/>
+        <p:nvPr/>
+      </p:nvGrpSpPr>
+      <p:grpSpPr>
+        <a:xfrm>
+          <a:off x="0" y="0"/>
+          <a:ext cx="0" cy="0"/>
+          <a:chOff x="0" y="0"/>
+          <a:chExt cx="0" cy="0"/>
+        </a:xfrm>
+      </p:grpSpPr>
+      <p:sp>
+        <p:nvSpPr>
+          <p:cNvPr id="2" name="Title 1"/>
+          <p:cNvSpPr>
+            <a:spLocks noGrp="1"/>
+          </p:cNvSpPr>
+          <p:nvPr>
+            <p:ph type="title"/>
+          </p:nvPr>
+        </p:nvSpPr>
+        <p:spPr/>
+        <p:txBody>
+          <a:bodyPr>
+            <a:normAutofit/>
+          </a:bodyPr>
+          <a:lstStyle/>
+          <a:p>
+            <a:r>
+              <a:rPr lang="en-US" dirty="0"/>
+              <a:t>1. Identify Recursive Structure</a:t>
+            </a:r>
+          </a:p>
+        </p:txBody>
+      </p:sp>
+      <p:sp>
+        <p:nvSpPr>
+          <p:cNvPr id="4" name="Slide Number Placeholder 3"/>
+          <p:cNvSpPr>
+            <a:spLocks noGrp="1"/>
+          </p:cNvSpPr>
+          <p:nvPr>
+            <p:ph type="sldNum" sz="quarter" idx="12"/>
+          </p:nvPr>
+        </p:nvSpPr>
+        <p:spPr/>
+        <p:txBody>
+          <a:bodyPr/>
+          <a:lstStyle/>
+          <a:p>
+            <a:fld id="{86BADE50-950A-4D58-BFB2-FA2C6A8B385D}" type="slidenum">
+              <a:rPr lang="en-US" smtClean="0"/>
+              <a:t>31</a:t>
+            </a:fld>
+            <a:endParaRPr lang="en-US"/>
+          </a:p>
+        </p:txBody>
+      </p:sp>
+      <p:pic>
+        <p:nvPicPr>
+          <p:cNvPr id="5" name="Picture 2" descr="Image result for log"/>
+          <p:cNvPicPr>
+            <a:picLocks noChangeAspect="1" noChangeArrowheads="1"/>
+          </p:cNvPicPr>
+          <p:nvPr/>
+        </p:nvPicPr>
+        <p:blipFill rotWithShape="1">
+          <a:blip r:embed="rId2" cstate="print">
+            <a:extLst>
+              <a:ext uri="{28A0092B-C50C-407E-A947-70E740481C1C}">
+                <a14:useLocalDpi xmlns:a14="http://schemas.microsoft.com/office/drawing/2010/main" val="0"/>
+              </a:ext>
+            </a:extLst>
+          </a:blip>
+          <a:srcRect l="38123" r="37586"/>
+          <a:stretch/>
+        </p:blipFill>
+        <p:spPr bwMode="auto">
+          <a:xfrm rot="5400000">
+            <a:off x="4560100" y="2687823"/>
+            <a:ext cx="1600201" cy="6587752"/>
+          </a:xfrm>
+          <a:prstGeom prst="rect">
+            <a:avLst/>
+          </a:prstGeom>
+          <a:noFill/>
+          <a:extLst>
+            <a:ext uri="{909E8E84-426E-40DD-AFC4-6F175D3DCCD1}">
+              <a14:hiddenFill xmlns:a14="http://schemas.microsoft.com/office/drawing/2010/main">
+                <a:solidFill>
+                  <a:srgbClr val="FFFFFF"/>
+                </a:solidFill>
+              </a14:hiddenFill>
+            </a:ext>
+          </a:extLst>
+        </p:spPr>
+      </p:pic>
+      <mc:AlternateContent xmlns:mc="http://schemas.openxmlformats.org/markup-compatibility/2006" xmlns:a14="http://schemas.microsoft.com/office/drawing/2010/main">
+        <mc:Choice Requires="a14">
+          <p:sp>
+            <p:nvSpPr>
+              <p:cNvPr id="6" name="TextBox 5"/>
+              <p:cNvSpPr txBox="1"/>
+              <p:nvPr/>
+            </p:nvSpPr>
+            <p:spPr>
+              <a:xfrm>
+                <a:off x="2438400" y="1828800"/>
+                <a:ext cx="7623112" cy="523220"/>
+              </a:xfrm>
+              <a:prstGeom prst="rect">
+                <a:avLst/>
+              </a:prstGeom>
+              <a:noFill/>
+            </p:spPr>
+            <p:txBody>
+              <a:bodyPr wrap="none" rtlCol="0">
+                <a:spAutoFit/>
+              </a:bodyPr>
+              <a:lstStyle/>
+              <a:p>
+                <a14:m>
+                  <m:oMath xmlns:m="http://schemas.openxmlformats.org/officeDocument/2006/math">
+                    <m:r>
+                      <a:rPr lang="en-US" sz="2800" i="1" dirty="0">
+                        <a:solidFill>
+                          <a:srgbClr val="FF33CC"/>
+                        </a:solidFill>
+                        <a:latin typeface="Cambria Math"/>
+                      </a:rPr>
+                      <m:t>𝐶𝑢𝑡</m:t>
+                    </m:r>
+                    <m:r>
+                      <a:rPr lang="en-US" sz="2800" i="1" dirty="0">
+                        <a:solidFill>
+                          <a:srgbClr val="FF33CC"/>
+                        </a:solidFill>
+                        <a:latin typeface="Cambria Math"/>
+                      </a:rPr>
+                      <m:t>(</m:t>
+                    </m:r>
+                    <m:r>
+                      <a:rPr lang="en-US" sz="2800" i="1" dirty="0">
+                        <a:solidFill>
+                          <a:srgbClr val="FF33CC"/>
+                        </a:solidFill>
+                        <a:latin typeface="Cambria Math"/>
+                      </a:rPr>
+                      <m:t>𝑛</m:t>
+                    </m:r>
+                    <m:r>
+                      <a:rPr lang="en-US" sz="2800" i="1" dirty="0">
+                        <a:solidFill>
+                          <a:srgbClr val="FF33CC"/>
+                        </a:solidFill>
+                        <a:latin typeface="Cambria Math"/>
+                      </a:rPr>
+                      <m:t>)=</m:t>
+                    </m:r>
+                  </m:oMath>
+                </a14:m>
+                <a:r>
+                  <a:rPr lang="en-US" sz="2800" dirty="0">
+                    <a:solidFill>
+                      <a:srgbClr val="FF33CC"/>
+                    </a:solidFill>
+                  </a:rPr>
+                  <a:t> </a:t>
+                </a:r>
+                <a:r>
+                  <a:rPr lang="en-US" sz="2800" dirty="0"/>
+                  <a:t>value of best way to cut a log of length </a:t>
+                </a:r>
+                <a14:m>
+                  <m:oMath xmlns:m="http://schemas.openxmlformats.org/officeDocument/2006/math">
+                    <m:r>
+                      <a:rPr lang="en-US" sz="2800" i="1">
+                        <a:latin typeface="Cambria Math"/>
+                      </a:rPr>
+                      <m:t>𝑛</m:t>
+                    </m:r>
+                  </m:oMath>
+                </a14:m>
+                <a:endParaRPr lang="en-US" sz="2800" dirty="0"/>
+              </a:p>
+            </p:txBody>
+          </p:sp>
+        </mc:Choice>
+        <mc:Fallback xmlns="">
+          <p:sp>
+            <p:nvSpPr>
+              <p:cNvPr id="6" name="TextBox 5"/>
+              <p:cNvSpPr txBox="1">
+                <a:spLocks noRot="1" noChangeAspect="1" noMove="1" noResize="1" noEditPoints="1" noAdjustHandles="1" noChangeArrowheads="1" noChangeShapeType="1" noTextEdit="1"/>
+              </p:cNvSpPr>
+              <p:nvPr/>
+            </p:nvSpPr>
+            <p:spPr>
+              <a:xfrm>
+                <a:off x="2438400" y="1828800"/>
+                <a:ext cx="7623112" cy="523220"/>
+              </a:xfrm>
+              <a:prstGeom prst="rect">
+                <a:avLst/>
+              </a:prstGeom>
+              <a:blipFill>
+                <a:blip r:embed="rId3"/>
+                <a:stretch>
+                  <a:fillRect l="-500" t="-14634" b="-29268"/>
+                </a:stretch>
+              </a:blipFill>
+            </p:spPr>
+            <p:txBody>
+              <a:bodyPr/>
+              <a:lstStyle/>
+              <a:p>
+                <a:r>
+                  <a:rPr lang="en-US">
+                    <a:noFill/>
+                  </a:rPr>
+                  <a:t> </a:t>
+                </a:r>
+              </a:p>
+            </p:txBody>
+          </p:sp>
+        </mc:Fallback>
+      </mc:AlternateContent>
+      <p:cxnSp>
+        <p:nvCxnSpPr>
+          <p:cNvPr id="8" name="Straight Connector 7"/>
+          <p:cNvCxnSpPr/>
+          <p:nvPr/>
+        </p:nvCxnSpPr>
+        <p:spPr>
+          <a:xfrm>
+            <a:off x="7391400" y="5181598"/>
+            <a:ext cx="0" cy="1600202"/>
+          </a:xfrm>
+          <a:prstGeom prst="line">
+            <a:avLst/>
+          </a:prstGeom>
+          <a:ln w="76200">
+            <a:solidFill>
+              <a:srgbClr val="00B0F0"/>
+            </a:solidFill>
+          </a:ln>
+        </p:spPr>
+        <p:style>
+          <a:lnRef idx="1">
+            <a:schemeClr val="accent1"/>
+          </a:lnRef>
+          <a:fillRef idx="0">
+            <a:schemeClr val="accent1"/>
+          </a:fillRef>
+          <a:effectRef idx="0">
+            <a:schemeClr val="accent1"/>
+          </a:effectRef>
+          <a:fontRef idx="minor">
+            <a:schemeClr val="tx1"/>
+          </a:fontRef>
+        </p:style>
+      </p:cxnSp>
+      <mc:AlternateContent xmlns:mc="http://schemas.openxmlformats.org/markup-compatibility/2006" xmlns:a14="http://schemas.microsoft.com/office/drawing/2010/main">
+        <mc:Choice Requires="a14">
+          <p:sp>
+            <p:nvSpPr>
+              <p:cNvPr id="11" name="TextBox 10"/>
+              <p:cNvSpPr txBox="1"/>
+              <p:nvPr/>
+            </p:nvSpPr>
+            <p:spPr>
+              <a:xfrm>
+                <a:off x="7620001" y="4724401"/>
+                <a:ext cx="567912" cy="461665"/>
+              </a:xfrm>
+              <a:prstGeom prst="rect">
+                <a:avLst/>
+              </a:prstGeom>
+              <a:noFill/>
+            </p:spPr>
+            <p:txBody>
+              <a:bodyPr wrap="none" rtlCol="0">
+                <a:spAutoFit/>
+              </a:bodyPr>
+              <a:lstStyle/>
+              <a:p>
+                <a:pPr/>
+                <a14:m>
+                  <m:oMathPara xmlns:m="http://schemas.openxmlformats.org/officeDocument/2006/math">
+                    <m:oMathParaPr>
+                      <m:jc m:val="centerGroup"/>
+                    </m:oMathParaPr>
+                    <m:oMath xmlns:m="http://schemas.openxmlformats.org/officeDocument/2006/math">
+                      <m:sSub>
+                        <m:sSubPr>
+                          <m:ctrlPr>
+                            <a:rPr lang="en-US" sz="2400" i="1" smtClean="0">
+                              <a:solidFill>
+                                <a:srgbClr val="0070C0"/>
+                              </a:solidFill>
+                              <a:latin typeface="Cambria Math" panose="02040503050406030204" pitchFamily="18" charset="0"/>
+                            </a:rPr>
+                          </m:ctrlPr>
+                        </m:sSubPr>
+                        <m:e>
+                          <m:r>
+                            <a:rPr lang="en-US" sz="2400" i="1">
+                              <a:solidFill>
+                                <a:srgbClr val="0070C0"/>
+                              </a:solidFill>
+                              <a:latin typeface="Cambria Math"/>
+                            </a:rPr>
+                            <m:t>ℓ</m:t>
+                          </m:r>
+                        </m:e>
+                        <m:sub>
+                          <m:r>
+                            <a:rPr lang="en-US" sz="2400" b="0" i="1" smtClean="0">
+                              <a:solidFill>
+                                <a:srgbClr val="0070C0"/>
+                              </a:solidFill>
+                              <a:latin typeface="Cambria Math" panose="02040503050406030204" pitchFamily="18" charset="0"/>
+                            </a:rPr>
+                            <m:t>𝑘</m:t>
+                          </m:r>
+                        </m:sub>
+                      </m:sSub>
+                    </m:oMath>
+                  </m:oMathPara>
+                </a14:m>
+                <a:endParaRPr lang="en-US" sz="2400" dirty="0">
+                  <a:solidFill>
+                    <a:srgbClr val="0070C0"/>
+                  </a:solidFill>
+                </a:endParaRPr>
+              </a:p>
+            </p:txBody>
+          </p:sp>
+        </mc:Choice>
+        <mc:Fallback xmlns="">
+          <p:sp>
+            <p:nvSpPr>
+              <p:cNvPr id="11" name="TextBox 10"/>
+              <p:cNvSpPr txBox="1">
+                <a:spLocks noRot="1" noChangeAspect="1" noMove="1" noResize="1" noEditPoints="1" noAdjustHandles="1" noChangeArrowheads="1" noChangeShapeType="1" noTextEdit="1"/>
+              </p:cNvSpPr>
+              <p:nvPr/>
+            </p:nvSpPr>
+            <p:spPr>
+              <a:xfrm>
+                <a:off x="7620001" y="4724401"/>
+                <a:ext cx="567912" cy="461665"/>
+              </a:xfrm>
+              <a:prstGeom prst="rect">
+                <a:avLst/>
+              </a:prstGeom>
+              <a:blipFill>
+                <a:blip r:embed="rId4"/>
+                <a:stretch>
+                  <a:fillRect b="-2778"/>
+                </a:stretch>
+              </a:blipFill>
+            </p:spPr>
+            <p:txBody>
+              <a:bodyPr/>
+              <a:lstStyle/>
+              <a:p>
+                <a:r>
+                  <a:rPr lang="en-US">
+                    <a:noFill/>
+                  </a:rPr>
+                  <a:t> </a:t>
+                </a:r>
+              </a:p>
+            </p:txBody>
+          </p:sp>
+        </mc:Fallback>
+      </mc:AlternateContent>
+      <p:sp>
+        <p:nvSpPr>
+          <p:cNvPr id="12" name="Right Brace 11"/>
+          <p:cNvSpPr/>
+          <p:nvPr/>
+        </p:nvSpPr>
+        <p:spPr>
+          <a:xfrm rot="16200000">
+            <a:off x="4500265" y="2366661"/>
+            <a:ext cx="457200" cy="5325078"/>
+          </a:xfrm>
+          <a:prstGeom prst="rightBrace">
+            <a:avLst/>
+          </a:prstGeom>
+          <a:ln w="76200">
+            <a:solidFill>
+              <a:srgbClr val="FF33CC"/>
+            </a:solidFill>
+          </a:ln>
+        </p:spPr>
+        <p:style>
+          <a:lnRef idx="1">
+            <a:schemeClr val="accent1"/>
+          </a:lnRef>
+          <a:fillRef idx="0">
+            <a:schemeClr val="accent1"/>
+          </a:fillRef>
+          <a:effectRef idx="0">
+            <a:schemeClr val="accent1"/>
+          </a:effectRef>
+          <a:fontRef idx="minor">
+            <a:schemeClr val="tx1"/>
+          </a:fontRef>
+        </p:style>
+        <p:txBody>
+          <a:bodyPr rtlCol="0" anchor="ctr"/>
+          <a:lstStyle/>
+          <a:p>
+            <a:pPr algn="ctr"/>
+            <a:endParaRPr lang="en-US"/>
+          </a:p>
+        </p:txBody>
+      </p:sp>
+      <mc:AlternateContent xmlns:mc="http://schemas.openxmlformats.org/markup-compatibility/2006" xmlns:a14="http://schemas.microsoft.com/office/drawing/2010/main">
+        <mc:Choice Requires="a14">
+          <p:sp>
+            <p:nvSpPr>
+              <p:cNvPr id="13" name="TextBox 12"/>
+              <p:cNvSpPr txBox="1"/>
+              <p:nvPr/>
+            </p:nvSpPr>
+            <p:spPr>
+              <a:xfrm>
+                <a:off x="3794410" y="4358119"/>
+                <a:ext cx="1925976" cy="461665"/>
+              </a:xfrm>
+              <a:prstGeom prst="rect">
+                <a:avLst/>
+              </a:prstGeom>
+              <a:noFill/>
+            </p:spPr>
+            <p:txBody>
+              <a:bodyPr wrap="none" rtlCol="0">
+                <a:spAutoFit/>
+              </a:bodyPr>
+              <a:lstStyle/>
+              <a:p>
+                <a:pPr/>
+                <a14:m>
+                  <m:oMathPara xmlns:m="http://schemas.openxmlformats.org/officeDocument/2006/math">
+                    <m:oMathParaPr>
+                      <m:jc m:val="centerGroup"/>
+                    </m:oMathParaPr>
+                    <m:oMath xmlns:m="http://schemas.openxmlformats.org/officeDocument/2006/math">
+                      <m:r>
+                        <a:rPr lang="en-US" sz="2400" i="1" smtClean="0">
+                          <a:solidFill>
+                            <a:srgbClr val="FF33CC"/>
+                          </a:solidFill>
+                          <a:latin typeface="Cambria Math"/>
+                        </a:rPr>
+                        <m:t>𝐶𝑢𝑡</m:t>
+                      </m:r>
+                      <m:r>
+                        <a:rPr lang="en-US" sz="2400" i="1" smtClean="0">
+                          <a:solidFill>
+                            <a:srgbClr val="FF33CC"/>
+                          </a:solidFill>
+                          <a:latin typeface="Cambria Math"/>
+                        </a:rPr>
+                        <m:t>(</m:t>
+                      </m:r>
+                      <m:r>
+                        <a:rPr lang="en-US" sz="2400" i="1" smtClean="0">
+                          <a:solidFill>
+                            <a:srgbClr val="FF33CC"/>
+                          </a:solidFill>
+                          <a:latin typeface="Cambria Math"/>
+                        </a:rPr>
+                        <m:t>𝑛</m:t>
+                      </m:r>
+                      <m:r>
+                        <a:rPr lang="en-US" sz="2400" i="1" smtClean="0">
+                          <a:solidFill>
+                            <a:srgbClr val="FF33CC"/>
+                          </a:solidFill>
+                          <a:latin typeface="Cambria Math"/>
+                        </a:rPr>
+                        <m:t>−</m:t>
+                      </m:r>
+                      <m:sSub>
+                        <m:sSubPr>
+                          <m:ctrlPr>
+                            <a:rPr lang="en-US" sz="2400" i="1" smtClean="0">
+                              <a:solidFill>
+                                <a:srgbClr val="FF33CC"/>
+                              </a:solidFill>
+                              <a:latin typeface="Cambria Math" panose="02040503050406030204" pitchFamily="18" charset="0"/>
+                            </a:rPr>
+                          </m:ctrlPr>
+                        </m:sSubPr>
+                        <m:e>
+                          <m:r>
+                            <a:rPr lang="en-US" sz="2400" i="1">
+                              <a:solidFill>
+                                <a:srgbClr val="FF33CC"/>
+                              </a:solidFill>
+                              <a:latin typeface="Cambria Math"/>
+                            </a:rPr>
+                            <m:t>ℓ</m:t>
+                          </m:r>
+                        </m:e>
+                        <m:sub>
+                          <m:r>
+                            <a:rPr lang="en-US" sz="2400" b="0" i="1" smtClean="0">
+                              <a:solidFill>
+                                <a:srgbClr val="FF33CC"/>
+                              </a:solidFill>
+                              <a:latin typeface="Cambria Math" panose="02040503050406030204" pitchFamily="18" charset="0"/>
+                            </a:rPr>
+                            <m:t>𝑘</m:t>
+                          </m:r>
+                        </m:sub>
+                      </m:sSub>
+                      <m:r>
+                        <a:rPr lang="en-US" sz="2400" i="1">
+                          <a:solidFill>
+                            <a:srgbClr val="FF33CC"/>
+                          </a:solidFill>
+                          <a:latin typeface="Cambria Math"/>
+                        </a:rPr>
+                        <m:t>)</m:t>
+                      </m:r>
+                    </m:oMath>
+                  </m:oMathPara>
+                </a14:m>
+                <a:endParaRPr lang="en-US" sz="2400" dirty="0">
+                  <a:solidFill>
+                    <a:srgbClr val="FF33CC"/>
+                  </a:solidFill>
+                </a:endParaRPr>
+              </a:p>
+            </p:txBody>
+          </p:sp>
+        </mc:Choice>
+        <mc:Fallback xmlns="">
+          <p:sp>
+            <p:nvSpPr>
+              <p:cNvPr id="13" name="TextBox 12"/>
+              <p:cNvSpPr txBox="1">
+                <a:spLocks noRot="1" noChangeAspect="1" noMove="1" noResize="1" noEditPoints="1" noAdjustHandles="1" noChangeArrowheads="1" noChangeShapeType="1" noTextEdit="1"/>
+              </p:cNvSpPr>
+              <p:nvPr/>
+            </p:nvSpPr>
+            <p:spPr>
+              <a:xfrm>
+                <a:off x="3794410" y="4358119"/>
+                <a:ext cx="1925976" cy="461665"/>
+              </a:xfrm>
+              <a:prstGeom prst="rect">
+                <a:avLst/>
+              </a:prstGeom>
+              <a:blipFill>
+                <a:blip r:embed="rId5"/>
+                <a:stretch>
+                  <a:fillRect b="-13158"/>
+                </a:stretch>
+              </a:blipFill>
+            </p:spPr>
+            <p:txBody>
+              <a:bodyPr/>
+              <a:lstStyle/>
+              <a:p>
+                <a:r>
+                  <a:rPr lang="en-US">
+                    <a:noFill/>
+                  </a:rPr>
+                  <a:t> </a:t>
+                </a:r>
+              </a:p>
+            </p:txBody>
+          </p:sp>
+        </mc:Fallback>
+      </mc:AlternateContent>
+      <mc:AlternateContent xmlns:mc="http://schemas.openxmlformats.org/markup-compatibility/2006" xmlns:a14="http://schemas.microsoft.com/office/drawing/2010/main">
+        <mc:Choice Requires="a14">
+          <p:sp>
+            <p:nvSpPr>
+              <p:cNvPr id="14" name="TextBox 13"/>
+              <p:cNvSpPr txBox="1"/>
+              <p:nvPr/>
+            </p:nvSpPr>
+            <p:spPr>
+              <a:xfrm>
+                <a:off x="2438400" y="2893963"/>
+                <a:ext cx="2611164" cy="523220"/>
+              </a:xfrm>
+              <a:prstGeom prst="rect">
+                <a:avLst/>
+              </a:prstGeom>
+              <a:noFill/>
+            </p:spPr>
+            <p:txBody>
+              <a:bodyPr wrap="none" rtlCol="0">
+                <a:spAutoFit/>
+              </a:bodyPr>
+              <a:lstStyle/>
+              <a:p>
+                <a14:m>
+                  <m:oMath xmlns:m="http://schemas.openxmlformats.org/officeDocument/2006/math">
+                    <m:r>
+                      <a:rPr lang="en-US" sz="2800" i="1" dirty="0">
+                        <a:solidFill>
+                          <a:srgbClr val="FF33CC"/>
+                        </a:solidFill>
+                        <a:latin typeface="Cambria Math"/>
+                      </a:rPr>
+                      <m:t>𝐶𝑢𝑡</m:t>
+                    </m:r>
+                    <m:d>
+                      <m:dPr>
+                        <m:ctrlPr>
+                          <a:rPr lang="en-US" sz="2800" i="1" dirty="0">
+                            <a:solidFill>
+                              <a:srgbClr val="FF33CC"/>
+                            </a:solidFill>
+                            <a:latin typeface="Cambria Math" panose="02040503050406030204" pitchFamily="18" charset="0"/>
+                          </a:rPr>
+                        </m:ctrlPr>
+                      </m:dPr>
+                      <m:e>
+                        <m:r>
+                          <a:rPr lang="en-US" sz="2800" i="1" dirty="0">
+                            <a:solidFill>
+                              <a:srgbClr val="FF33CC"/>
+                            </a:solidFill>
+                            <a:latin typeface="Cambria Math"/>
+                          </a:rPr>
+                          <m:t>𝑛</m:t>
+                        </m:r>
+                      </m:e>
+                    </m:d>
+                    <m:r>
+                      <a:rPr lang="en-US" sz="2800" i="1" dirty="0">
+                        <a:latin typeface="Cambria Math"/>
+                      </a:rPr>
+                      <m:t>=</m:t>
+                    </m:r>
+                    <m:r>
+                      <m:rPr>
+                        <m:sty m:val="p"/>
+                      </m:rPr>
+                      <a:rPr lang="en-US" sz="2800" dirty="0">
+                        <a:latin typeface="Cambria Math"/>
+                      </a:rPr>
+                      <m:t>max</m:t>
+                    </m:r>
+                    <m:r>
+                      <a:rPr lang="en-US" sz="2800" i="1" dirty="0">
+                        <a:solidFill>
+                          <a:srgbClr val="0070C0"/>
+                        </a:solidFill>
+                        <a:latin typeface="Cambria Math"/>
+                      </a:rPr>
+                      <m:t>⁡</m:t>
+                    </m:r>
+                  </m:oMath>
+                </a14:m>
+                <a:r>
+                  <a:rPr lang="en-US" sz="2800" dirty="0">
+                    <a:solidFill>
+                      <a:srgbClr val="0070C0"/>
+                    </a:solidFill>
+                  </a:rPr>
+                  <a:t> </a:t>
+                </a:r>
+              </a:p>
+            </p:txBody>
+          </p:sp>
+        </mc:Choice>
+        <mc:Fallback xmlns="">
+          <p:sp>
+            <p:nvSpPr>
+              <p:cNvPr id="14" name="TextBox 13"/>
+              <p:cNvSpPr txBox="1">
+                <a:spLocks noRot="1" noChangeAspect="1" noMove="1" noResize="1" noEditPoints="1" noAdjustHandles="1" noChangeArrowheads="1" noChangeShapeType="1" noTextEdit="1"/>
+              </p:cNvSpPr>
+              <p:nvPr/>
+            </p:nvSpPr>
+            <p:spPr>
+              <a:xfrm>
+                <a:off x="2438400" y="2893963"/>
+                <a:ext cx="2611164" cy="523220"/>
+              </a:xfrm>
+              <a:prstGeom prst="rect">
+                <a:avLst/>
+              </a:prstGeom>
+              <a:blipFill>
+                <a:blip r:embed="rId6"/>
+                <a:stretch>
+                  <a:fillRect l="-1456" b="-19512"/>
+                </a:stretch>
+              </a:blipFill>
+            </p:spPr>
+            <p:txBody>
+              <a:bodyPr/>
+              <a:lstStyle/>
+              <a:p>
+                <a:r>
+                  <a:rPr lang="en-US">
+                    <a:noFill/>
+                  </a:rPr>
+                  <a:t> </a:t>
+                </a:r>
+              </a:p>
+            </p:txBody>
+          </p:sp>
+        </mc:Fallback>
+      </mc:AlternateContent>
+      <mc:AlternateContent xmlns:mc="http://schemas.openxmlformats.org/markup-compatibility/2006" xmlns:a14="http://schemas.microsoft.com/office/drawing/2010/main">
+        <mc:Choice Requires="a14">
+          <p:sp>
+            <p:nvSpPr>
+              <p:cNvPr id="15" name="TextBox 14"/>
+              <p:cNvSpPr txBox="1"/>
+              <p:nvPr/>
+            </p:nvSpPr>
+            <p:spPr>
+              <a:xfrm>
+                <a:off x="5221879" y="2367297"/>
+                <a:ext cx="3139514" cy="1815882"/>
+              </a:xfrm>
+              <a:prstGeom prst="rect">
+                <a:avLst/>
+              </a:prstGeom>
+              <a:noFill/>
+            </p:spPr>
+            <p:txBody>
+              <a:bodyPr wrap="none" rtlCol="0">
+                <a:spAutoFit/>
+              </a:bodyPr>
+              <a:lstStyle/>
+              <a:p>
+                <a14:m>
+                  <m:oMath xmlns:m="http://schemas.openxmlformats.org/officeDocument/2006/math">
+                    <m:r>
+                      <a:rPr lang="en-US" sz="2800" i="1">
+                        <a:solidFill>
+                          <a:srgbClr val="FF33CC"/>
+                        </a:solidFill>
+                        <a:latin typeface="Cambria Math"/>
+                      </a:rPr>
+                      <m:t>𝐶𝑢𝑡</m:t>
+                    </m:r>
+                    <m:d>
+                      <m:dPr>
+                        <m:ctrlPr>
+                          <a:rPr lang="en-US" sz="2800" i="1">
+                            <a:solidFill>
+                              <a:srgbClr val="FF33CC"/>
+                            </a:solidFill>
+                            <a:latin typeface="Cambria Math" panose="02040503050406030204" pitchFamily="18" charset="0"/>
+                          </a:rPr>
+                        </m:ctrlPr>
+                      </m:dPr>
+                      <m:e>
+                        <m:r>
+                          <a:rPr lang="en-US" sz="2800" i="1">
+                            <a:solidFill>
+                              <a:srgbClr val="FF33CC"/>
+                            </a:solidFill>
+                            <a:latin typeface="Cambria Math"/>
+                          </a:rPr>
+                          <m:t>𝑛</m:t>
+                        </m:r>
+                        <m:r>
+                          <a:rPr lang="en-US" sz="2800" i="1">
+                            <a:solidFill>
+                              <a:srgbClr val="FF33CC"/>
+                            </a:solidFill>
+                            <a:latin typeface="Cambria Math"/>
+                          </a:rPr>
+                          <m:t>−1</m:t>
+                        </m:r>
+                      </m:e>
+                    </m:d>
+                    <m:r>
+                      <a:rPr lang="en-US" sz="2800" i="1">
+                        <a:latin typeface="Cambria Math"/>
+                      </a:rPr>
+                      <m:t>+</m:t>
+                    </m:r>
+                    <m:r>
+                      <a:rPr lang="en-US" sz="2800" i="1">
+                        <a:solidFill>
+                          <a:srgbClr val="0070C0"/>
+                        </a:solidFill>
+                        <a:latin typeface="Cambria Math"/>
+                      </a:rPr>
+                      <m:t>𝑃</m:t>
+                    </m:r>
+                    <m:d>
+                      <m:dPr>
+                        <m:begChr m:val="["/>
+                        <m:endChr m:val="]"/>
+                        <m:ctrlPr>
+                          <a:rPr lang="en-US" sz="2800" i="1">
+                            <a:solidFill>
+                              <a:srgbClr val="0070C0"/>
+                            </a:solidFill>
+                            <a:latin typeface="Cambria Math" panose="02040503050406030204" pitchFamily="18" charset="0"/>
+                          </a:rPr>
+                        </m:ctrlPr>
+                      </m:dPr>
+                      <m:e>
+                        <m:r>
+                          <a:rPr lang="en-US" sz="2800" i="1">
+                            <a:solidFill>
+                              <a:srgbClr val="0070C0"/>
+                            </a:solidFill>
+                            <a:latin typeface="Cambria Math"/>
+                          </a:rPr>
+                          <m:t>1</m:t>
+                        </m:r>
+                      </m:e>
+                    </m:d>
+                  </m:oMath>
+                </a14:m>
+                <a:r>
+                  <a:rPr lang="en-US" sz="2800" dirty="0">
+                    <a:solidFill>
+                      <a:srgbClr val="0070C0"/>
+                    </a:solidFill>
+                  </a:rPr>
+                  <a:t> </a:t>
+                </a:r>
+              </a:p>
+              <a:p>
+                <a14:m>
+                  <m:oMath xmlns:m="http://schemas.openxmlformats.org/officeDocument/2006/math">
+                    <m:r>
+                      <a:rPr lang="en-US" sz="2800" i="1">
+                        <a:solidFill>
+                          <a:srgbClr val="FF33CC"/>
+                        </a:solidFill>
+                        <a:latin typeface="Cambria Math"/>
+                      </a:rPr>
+                      <m:t>𝐶𝑢𝑡</m:t>
+                    </m:r>
+                    <m:d>
+                      <m:dPr>
+                        <m:ctrlPr>
+                          <a:rPr lang="en-US" sz="2800" i="1">
+                            <a:solidFill>
+                              <a:srgbClr val="FF33CC"/>
+                            </a:solidFill>
+                            <a:latin typeface="Cambria Math" panose="02040503050406030204" pitchFamily="18" charset="0"/>
+                          </a:rPr>
+                        </m:ctrlPr>
+                      </m:dPr>
+                      <m:e>
+                        <m:r>
+                          <a:rPr lang="en-US" sz="2800" i="1">
+                            <a:solidFill>
+                              <a:srgbClr val="FF33CC"/>
+                            </a:solidFill>
+                            <a:latin typeface="Cambria Math"/>
+                          </a:rPr>
+                          <m:t>𝑛</m:t>
+                        </m:r>
+                        <m:r>
+                          <a:rPr lang="en-US" sz="2800" i="1">
+                            <a:solidFill>
+                              <a:srgbClr val="FF33CC"/>
+                            </a:solidFill>
+                            <a:latin typeface="Cambria Math"/>
+                          </a:rPr>
+                          <m:t>−2</m:t>
+                        </m:r>
+                      </m:e>
+                    </m:d>
+                    <m:r>
+                      <a:rPr lang="en-US" sz="2800" i="1">
+                        <a:latin typeface="Cambria Math"/>
+                      </a:rPr>
+                      <m:t>+</m:t>
+                    </m:r>
+                    <m:r>
+                      <a:rPr lang="en-US" sz="2800" i="1">
+                        <a:solidFill>
+                          <a:srgbClr val="0070C0"/>
+                        </a:solidFill>
+                        <a:latin typeface="Cambria Math"/>
+                      </a:rPr>
+                      <m:t>𝑃</m:t>
+                    </m:r>
+                    <m:d>
+                      <m:dPr>
+                        <m:begChr m:val="["/>
+                        <m:endChr m:val="]"/>
+                        <m:ctrlPr>
+                          <a:rPr lang="en-US" sz="2800" i="1">
+                            <a:solidFill>
+                              <a:srgbClr val="0070C0"/>
+                            </a:solidFill>
+                            <a:latin typeface="Cambria Math" panose="02040503050406030204" pitchFamily="18" charset="0"/>
+                          </a:rPr>
+                        </m:ctrlPr>
+                      </m:dPr>
+                      <m:e>
+                        <m:r>
+                          <a:rPr lang="en-US" sz="2800" i="1">
+                            <a:solidFill>
+                              <a:srgbClr val="0070C0"/>
+                            </a:solidFill>
+                            <a:latin typeface="Cambria Math"/>
+                          </a:rPr>
+                          <m:t>2</m:t>
+                        </m:r>
+                      </m:e>
+                    </m:d>
+                  </m:oMath>
+                </a14:m>
+                <a:r>
+                  <a:rPr lang="en-US" sz="2800" dirty="0">
+                    <a:solidFill>
+                      <a:srgbClr val="0070C0"/>
+                    </a:solidFill>
+                  </a:rPr>
+                  <a:t> </a:t>
+                </a:r>
+              </a:p>
+              <a:p>
+                <a14:m>
+                  <m:oMath xmlns:m="http://schemas.openxmlformats.org/officeDocument/2006/math">
+                    <m:r>
+                      <a:rPr lang="en-US" sz="2800" i="1">
+                        <a:latin typeface="Cambria Math"/>
+                      </a:rPr>
+                      <m:t>…</m:t>
+                    </m:r>
+                  </m:oMath>
+                </a14:m>
+                <a:r>
+                  <a:rPr lang="en-US" sz="2800" dirty="0">
+                    <a:solidFill>
+                      <a:srgbClr val="0070C0"/>
+                    </a:solidFill>
+                  </a:rPr>
+                  <a:t> </a:t>
+                </a:r>
+              </a:p>
+              <a:p>
+                <a14:m>
+                  <m:oMath xmlns:m="http://schemas.openxmlformats.org/officeDocument/2006/math">
+                    <m:r>
+                      <a:rPr lang="en-US" sz="2800" i="1">
+                        <a:solidFill>
+                          <a:srgbClr val="FF33CC"/>
+                        </a:solidFill>
+                        <a:latin typeface="Cambria Math"/>
+                      </a:rPr>
+                      <m:t>𝐶𝑢𝑡</m:t>
+                    </m:r>
+                    <m:d>
+                      <m:dPr>
+                        <m:ctrlPr>
+                          <a:rPr lang="en-US" sz="2800" i="1">
+                            <a:solidFill>
+                              <a:srgbClr val="FF33CC"/>
+                            </a:solidFill>
+                            <a:latin typeface="Cambria Math" panose="02040503050406030204" pitchFamily="18" charset="0"/>
+                          </a:rPr>
+                        </m:ctrlPr>
+                      </m:dPr>
+                      <m:e>
+                        <m:r>
+                          <a:rPr lang="en-US" sz="2800" i="1">
+                            <a:solidFill>
+                              <a:srgbClr val="FF33CC"/>
+                            </a:solidFill>
+                            <a:latin typeface="Cambria Math"/>
+                          </a:rPr>
+                          <m:t>0</m:t>
+                        </m:r>
+                      </m:e>
+                    </m:d>
+                    <m:r>
+                      <a:rPr lang="en-US" sz="2800" i="1">
+                        <a:latin typeface="Cambria Math"/>
+                      </a:rPr>
+                      <m:t>+</m:t>
+                    </m:r>
+                    <m:r>
+                      <a:rPr lang="en-US" sz="2800" i="1">
+                        <a:solidFill>
+                          <a:srgbClr val="0070C0"/>
+                        </a:solidFill>
+                        <a:latin typeface="Cambria Math"/>
+                      </a:rPr>
+                      <m:t>𝑃</m:t>
+                    </m:r>
+                    <m:r>
+                      <a:rPr lang="en-US" sz="2800" i="1">
+                        <a:solidFill>
+                          <a:srgbClr val="0070C0"/>
+                        </a:solidFill>
+                        <a:latin typeface="Cambria Math"/>
+                      </a:rPr>
+                      <m:t>[</m:t>
+                    </m:r>
+                    <m:r>
+                      <a:rPr lang="en-US" sz="2800" i="1">
+                        <a:solidFill>
+                          <a:srgbClr val="0070C0"/>
+                        </a:solidFill>
+                        <a:latin typeface="Cambria Math"/>
+                      </a:rPr>
+                      <m:t>𝑛</m:t>
+                    </m:r>
+                    <m:r>
+                      <a:rPr lang="en-US" sz="2800" i="1">
+                        <a:solidFill>
+                          <a:srgbClr val="0070C0"/>
+                        </a:solidFill>
+                        <a:latin typeface="Cambria Math"/>
+                      </a:rPr>
+                      <m:t>]</m:t>
+                    </m:r>
+                  </m:oMath>
+                </a14:m>
+                <a:r>
+                  <a:rPr lang="en-US" sz="2800" dirty="0">
+                    <a:solidFill>
+                      <a:srgbClr val="0070C0"/>
+                    </a:solidFill>
+                  </a:rPr>
+                  <a:t> </a:t>
+                </a:r>
+              </a:p>
+            </p:txBody>
+          </p:sp>
+        </mc:Choice>
+        <mc:Fallback xmlns="">
+          <p:sp>
+            <p:nvSpPr>
+              <p:cNvPr id="15" name="TextBox 14"/>
+              <p:cNvSpPr txBox="1">
+                <a:spLocks noRot="1" noChangeAspect="1" noMove="1" noResize="1" noEditPoints="1" noAdjustHandles="1" noChangeArrowheads="1" noChangeShapeType="1" noTextEdit="1"/>
+              </p:cNvSpPr>
+              <p:nvPr/>
+            </p:nvSpPr>
+            <p:spPr>
+              <a:xfrm>
+                <a:off x="5221879" y="2367297"/>
+                <a:ext cx="3139514" cy="1815882"/>
+              </a:xfrm>
+              <a:prstGeom prst="rect">
+                <a:avLst/>
+              </a:prstGeom>
+              <a:blipFill>
+                <a:blip r:embed="rId7"/>
+                <a:stretch>
+                  <a:fillRect l="-806" b="-4861"/>
+                </a:stretch>
+              </a:blipFill>
+            </p:spPr>
+            <p:txBody>
+              <a:bodyPr/>
+              <a:lstStyle/>
+              <a:p>
+                <a:r>
+                  <a:rPr lang="en-US">
+                    <a:noFill/>
+                  </a:rPr>
+                  <a:t> </a:t>
+                </a:r>
+              </a:p>
+            </p:txBody>
+          </p:sp>
+        </mc:Fallback>
+      </mc:AlternateContent>
+      <p:sp>
+        <p:nvSpPr>
+          <p:cNvPr id="16" name="Right Brace 15"/>
+          <p:cNvSpPr/>
+          <p:nvPr/>
+        </p:nvSpPr>
+        <p:spPr>
+          <a:xfrm rot="10800000">
+            <a:off x="4800601" y="2352020"/>
+            <a:ext cx="506456" cy="1831159"/>
+          </a:xfrm>
+          <a:prstGeom prst="rightBrace">
+            <a:avLst>
+              <a:gd name="adj1" fmla="val 8333"/>
+              <a:gd name="adj2" fmla="val 56027"/>
+            </a:avLst>
+          </a:prstGeom>
+          <a:ln>
+            <a:solidFill>
+              <a:schemeClr val="tx1"/>
+            </a:solidFill>
+          </a:ln>
+        </p:spPr>
+        <p:style>
+          <a:lnRef idx="1">
+            <a:schemeClr val="accent1"/>
+          </a:lnRef>
+          <a:fillRef idx="0">
+            <a:schemeClr val="accent1"/>
+          </a:fillRef>
+          <a:effectRef idx="0">
+            <a:schemeClr val="accent1"/>
+          </a:effectRef>
+          <a:fontRef idx="minor">
+            <a:schemeClr val="tx1"/>
+          </a:fontRef>
+        </p:style>
+        <p:txBody>
+          <a:bodyPr rtlCol="0" anchor="ctr"/>
+          <a:lstStyle/>
+          <a:p>
+            <a:pPr algn="ctr"/>
+            <a:endParaRPr lang="en-US"/>
+          </a:p>
+        </p:txBody>
+      </p:sp>
+      <p:sp>
+        <p:nvSpPr>
+          <p:cNvPr id="17" name="TextBox 16"/>
+          <p:cNvSpPr txBox="1"/>
+          <p:nvPr/>
+        </p:nvSpPr>
+        <p:spPr>
+          <a:xfrm>
+            <a:off x="7391405" y="5778850"/>
+            <a:ext cx="1199111" cy="461665"/>
+          </a:xfrm>
+          <a:prstGeom prst="rect">
+            <a:avLst/>
+          </a:prstGeom>
+          <a:noFill/>
+        </p:spPr>
+        <p:txBody>
+          <a:bodyPr wrap="none" rtlCol="0">
+            <a:spAutoFit/>
+          </a:bodyPr>
+          <a:lstStyle/>
+          <a:p>
+            <a:r>
+              <a:rPr lang="en-US" sz="2400" b="1" dirty="0">
+                <a:solidFill>
+                  <a:srgbClr val="00B0F0"/>
+                </a:solidFill>
+              </a:rPr>
+              <a:t>Last Cut</a:t>
+            </a:r>
+          </a:p>
+        </p:txBody>
+      </p:sp>
+      <mc:AlternateContent xmlns:mc="http://schemas.openxmlformats.org/markup-compatibility/2006" xmlns:a14="http://schemas.microsoft.com/office/drawing/2010/main">
+        <mc:Choice Requires="a14">
+          <p:sp>
+            <p:nvSpPr>
+              <p:cNvPr id="18" name="Rectangle 17"/>
+              <p:cNvSpPr/>
+              <p:nvPr/>
+            </p:nvSpPr>
+            <p:spPr>
+              <a:xfrm>
+                <a:off x="2209800" y="5791201"/>
+                <a:ext cx="5029454" cy="461665"/>
+              </a:xfrm>
+              <a:prstGeom prst="rect">
+                <a:avLst/>
+              </a:prstGeom>
+            </p:spPr>
+            <p:txBody>
+              <a:bodyPr wrap="none">
+                <a:spAutoFit/>
+              </a:bodyPr>
+              <a:lstStyle/>
+              <a:p>
+                <a:r>
+                  <a:rPr lang="en-US" sz="2400" b="1" dirty="0">
+                    <a:solidFill>
+                      <a:srgbClr val="FF33CC"/>
+                    </a:solidFill>
+                  </a:rPr>
+                  <a:t>best way to cut a log of length </a:t>
+                </a:r>
+                <a14:m>
+                  <m:oMath xmlns:m="http://schemas.openxmlformats.org/officeDocument/2006/math">
+                    <m:r>
+                      <a:rPr lang="en-US" sz="2400" b="1" i="1">
+                        <a:solidFill>
+                          <a:srgbClr val="FF33CC"/>
+                        </a:solidFill>
+                        <a:latin typeface="Cambria Math"/>
+                      </a:rPr>
+                      <m:t>𝒏</m:t>
+                    </m:r>
+                    <m:r>
+                      <a:rPr lang="en-US" sz="2400" b="1" i="1">
+                        <a:solidFill>
+                          <a:srgbClr val="FF33CC"/>
+                        </a:solidFill>
+                        <a:latin typeface="Cambria Math"/>
+                      </a:rPr>
+                      <m:t>−</m:t>
+                    </m:r>
+                    <m:sSub>
+                      <m:sSubPr>
+                        <m:ctrlPr>
+                          <a:rPr lang="en-US" sz="2400" b="1" i="1">
+                            <a:solidFill>
+                              <a:srgbClr val="FF33CC"/>
+                            </a:solidFill>
+                            <a:latin typeface="Cambria Math" panose="02040503050406030204" pitchFamily="18" charset="0"/>
+                          </a:rPr>
+                        </m:ctrlPr>
+                      </m:sSubPr>
+                      <m:e>
+                        <m:r>
+                          <a:rPr lang="en-US" sz="2400" b="1" i="1">
+                            <a:solidFill>
+                              <a:srgbClr val="FF33CC"/>
+                            </a:solidFill>
+                            <a:latin typeface="Cambria Math"/>
+                          </a:rPr>
+                          <m:t>ℓ</m:t>
+                        </m:r>
+                      </m:e>
+                      <m:sub>
+                        <m:r>
+                          <a:rPr lang="en-US" sz="2400" b="1" i="1" smtClean="0">
+                            <a:solidFill>
+                              <a:srgbClr val="FF33CC"/>
+                            </a:solidFill>
+                            <a:latin typeface="Cambria Math" panose="02040503050406030204" pitchFamily="18" charset="0"/>
+                          </a:rPr>
+                          <m:t>𝒌</m:t>
+                        </m:r>
+                      </m:sub>
+                    </m:sSub>
+                  </m:oMath>
+                </a14:m>
+                <a:endParaRPr lang="en-US" sz="2400" b="1" dirty="0">
+                  <a:solidFill>
+                    <a:srgbClr val="FF33CC"/>
+                  </a:solidFill>
+                </a:endParaRPr>
+              </a:p>
+            </p:txBody>
+          </p:sp>
+        </mc:Choice>
+        <mc:Fallback xmlns="">
+          <p:sp>
+            <p:nvSpPr>
+              <p:cNvPr id="18" name="Rectangle 17"/>
+              <p:cNvSpPr>
+                <a:spLocks noRot="1" noChangeAspect="1" noMove="1" noResize="1" noEditPoints="1" noAdjustHandles="1" noChangeArrowheads="1" noChangeShapeType="1" noTextEdit="1"/>
+              </p:cNvSpPr>
+              <p:nvPr/>
+            </p:nvSpPr>
+            <p:spPr>
+              <a:xfrm>
+                <a:off x="2209800" y="5791201"/>
+                <a:ext cx="5029454" cy="461665"/>
+              </a:xfrm>
+              <a:prstGeom prst="rect">
+                <a:avLst/>
+              </a:prstGeom>
+              <a:blipFill>
+                <a:blip r:embed="rId8"/>
+                <a:stretch>
+                  <a:fillRect l="-1763" t="-8333" b="-30556"/>
+                </a:stretch>
+              </a:blipFill>
+            </p:spPr>
+            <p:txBody>
+              <a:bodyPr/>
+              <a:lstStyle/>
+              <a:p>
+                <a:r>
+                  <a:rPr lang="en-US">
+                    <a:noFill/>
+                  </a:rPr>
+                  <a:t> </a:t>
+                </a:r>
+              </a:p>
+            </p:txBody>
+          </p:sp>
+        </mc:Fallback>
+      </mc:AlternateContent>
+      <mc:AlternateContent xmlns:mc="http://schemas.openxmlformats.org/markup-compatibility/2006" xmlns:a14="http://schemas.microsoft.com/office/drawing/2010/main">
+        <mc:Choice Requires="a14">
+          <p:sp>
+            <p:nvSpPr>
+              <p:cNvPr id="3" name="Rectangle 2"/>
+              <p:cNvSpPr/>
+              <p:nvPr/>
+            </p:nvSpPr>
+            <p:spPr>
+              <a:xfrm>
+                <a:off x="2895601" y="1371600"/>
+                <a:ext cx="4812471" cy="523220"/>
+              </a:xfrm>
+              <a:prstGeom prst="rect">
+                <a:avLst/>
+              </a:prstGeom>
+            </p:spPr>
+            <p:txBody>
+              <a:bodyPr wrap="none">
+                <a:spAutoFit/>
+              </a:bodyPr>
+              <a:lstStyle/>
+              <a:p>
+                <a14:m>
+                  <m:oMath xmlns:m="http://schemas.openxmlformats.org/officeDocument/2006/math">
+                    <m:r>
+                      <a:rPr lang="en-US" sz="2800" i="1">
+                        <a:solidFill>
+                          <a:srgbClr val="0070C0"/>
+                        </a:solidFill>
+                        <a:latin typeface="Cambria Math"/>
+                      </a:rPr>
+                      <m:t>𝑃</m:t>
+                    </m:r>
+                    <m:d>
+                      <m:dPr>
+                        <m:begChr m:val="["/>
+                        <m:endChr m:val="]"/>
+                        <m:ctrlPr>
+                          <a:rPr lang="en-US" sz="2800" i="1">
+                            <a:solidFill>
+                              <a:srgbClr val="0070C0"/>
+                            </a:solidFill>
+                            <a:latin typeface="Cambria Math" panose="02040503050406030204" pitchFamily="18" charset="0"/>
+                          </a:rPr>
+                        </m:ctrlPr>
+                      </m:dPr>
+                      <m:e>
+                        <m:r>
+                          <a:rPr lang="en-US" sz="2800" i="1">
+                            <a:solidFill>
+                              <a:srgbClr val="0070C0"/>
+                            </a:solidFill>
+                            <a:latin typeface="Cambria Math"/>
+                          </a:rPr>
+                          <m:t>𝑖</m:t>
+                        </m:r>
+                      </m:e>
+                    </m:d>
+                    <m:r>
+                      <a:rPr lang="en-US" sz="2800">
+                        <a:solidFill>
+                          <a:srgbClr val="0070C0"/>
+                        </a:solidFill>
+                        <a:latin typeface="Cambria Math"/>
+                      </a:rPr>
+                      <m:t>=</m:t>
+                    </m:r>
+                  </m:oMath>
+                </a14:m>
+                <a:r>
+                  <a:rPr lang="en-US" sz="2800" dirty="0"/>
+                  <a:t> value of a cut of length </a:t>
+                </a:r>
+                <a14:m>
+                  <m:oMath xmlns:m="http://schemas.openxmlformats.org/officeDocument/2006/math">
+                    <m:r>
+                      <a:rPr lang="en-US" sz="2800" i="1">
+                        <a:latin typeface="Cambria Math"/>
+                      </a:rPr>
+                      <m:t>𝑖</m:t>
+                    </m:r>
+                  </m:oMath>
+                </a14:m>
+                <a:endParaRPr lang="en-US" sz="2800" dirty="0"/>
+              </a:p>
+            </p:txBody>
+          </p:sp>
+        </mc:Choice>
+        <mc:Fallback xmlns="">
+          <p:sp>
+            <p:nvSpPr>
+              <p:cNvPr id="3" name="Rectangle 2"/>
+              <p:cNvSpPr>
+                <a:spLocks noRot="1" noChangeAspect="1" noMove="1" noResize="1" noEditPoints="1" noAdjustHandles="1" noChangeArrowheads="1" noChangeShapeType="1" noTextEdit="1"/>
+              </p:cNvSpPr>
+              <p:nvPr/>
+            </p:nvSpPr>
+            <p:spPr>
+              <a:xfrm>
+                <a:off x="2895601" y="1371600"/>
+                <a:ext cx="4812471" cy="523220"/>
+              </a:xfrm>
+              <a:prstGeom prst="rect">
+                <a:avLst/>
+              </a:prstGeom>
+              <a:blipFill>
+                <a:blip r:embed="rId9"/>
+                <a:stretch>
+                  <a:fillRect l="-792" t="-14634" b="-29268"/>
+                </a:stretch>
+              </a:blipFill>
+            </p:spPr>
+            <p:txBody>
+              <a:bodyPr/>
+              <a:lstStyle/>
+              <a:p>
+                <a:r>
+                  <a:rPr lang="en-US">
+                    <a:noFill/>
+                  </a:rPr>
+                  <a:t> </a:t>
+                </a:r>
+              </a:p>
+            </p:txBody>
+          </p:sp>
+        </mc:Fallback>
+      </mc:AlternateContent>
+      <p:sp>
+        <p:nvSpPr>
+          <p:cNvPr id="19" name="Rectangle 18">
+            <a:extLst>
+              <a:ext uri="{FF2B5EF4-FFF2-40B4-BE49-F238E27FC236}">
+                <a16:creationId xmlns:a16="http://schemas.microsoft.com/office/drawing/2014/main" id="{29BB9C3A-5030-284A-BF75-60313905338F}"/>
+              </a:ext>
+            </a:extLst>
+          </p:cNvPr>
+          <p:cNvSpPr/>
+          <p:nvPr/>
+        </p:nvSpPr>
+        <p:spPr>
+          <a:xfrm>
+            <a:off x="8484896" y="2528482"/>
+            <a:ext cx="3498116" cy="1569660"/>
+          </a:xfrm>
+          <a:prstGeom prst="rect">
+            <a:avLst/>
+          </a:prstGeom>
+          <a:ln w="25400">
+            <a:solidFill>
+              <a:srgbClr val="FF33CC"/>
+            </a:solidFill>
+          </a:ln>
+        </p:spPr>
+        <p:txBody>
+          <a:bodyPr wrap="square">
+            <a:spAutoFit/>
+          </a:bodyPr>
+          <a:lstStyle/>
+          <a:p>
+            <a:r>
+              <a:rPr lang="en-US" sz="2400" dirty="0">
+                <a:solidFill>
+                  <a:srgbClr val="FF33CC"/>
+                </a:solidFill>
+              </a:rPr>
+              <a:t>So for a given value of </a:t>
+            </a:r>
+            <a:r>
+              <a:rPr lang="en-US" sz="2400" i="1" dirty="0">
+                <a:solidFill>
+                  <a:srgbClr val="FF33CC"/>
+                </a:solidFill>
+              </a:rPr>
+              <a:t>n</a:t>
+            </a:r>
+            <a:r>
+              <a:rPr lang="en-US" sz="2400" dirty="0">
+                <a:solidFill>
+                  <a:srgbClr val="FF33CC"/>
+                </a:solidFill>
+              </a:rPr>
+              <a:t>, to find </a:t>
+            </a:r>
+            <a:r>
+              <a:rPr lang="en-US" sz="2400" i="1" dirty="0">
+                <a:solidFill>
+                  <a:srgbClr val="FF33CC"/>
+                </a:solidFill>
+              </a:rPr>
+              <a:t>Cut(n)</a:t>
+            </a:r>
+            <a:r>
+              <a:rPr lang="en-US" sz="2400" dirty="0">
+                <a:solidFill>
+                  <a:srgbClr val="FF33CC"/>
+                </a:solidFill>
+              </a:rPr>
+              <a:t>, we need sub-problem solutions for </a:t>
+            </a:r>
+            <a:r>
+              <a:rPr lang="en-US" sz="2400" i="1" dirty="0">
+                <a:solidFill>
+                  <a:srgbClr val="FF33CC"/>
+                </a:solidFill>
+              </a:rPr>
+              <a:t>Cut(n-1)</a:t>
+            </a:r>
+            <a:r>
+              <a:rPr lang="en-US" sz="2400" dirty="0">
+                <a:solidFill>
+                  <a:srgbClr val="FF33CC"/>
+                </a:solidFill>
+              </a:rPr>
+              <a:t> down to </a:t>
+            </a:r>
+            <a:r>
+              <a:rPr lang="en-US" sz="2400" i="1" dirty="0">
+                <a:solidFill>
+                  <a:srgbClr val="FF33CC"/>
+                </a:solidFill>
+              </a:rPr>
+              <a:t>Cut(0)</a:t>
+            </a:r>
+            <a:r>
+              <a:rPr lang="en-US" sz="2400" dirty="0">
+                <a:solidFill>
+                  <a:srgbClr val="FF33CC"/>
+                </a:solidFill>
+              </a:rPr>
+              <a:t>.</a:t>
+            </a:r>
+          </a:p>
+        </p:txBody>
+      </p:sp>
+      <p:sp>
+        <p:nvSpPr>
+          <p:cNvPr id="21" name="Rectangle 20">
+            <a:extLst>
+              <a:ext uri="{FF2B5EF4-FFF2-40B4-BE49-F238E27FC236}">
+                <a16:creationId xmlns:a16="http://schemas.microsoft.com/office/drawing/2014/main" id="{49E63B83-B373-E841-921F-C3E9BB2F9811}"/>
+              </a:ext>
+            </a:extLst>
+          </p:cNvPr>
+          <p:cNvSpPr/>
+          <p:nvPr/>
+        </p:nvSpPr>
+        <p:spPr>
+          <a:xfrm>
+            <a:off x="8882674" y="4359390"/>
+            <a:ext cx="3100338" cy="1200329"/>
+          </a:xfrm>
+          <a:prstGeom prst="rect">
+            <a:avLst/>
+          </a:prstGeom>
+          <a:ln w="25400">
+            <a:solidFill>
+              <a:srgbClr val="FF33CC"/>
+            </a:solidFill>
+          </a:ln>
+        </p:spPr>
+        <p:txBody>
+          <a:bodyPr wrap="square">
+            <a:spAutoFit/>
+          </a:bodyPr>
+          <a:lstStyle/>
+          <a:p>
+            <a:r>
+              <a:rPr lang="en-US" sz="2400" dirty="0">
+                <a:solidFill>
+                  <a:srgbClr val="FF33CC"/>
+                </a:solidFill>
+              </a:rPr>
+              <a:t>What’s the problem with a top-down recursive approach?</a:t>
+            </a:r>
+          </a:p>
+        </p:txBody>
+      </p:sp>
+    </p:spTree>
+    <p:extLst>
+      <p:ext uri="{BB962C8B-B14F-4D97-AF65-F5344CB8AC3E}">
+        <p14:creationId xmlns:p14="http://schemas.microsoft.com/office/powerpoint/2010/main" val="2347915280"/>
+      </p:ext>
+    </p:extLst>
+  </p:cSld>
+  <p:clrMapOvr>
+    <a:masterClrMapping/>
+  </p:clrMapOvr>
+  <p:timing>
+    <p:tnLst>
+      <p:par>
+        <p:cTn id="1" dur="indefinite" restart="never" nodeType="tmRoot">
+          <p:childTnLst>
+            <p:seq concurrent="1" nextAc="seek">
+              <p:cTn id="2" dur="indefinite" nodeType="mainSeq">
+                <p:childTnLst>
+                  <p:par>
+                    <p:cTn id="3" fill="hold">
+                      <p:stCondLst>
+                        <p:cond delay="indefinite"/>
+                      </p:stCondLst>
+                      <p:childTnLst>
+                        <p:par>
+                          <p:cTn id="4" fill="hold">
+                            <p:stCondLst>
+                              <p:cond delay="0"/>
+                            </p:stCondLst>
+                            <p:childTnLst>
+                              <p:par>
+                                <p:cTn id="5" presetID="10" presetClass="entr" presetSubtype="0" fill="hold" nodeType="clickEffect">
+                                  <p:stCondLst>
+                                    <p:cond delay="0"/>
+                                  </p:stCondLst>
+                                  <p:childTnLst>
+                                    <p:set>
+                                      <p:cBhvr>
+                                        <p:cTn id="6" dur="1" fill="hold">
+                                          <p:stCondLst>
+                                            <p:cond delay="0"/>
+                                          </p:stCondLst>
+                                        </p:cTn>
+                                        <p:tgtEl>
+                                          <p:spTgt spid="8"/>
+                                        </p:tgtEl>
+                                        <p:attrNameLst>
+                                          <p:attrName>style.visibility</p:attrName>
+                                        </p:attrNameLst>
+                                      </p:cBhvr>
+                                      <p:to>
+                                        <p:strVal val="visible"/>
+                                      </p:to>
+                                    </p:set>
+                                    <p:animEffect transition="in" filter="fade">
+                                      <p:cBhvr>
+                                        <p:cTn id="7" dur="500"/>
+                                        <p:tgtEl>
+                                          <p:spTgt spid="8"/>
+                                        </p:tgtEl>
+                                      </p:cBhvr>
+                                    </p:animEffect>
+                                  </p:childTnLst>
+                                </p:cTn>
+                              </p:par>
+                              <p:par>
+                                <p:cTn id="8" presetID="10" presetClass="entr" presetSubtype="0" fill="hold" grpId="0" nodeType="withEffect">
+                                  <p:stCondLst>
+                                    <p:cond delay="0"/>
+                                  </p:stCondLst>
+                                  <p:childTnLst>
+                                    <p:set>
+                                      <p:cBhvr>
+                                        <p:cTn id="9" dur="1" fill="hold">
+                                          <p:stCondLst>
+                                            <p:cond delay="0"/>
+                                          </p:stCondLst>
+                                        </p:cTn>
+                                        <p:tgtEl>
+                                          <p:spTgt spid="11"/>
+                                        </p:tgtEl>
+                                        <p:attrNameLst>
+                                          <p:attrName>style.visibility</p:attrName>
+                                        </p:attrNameLst>
+                                      </p:cBhvr>
+                                      <p:to>
+                                        <p:strVal val="visible"/>
+                                      </p:to>
+                                    </p:set>
+                                    <p:animEffect transition="in" filter="fade">
+                                      <p:cBhvr>
+                                        <p:cTn id="10" dur="500"/>
+                                        <p:tgtEl>
+                                          <p:spTgt spid="11"/>
+                                        </p:tgtEl>
+                                      </p:cBhvr>
+                                    </p:animEffect>
+                                  </p:childTnLst>
+                                </p:cTn>
+                              </p:par>
+                              <p:par>
+                                <p:cTn id="11" presetID="10" presetClass="entr" presetSubtype="0" fill="hold" grpId="0" nodeType="withEffect">
+                                  <p:stCondLst>
+                                    <p:cond delay="0"/>
+                                  </p:stCondLst>
+                                  <p:childTnLst>
+                                    <p:set>
+                                      <p:cBhvr>
+                                        <p:cTn id="12" dur="1" fill="hold">
+                                          <p:stCondLst>
+                                            <p:cond delay="0"/>
+                                          </p:stCondLst>
+                                        </p:cTn>
+                                        <p:tgtEl>
+                                          <p:spTgt spid="17"/>
+                                        </p:tgtEl>
+                                        <p:attrNameLst>
+                                          <p:attrName>style.visibility</p:attrName>
+                                        </p:attrNameLst>
+                                      </p:cBhvr>
+                                      <p:to>
+                                        <p:strVal val="visible"/>
+                                      </p:to>
+                                    </p:set>
+                                    <p:animEffect transition="in" filter="fade">
+                                      <p:cBhvr>
+                                        <p:cTn id="13" dur="500"/>
+                                        <p:tgtEl>
+                                          <p:spTgt spid="17"/>
+                                        </p:tgtEl>
+                                      </p:cBhvr>
+                                    </p:animEffect>
+                                  </p:childTnLst>
+                                </p:cTn>
+                              </p:par>
+                            </p:childTnLst>
+                          </p:cTn>
+                        </p:par>
+                      </p:childTnLst>
+                    </p:cTn>
+                  </p:par>
+                  <p:par>
+                    <p:cTn id="14" fill="hold">
+                      <p:stCondLst>
+                        <p:cond delay="indefinite"/>
+                      </p:stCondLst>
+                      <p:childTnLst>
+                        <p:par>
+                          <p:cTn id="15" fill="hold">
+                            <p:stCondLst>
+                              <p:cond delay="0"/>
+                            </p:stCondLst>
+                            <p:childTnLst>
+                              <p:par>
+                                <p:cTn id="16" presetID="10" presetClass="entr" presetSubtype="0" fill="hold" grpId="0" nodeType="clickEffect">
+                                  <p:stCondLst>
+                                    <p:cond delay="0"/>
+                                  </p:stCondLst>
+                                  <p:childTnLst>
+                                    <p:set>
+                                      <p:cBhvr>
+                                        <p:cTn id="17" dur="1" fill="hold">
+                                          <p:stCondLst>
+                                            <p:cond delay="0"/>
+                                          </p:stCondLst>
+                                        </p:cTn>
+                                        <p:tgtEl>
+                                          <p:spTgt spid="12"/>
+                                        </p:tgtEl>
+                                        <p:attrNameLst>
+                                          <p:attrName>style.visibility</p:attrName>
+                                        </p:attrNameLst>
+                                      </p:cBhvr>
+                                      <p:to>
+                                        <p:strVal val="visible"/>
+                                      </p:to>
+                                    </p:set>
+                                    <p:animEffect transition="in" filter="fade">
+                                      <p:cBhvr>
+                                        <p:cTn id="18" dur="500"/>
+                                        <p:tgtEl>
+                                          <p:spTgt spid="12"/>
+                                        </p:tgtEl>
+                                      </p:cBhvr>
+                                    </p:animEffect>
+                                  </p:childTnLst>
+                                </p:cTn>
+                              </p:par>
+                              <p:par>
+                                <p:cTn id="19" presetID="10" presetClass="entr" presetSubtype="0" fill="hold" grpId="0" nodeType="withEffect">
+                                  <p:stCondLst>
+                                    <p:cond delay="0"/>
+                                  </p:stCondLst>
+                                  <p:childTnLst>
+                                    <p:set>
+                                      <p:cBhvr>
+                                        <p:cTn id="20" dur="1" fill="hold">
+                                          <p:stCondLst>
+                                            <p:cond delay="0"/>
+                                          </p:stCondLst>
+                                        </p:cTn>
+                                        <p:tgtEl>
+                                          <p:spTgt spid="13"/>
+                                        </p:tgtEl>
+                                        <p:attrNameLst>
+                                          <p:attrName>style.visibility</p:attrName>
+                                        </p:attrNameLst>
+                                      </p:cBhvr>
+                                      <p:to>
+                                        <p:strVal val="visible"/>
+                                      </p:to>
+                                    </p:set>
+                                    <p:animEffect transition="in" filter="fade">
+                                      <p:cBhvr>
+                                        <p:cTn id="21" dur="500"/>
+                                        <p:tgtEl>
+                                          <p:spTgt spid="13"/>
+                                        </p:tgtEl>
+                                      </p:cBhvr>
+                                    </p:animEffect>
+                                  </p:childTnLst>
+                                </p:cTn>
+                              </p:par>
+                              <p:par>
+                                <p:cTn id="22" presetID="10" presetClass="entr" presetSubtype="0" fill="hold" grpId="0" nodeType="withEffect">
+                                  <p:stCondLst>
+                                    <p:cond delay="0"/>
+                                  </p:stCondLst>
+                                  <p:childTnLst>
+                                    <p:set>
+                                      <p:cBhvr>
+                                        <p:cTn id="23" dur="1" fill="hold">
+                                          <p:stCondLst>
+                                            <p:cond delay="0"/>
+                                          </p:stCondLst>
+                                        </p:cTn>
+                                        <p:tgtEl>
+                                          <p:spTgt spid="18"/>
+                                        </p:tgtEl>
+                                        <p:attrNameLst>
+                                          <p:attrName>style.visibility</p:attrName>
+                                        </p:attrNameLst>
+                                      </p:cBhvr>
+                                      <p:to>
+                                        <p:strVal val="visible"/>
+                                      </p:to>
+                                    </p:set>
+                                    <p:animEffect transition="in" filter="fade">
+                                      <p:cBhvr>
+                                        <p:cTn id="24" dur="500"/>
+                                        <p:tgtEl>
+                                          <p:spTgt spid="18"/>
+                                        </p:tgtEl>
+                                      </p:cBhvr>
+                                    </p:animEffect>
+                                  </p:childTnLst>
+                                </p:cTn>
+                              </p:par>
+                            </p:childTnLst>
+                          </p:cTn>
+                        </p:par>
+                      </p:childTnLst>
+                    </p:cTn>
+                  </p:par>
+                  <p:par>
+                    <p:cTn id="25" fill="hold">
+                      <p:stCondLst>
+                        <p:cond delay="indefinite"/>
+                      </p:stCondLst>
+                      <p:childTnLst>
+                        <p:par>
+                          <p:cTn id="26" fill="hold">
+                            <p:stCondLst>
+                              <p:cond delay="0"/>
+                            </p:stCondLst>
+                            <p:childTnLst>
+                              <p:par>
+                                <p:cTn id="27" presetID="10" presetClass="entr" presetSubtype="0" fill="hold" grpId="0" nodeType="clickEffect">
+                                  <p:stCondLst>
+                                    <p:cond delay="0"/>
+                                  </p:stCondLst>
+                                  <p:childTnLst>
+                                    <p:set>
+                                      <p:cBhvr>
+                                        <p:cTn id="28" dur="1" fill="hold">
+                                          <p:stCondLst>
+                                            <p:cond delay="0"/>
+                                          </p:stCondLst>
+                                        </p:cTn>
+                                        <p:tgtEl>
+                                          <p:spTgt spid="14"/>
+                                        </p:tgtEl>
+                                        <p:attrNameLst>
+                                          <p:attrName>style.visibility</p:attrName>
+                                        </p:attrNameLst>
+                                      </p:cBhvr>
+                                      <p:to>
+                                        <p:strVal val="visible"/>
+                                      </p:to>
+                                    </p:set>
+                                    <p:animEffect transition="in" filter="fade">
+                                      <p:cBhvr>
+                                        <p:cTn id="29" dur="500"/>
+                                        <p:tgtEl>
+                                          <p:spTgt spid="14"/>
+                                        </p:tgtEl>
+                                      </p:cBhvr>
+                                    </p:animEffect>
+                                  </p:childTnLst>
+                                </p:cTn>
+                              </p:par>
+                              <p:par>
+                                <p:cTn id="30" presetID="10" presetClass="entr" presetSubtype="0" fill="hold" grpId="0" nodeType="withEffect">
+                                  <p:stCondLst>
+                                    <p:cond delay="0"/>
+                                  </p:stCondLst>
+                                  <p:childTnLst>
+                                    <p:set>
+                                      <p:cBhvr>
+                                        <p:cTn id="31" dur="1" fill="hold">
+                                          <p:stCondLst>
+                                            <p:cond delay="0"/>
+                                          </p:stCondLst>
+                                        </p:cTn>
+                                        <p:tgtEl>
+                                          <p:spTgt spid="15"/>
+                                        </p:tgtEl>
+                                        <p:attrNameLst>
+                                          <p:attrName>style.visibility</p:attrName>
+                                        </p:attrNameLst>
+                                      </p:cBhvr>
+                                      <p:to>
+                                        <p:strVal val="visible"/>
+                                      </p:to>
+                                    </p:set>
+                                    <p:animEffect transition="in" filter="fade">
+                                      <p:cBhvr>
+                                        <p:cTn id="32" dur="500"/>
+                                        <p:tgtEl>
+                                          <p:spTgt spid="15"/>
+                                        </p:tgtEl>
+                                      </p:cBhvr>
+                                    </p:animEffect>
+                                  </p:childTnLst>
+                                </p:cTn>
+                              </p:par>
+                              <p:par>
+                                <p:cTn id="33" presetID="10" presetClass="entr" presetSubtype="0" fill="hold" grpId="0" nodeType="withEffect">
+                                  <p:stCondLst>
+                                    <p:cond delay="0"/>
+                                  </p:stCondLst>
+                                  <p:childTnLst>
+                                    <p:set>
+                                      <p:cBhvr>
+                                        <p:cTn id="34" dur="1" fill="hold">
+                                          <p:stCondLst>
+                                            <p:cond delay="0"/>
+                                          </p:stCondLst>
+                                        </p:cTn>
+                                        <p:tgtEl>
+                                          <p:spTgt spid="16"/>
+                                        </p:tgtEl>
+                                        <p:attrNameLst>
+                                          <p:attrName>style.visibility</p:attrName>
+                                        </p:attrNameLst>
+                                      </p:cBhvr>
+                                      <p:to>
+                                        <p:strVal val="visible"/>
+                                      </p:to>
+                                    </p:set>
+                                    <p:animEffect transition="in" filter="fade">
+                                      <p:cBhvr>
+                                        <p:cTn id="35" dur="500"/>
+                                        <p:tgtEl>
+                                          <p:spTgt spid="16"/>
+                                        </p:tgtEl>
+                                      </p:cBhvr>
+                                    </p:animEffect>
+                                  </p:childTnLst>
+                                </p:cTn>
+                              </p:par>
+                            </p:childTnLst>
+                          </p:cTn>
+                        </p:par>
+                      </p:childTnLst>
+                    </p:cTn>
+                  </p:par>
+                  <p:par>
+                    <p:cTn id="36" fill="hold">
+                      <p:stCondLst>
+                        <p:cond delay="indefinite"/>
+                      </p:stCondLst>
+                      <p:childTnLst>
+                        <p:par>
+                          <p:cTn id="37" fill="hold">
+                            <p:stCondLst>
+                              <p:cond delay="0"/>
+                            </p:stCondLst>
+                            <p:childTnLst>
+                              <p:par>
+                                <p:cTn id="38" presetID="1" presetClass="entr" presetSubtype="0" fill="hold" grpId="1" nodeType="clickEffect">
+                                  <p:stCondLst>
+                                    <p:cond delay="0"/>
+                                  </p:stCondLst>
+                                  <p:childTnLst>
+                                    <p:set>
+                                      <p:cBhvr>
+                                        <p:cTn id="39" dur="1" fill="hold">
+                                          <p:stCondLst>
+                                            <p:cond delay="0"/>
+                                          </p:stCondLst>
+                                        </p:cTn>
+                                        <p:tgtEl>
+                                          <p:spTgt spid="19"/>
+                                        </p:tgtEl>
+                                        <p:attrNameLst>
+                                          <p:attrName>style.visibility</p:attrName>
+                                        </p:attrNameLst>
+                                      </p:cBhvr>
+                                      <p:to>
+                                        <p:strVal val="visible"/>
+                                      </p:to>
+                                    </p:set>
+                                  </p:childTnLst>
+                                </p:cTn>
+                              </p:par>
+                            </p:childTnLst>
+                          </p:cTn>
+                        </p:par>
+                      </p:childTnLst>
+                    </p:cTn>
+                  </p:par>
+                  <p:par>
+                    <p:cTn id="40" fill="hold">
+                      <p:stCondLst>
+                        <p:cond delay="indefinite"/>
+                      </p:stCondLst>
+                      <p:childTnLst>
+                        <p:par>
+                          <p:cTn id="41" fill="hold">
+                            <p:stCondLst>
+                              <p:cond delay="0"/>
+                            </p:stCondLst>
+                            <p:childTnLst>
+                              <p:par>
+                                <p:cTn id="42" presetID="1" presetClass="entr" presetSubtype="0" fill="hold" grpId="0" nodeType="clickEffect">
+                                  <p:stCondLst>
+                                    <p:cond delay="0"/>
+                                  </p:stCondLst>
+                                  <p:childTnLst>
+                                    <p:set>
+                                      <p:cBhvr>
+                                        <p:cTn id="43" dur="1" fill="hold">
+                                          <p:stCondLst>
+                                            <p:cond delay="0"/>
+                                          </p:stCondLst>
+                                        </p:cTn>
+                                        <p:tgtEl>
+                                          <p:spTgt spid="21"/>
+                                        </p:tgtEl>
+                                        <p:attrNameLst>
+                                          <p:attrName>style.visibility</p:attrName>
+                                        </p:attrNameLst>
+                                      </p:cBhvr>
+                                      <p:to>
+                                        <p:strVal val="visible"/>
+                                      </p:to>
+                                    </p:set>
+                                  </p:childTnLst>
+                                </p:cTn>
+                              </p:par>
+                            </p:childTnLst>
+                          </p:cTn>
+                        </p:par>
+                      </p:childTnLst>
+                    </p:cTn>
+                  </p:par>
+                </p:childTnLst>
+              </p:cTn>
+              <p:prevCondLst>
+                <p:cond evt="onPrev" delay="0">
+                  <p:tgtEl>
+                    <p:sldTgt/>
+                  </p:tgtEl>
+                </p:cond>
+              </p:prevCondLst>
+              <p:nextCondLst>
+                <p:cond evt="onNext" delay="0">
+                  <p:tgtEl>
+                    <p:sldTgt/>
+                  </p:tgtEl>
+                </p:cond>
+              </p:nextCondLst>
+            </p:seq>
+          </p:childTnLst>
+        </p:cTn>
+      </p:par>
+    </p:tnLst>
+    <p:bldLst>
+      <p:bldP spid="11" grpId="0"/>
+      <p:bldP spid="12" grpId="0" animBg="1"/>
+      <p:bldP spid="13" grpId="0"/>
+      <p:bldP spid="14" grpId="0"/>
+      <p:bldP spid="15" grpId="0"/>
+      <p:bldP spid="16" grpId="0" animBg="1"/>
+      <p:bldP spid="17" grpId="0"/>
+      <p:bldP spid="18" grpId="0"/>
+      <p:bldP spid="19" grpId="1" animBg="1"/>
+      <p:bldP spid="21" grpId="0" animBg="1"/>
+    </p:bldLst>
+  </p:timing>
+</p:sld>
+</file>
+
+<file path=ppt/slides/slide32.xml><?xml version="1.0" encoding="utf-8"?>
+<p:sld xmlns:a="http://schemas.openxmlformats.org/drawingml/2006/main" xmlns:r="http://schemas.openxmlformats.org/officeDocument/2006/relationships" xmlns:p="http://schemas.openxmlformats.org/presentationml/2006/main">
+  <p:cSld>
+    <p:spTree>
+      <p:nvGrpSpPr>
+        <p:cNvPr id="1" name=""/>
+        <p:cNvGrpSpPr/>
+        <p:nvPr/>
+      </p:nvGrpSpPr>
+      <p:grpSpPr>
+        <a:xfrm>
+          <a:off x="0" y="0"/>
+          <a:ext cx="0" cy="0"/>
+          <a:chOff x="0" y="0"/>
+          <a:chExt cx="0" cy="0"/>
+        </a:xfrm>
+      </p:grpSpPr>
+      <p:sp>
+        <p:nvSpPr>
+          <p:cNvPr id="5" name="Rectangle 4">
+            <a:extLst>
+              <a:ext uri="{FF2B5EF4-FFF2-40B4-BE49-F238E27FC236}">
+                <a16:creationId xmlns:a16="http://schemas.microsoft.com/office/drawing/2014/main" id="{7E912178-9753-6442-B44C-886A12FD6F19}"/>
+              </a:ext>
+            </a:extLst>
+          </p:cNvPr>
+          <p:cNvSpPr/>
+          <p:nvPr/>
+        </p:nvSpPr>
+        <p:spPr>
+          <a:xfrm>
             <a:off x="1066800" y="4648200"/>
             <a:ext cx="7543800" cy="1295400"/>
           </a:xfrm>
@@ -21834,7 +22131,7 @@
           <a:p>
             <a:fld id="{86BADE50-950A-4D58-BFB2-FA2C6A8B385D}" type="slidenum">
               <a:rPr lang="en-US" smtClean="0"/>
-              <a:t>30</a:t>
+              <a:t>32</a:t>
             </a:fld>
             <a:endParaRPr lang="en-US"/>
           </a:p>
@@ -21853,7 +22150,7 @@
 </p:sld>
 </file>
 
-<file path=ppt/slides/slide31.xml><?xml version="1.0" encoding="utf-8"?>
+<file path=ppt/slides/slide33.xml><?xml version="1.0" encoding="utf-8"?>
 <p:sld xmlns:a="http://schemas.openxmlformats.org/drawingml/2006/main" xmlns:r="http://schemas.openxmlformats.org/officeDocument/2006/relationships" xmlns:p="http://schemas.openxmlformats.org/presentationml/2006/main">
   <p:cSld>
     <p:spTree>
@@ -21916,7 +22213,7 @@
           <a:p>
             <a:fld id="{86BADE50-950A-4D58-BFB2-FA2C6A8B385D}" type="slidenum">
               <a:rPr lang="en-US" smtClean="0"/>
-              <a:t>31</a:t>
+              <a:t>33</a:t>
             </a:fld>
             <a:endParaRPr lang="en-US"/>
           </a:p>
@@ -23242,7 +23539,7 @@
 </p:sld>
 </file>
 
-<file path=ppt/slides/slide32.xml><?xml version="1.0" encoding="utf-8"?>
+<file path=ppt/slides/slide34.xml><?xml version="1.0" encoding="utf-8"?>
 <p:sld xmlns:a="http://schemas.openxmlformats.org/drawingml/2006/main" xmlns:r="http://schemas.openxmlformats.org/officeDocument/2006/relationships" xmlns:p="http://schemas.openxmlformats.org/presentationml/2006/main">
   <p:cSld>
     <p:spTree>
@@ -23305,7 +23602,7 @@
           <a:p>
             <a:fld id="{86BADE50-950A-4D58-BFB2-FA2C6A8B385D}" type="slidenum">
               <a:rPr lang="en-US" smtClean="0"/>
-              <a:t>32</a:t>
+              <a:t>34</a:t>
             </a:fld>
             <a:endParaRPr lang="en-US"/>
           </a:p>
@@ -25902,7 +26199,7 @@
 </p:sld>
 </file>
 
-<file path=ppt/slides/slide33.xml><?xml version="1.0" encoding="utf-8"?>
+<file path=ppt/slides/slide35.xml><?xml version="1.0" encoding="utf-8"?>
 <p:sld xmlns:a="http://schemas.openxmlformats.org/drawingml/2006/main" xmlns:r="http://schemas.openxmlformats.org/officeDocument/2006/relationships" xmlns:p="http://schemas.openxmlformats.org/presentationml/2006/main">
   <p:cSld>
     <p:spTree>
@@ -25965,7 +26262,7 @@
           <a:p>
             <a:fld id="{86BADE50-950A-4D58-BFB2-FA2C6A8B385D}" type="slidenum">
               <a:rPr lang="en-US" smtClean="0"/>
-              <a:t>33</a:t>
+              <a:t>35</a:t>
             </a:fld>
             <a:endParaRPr lang="en-US"/>
           </a:p>
@@ -28805,7 +29102,7 @@
 </p:sld>
 </file>
 
-<file path=ppt/slides/slide34.xml><?xml version="1.0" encoding="utf-8"?>
+<file path=ppt/slides/slide36.xml><?xml version="1.0" encoding="utf-8"?>
 <p:sld xmlns:a="http://schemas.openxmlformats.org/drawingml/2006/main" xmlns:r="http://schemas.openxmlformats.org/officeDocument/2006/relationships" xmlns:p="http://schemas.openxmlformats.org/presentationml/2006/main">
   <p:cSld>
     <p:spTree>
@@ -28868,7 +29165,7 @@
           <a:p>
             <a:fld id="{86BADE50-950A-4D58-BFB2-FA2C6A8B385D}" type="slidenum">
               <a:rPr lang="en-US" smtClean="0"/>
-              <a:t>34</a:t>
+              <a:t>36</a:t>
             </a:fld>
             <a:endParaRPr lang="en-US"/>
           </a:p>
@@ -31778,7 +32075,7 @@
 </p:sld>
 </file>
 
-<file path=ppt/slides/slide35.xml><?xml version="1.0" encoding="utf-8"?>
+<file path=ppt/slides/slide37.xml><?xml version="1.0" encoding="utf-8"?>
 <p:sld xmlns:a="http://schemas.openxmlformats.org/drawingml/2006/main" xmlns:r="http://schemas.openxmlformats.org/officeDocument/2006/relationships" xmlns:p="http://schemas.openxmlformats.org/presentationml/2006/main">
   <p:cSld>
     <p:spTree>
@@ -31841,7 +32138,7 @@
           <a:p>
             <a:fld id="{86BADE50-950A-4D58-BFB2-FA2C6A8B385D}" type="slidenum">
               <a:rPr lang="en-US" smtClean="0"/>
-              <a:t>35</a:t>
+              <a:t>37</a:t>
             </a:fld>
             <a:endParaRPr lang="en-US"/>
           </a:p>
@@ -34822,7 +35119,7 @@
 </p:sld>
 </file>
 
-<file path=ppt/slides/slide36.xml><?xml version="1.0" encoding="utf-8"?>
+<file path=ppt/slides/slide38.xml><?xml version="1.0" encoding="utf-8"?>
 <p:sld xmlns:a="http://schemas.openxmlformats.org/drawingml/2006/main" xmlns:r="http://schemas.openxmlformats.org/officeDocument/2006/relationships" xmlns:p="http://schemas.openxmlformats.org/presentationml/2006/main">
   <p:cSld>
     <p:spTree>
@@ -34878,7 +35175,7 @@
           <a:p>
             <a:fld id="{86BADE50-950A-4D58-BFB2-FA2C6A8B385D}" type="slidenum">
               <a:rPr lang="en-US" smtClean="0"/>
-              <a:t>36</a:t>
+              <a:t>38</a:t>
             </a:fld>
             <a:endParaRPr lang="en-US"/>
           </a:p>
@@ -35294,7 +35591,7 @@
 </p:sld>
 </file>
 
-<file path=ppt/slides/slide37.xml><?xml version="1.0" encoding="utf-8"?>
+<file path=ppt/slides/slide39.xml><?xml version="1.0" encoding="utf-8"?>
 <p:sld xmlns:a="http://schemas.openxmlformats.org/drawingml/2006/main" xmlns:r="http://schemas.openxmlformats.org/officeDocument/2006/relationships" xmlns:p="http://schemas.openxmlformats.org/presentationml/2006/main">
   <p:cSld>
     <p:spTree>
@@ -35398,7 +35695,7 @@
           <a:p>
             <a:fld id="{86BADE50-950A-4D58-BFB2-FA2C6A8B385D}" type="slidenum">
               <a:rPr lang="en-US" smtClean="0"/>
-              <a:t>37</a:t>
+              <a:t>39</a:t>
             </a:fld>
             <a:endParaRPr lang="en-US"/>
           </a:p>
@@ -35417,7 +35714,7 @@
 </p:sld>
 </file>
 
-<file path=ppt/slides/slide38.xml><?xml version="1.0" encoding="utf-8"?>
+<file path=ppt/slides/slide4.xml><?xml version="1.0" encoding="utf-8"?>
 <p:sld xmlns:a="http://schemas.openxmlformats.org/drawingml/2006/main" xmlns:r="http://schemas.openxmlformats.org/officeDocument/2006/relationships" xmlns:p="http://schemas.openxmlformats.org/presentationml/2006/main">
   <p:cSld>
     <p:spTree>
@@ -35451,8 +35748,95 @@
           <a:p>
             <a:r>
               <a:rPr lang="en-US" dirty="0"/>
-              <a:t>Remember the choice made</a:t>
-            </a:r>
+              <a:t>CLRS Readings</a:t>
+            </a:r>
+          </a:p>
+        </p:txBody>
+      </p:sp>
+      <p:sp>
+        <p:nvSpPr>
+          <p:cNvPr id="3" name="Content Placeholder 2"/>
+          <p:cNvSpPr>
+            <a:spLocks noGrp="1"/>
+          </p:cNvSpPr>
+          <p:nvPr>
+            <p:ph idx="1"/>
+          </p:nvPr>
+        </p:nvSpPr>
+        <p:spPr/>
+        <p:txBody>
+          <a:bodyPr>
+            <a:normAutofit lnSpcReduction="10000"/>
+          </a:bodyPr>
+          <a:lstStyle/>
+          <a:p>
+            <a:r>
+              <a:rPr lang="en-US" dirty="0"/>
+              <a:t>Chapter 15, Dynamic Programming</a:t>
+            </a:r>
+          </a:p>
+          <a:p>
+            <a:pPr lvl="1"/>
+            <a:r>
+              <a:rPr lang="en-US" dirty="0"/>
+              <a:t>Section 15.1, Log/Rod cutting, optimal substructure property</a:t>
+            </a:r>
+          </a:p>
+          <a:p>
+            <a:pPr lvl="2"/>
+            <a:r>
+              <a:rPr lang="en-US" dirty="0"/>
+              <a:t>Note: </a:t>
+            </a:r>
+            <a:r>
+              <a:rPr lang="en-US" dirty="0" err="1"/>
+              <a:t>r</a:t>
+            </a:r>
+            <a:r>
+              <a:rPr lang="en-US" baseline="-25000" dirty="0" err="1"/>
+              <a:t>i</a:t>
+            </a:r>
+            <a:r>
+              <a:rPr lang="en-US" dirty="0"/>
+              <a:t> in book is called Cut() or C[] in our slides.  We do use their example.</a:t>
+            </a:r>
+          </a:p>
+          <a:p>
+            <a:pPr lvl="1"/>
+            <a:r>
+              <a:rPr lang="en-US" dirty="0"/>
+              <a:t>Section 15.3, More on elements of DP, including optimal substructure property</a:t>
+            </a:r>
+          </a:p>
+          <a:p>
+            <a:r>
+              <a:rPr lang="en-US" dirty="0"/>
+              <a:t>Chapter 16, Greedy Algorithms</a:t>
+            </a:r>
+          </a:p>
+          <a:p>
+            <a:pPr lvl="1"/>
+            <a:r>
+              <a:rPr lang="en-US" dirty="0"/>
+              <a:t>Intro, page 414</a:t>
+            </a:r>
+          </a:p>
+          <a:p>
+            <a:pPr lvl="1"/>
+            <a:r>
+              <a:rPr lang="en-US" dirty="0"/>
+              <a:t>Section 16.2, Elements of the Greedy Strategy, Knapsack problem</a:t>
+            </a:r>
+          </a:p>
+          <a:p>
+            <a:pPr lvl="1"/>
+            <a:r>
+              <a:rPr lang="en-US" dirty="0"/>
+              <a:t>Later Section 16.1, Activity Selection problem</a:t>
+            </a:r>
+          </a:p>
+          <a:p>
+            <a:endParaRPr lang="en-US" dirty="0"/>
           </a:p>
         </p:txBody>
       </p:sp>
@@ -35473,7 +35857,82 @@
           <a:p>
             <a:fld id="{86BADE50-950A-4D58-BFB2-FA2C6A8B385D}" type="slidenum">
               <a:rPr lang="en-US" smtClean="0"/>
-              <a:t>38</a:t>
+              <a:t>4</a:t>
+            </a:fld>
+            <a:endParaRPr lang="en-US"/>
+          </a:p>
+        </p:txBody>
+      </p:sp>
+    </p:spTree>
+    <p:extLst>
+      <p:ext uri="{BB962C8B-B14F-4D97-AF65-F5344CB8AC3E}">
+        <p14:creationId xmlns:p14="http://schemas.microsoft.com/office/powerpoint/2010/main" val="3671912407"/>
+      </p:ext>
+    </p:extLst>
+  </p:cSld>
+  <p:clrMapOvr>
+    <a:masterClrMapping/>
+  </p:clrMapOvr>
+</p:sld>
+</file>
+
+<file path=ppt/slides/slide40.xml><?xml version="1.0" encoding="utf-8"?>
+<p:sld xmlns:a="http://schemas.openxmlformats.org/drawingml/2006/main" xmlns:r="http://schemas.openxmlformats.org/officeDocument/2006/relationships" xmlns:p="http://schemas.openxmlformats.org/presentationml/2006/main">
+  <p:cSld>
+    <p:spTree>
+      <p:nvGrpSpPr>
+        <p:cNvPr id="1" name=""/>
+        <p:cNvGrpSpPr/>
+        <p:nvPr/>
+      </p:nvGrpSpPr>
+      <p:grpSpPr>
+        <a:xfrm>
+          <a:off x="0" y="0"/>
+          <a:ext cx="0" cy="0"/>
+          <a:chOff x="0" y="0"/>
+          <a:chExt cx="0" cy="0"/>
+        </a:xfrm>
+      </p:grpSpPr>
+      <p:sp>
+        <p:nvSpPr>
+          <p:cNvPr id="2" name="Title 1"/>
+          <p:cNvSpPr>
+            <a:spLocks noGrp="1"/>
+          </p:cNvSpPr>
+          <p:nvPr>
+            <p:ph type="title"/>
+          </p:nvPr>
+        </p:nvSpPr>
+        <p:spPr/>
+        <p:txBody>
+          <a:bodyPr/>
+          <a:lstStyle/>
+          <a:p>
+            <a:r>
+              <a:rPr lang="en-US" dirty="0"/>
+              <a:t>Remember the choice made</a:t>
+            </a:r>
+          </a:p>
+        </p:txBody>
+      </p:sp>
+      <p:sp>
+        <p:nvSpPr>
+          <p:cNvPr id="4" name="Slide Number Placeholder 3"/>
+          <p:cNvSpPr>
+            <a:spLocks noGrp="1"/>
+          </p:cNvSpPr>
+          <p:nvPr>
+            <p:ph type="sldNum" sz="quarter" idx="12"/>
+          </p:nvPr>
+        </p:nvSpPr>
+        <p:spPr/>
+        <p:txBody>
+          <a:bodyPr/>
+          <a:lstStyle/>
+          <a:p>
+            <a:fld id="{86BADE50-950A-4D58-BFB2-FA2C6A8B385D}" type="slidenum">
+              <a:rPr lang="en-US" smtClean="0"/>
+              <a:t>40</a:t>
             </a:fld>
             <a:endParaRPr lang="en-US"/>
           </a:p>
@@ -35761,7 +36220,7 @@
 </p:sld>
 </file>
 
-<file path=ppt/slides/slide39.xml><?xml version="1.0" encoding="utf-8"?>
+<file path=ppt/slides/slide41.xml><?xml version="1.0" encoding="utf-8"?>
 <p:sld xmlns:a="http://schemas.openxmlformats.org/drawingml/2006/main" xmlns:r="http://schemas.openxmlformats.org/officeDocument/2006/relationships" xmlns:p="http://schemas.openxmlformats.org/presentationml/2006/main">
   <p:cSld>
     <p:spTree>
@@ -35817,7 +36276,7 @@
           <a:p>
             <a:fld id="{86BADE50-950A-4D58-BFB2-FA2C6A8B385D}" type="slidenum">
               <a:rPr lang="en-US" smtClean="0"/>
-              <a:t>39</a:t>
+              <a:t>41</a:t>
             </a:fld>
             <a:endParaRPr lang="en-US"/>
           </a:p>
@@ -38178,7 +38637,7 @@
 </p:sld>
 </file>
 
-<file path=ppt/slides/slide4.xml><?xml version="1.0" encoding="utf-8"?>
+<file path=ppt/slides/slide42.xml><?xml version="1.0" encoding="utf-8"?>
 <p:sld xmlns:a="http://schemas.openxmlformats.org/drawingml/2006/main" xmlns:r="http://schemas.openxmlformats.org/officeDocument/2006/relationships" xmlns:p="http://schemas.openxmlformats.org/presentationml/2006/main">
   <p:cSld>
     <p:spTree>
@@ -38212,7 +38671,7 @@
           <a:p>
             <a:r>
               <a:rPr lang="en-US" dirty="0"/>
-              <a:t>CLRS Readings</a:t>
+              <a:t>Backtracking Pseudocode</a:t>
             </a:r>
           </a:p>
         </p:txBody>
@@ -38229,78 +38688,96 @@
         </p:nvSpPr>
         <p:spPr/>
         <p:txBody>
-          <a:bodyPr>
-            <a:normAutofit lnSpcReduction="10000"/>
-          </a:bodyPr>
+          <a:bodyPr/>
           <a:lstStyle/>
           <a:p>
+            <a:pPr marL="0" indent="0">
+              <a:buNone/>
+            </a:pPr>
+            <a:r>
+              <a:rPr lang="en-US" dirty="0" err="1"/>
+              <a:t>i</a:t>
+            </a:r>
             <a:r>
               <a:rPr lang="en-US" dirty="0"/>
-              <a:t>Chapter 15, Dynamic Programming</a:t>
-            </a:r>
-          </a:p>
-          <a:p>
-            <a:pPr lvl="1"/>
+              <a:t> = n</a:t>
+            </a:r>
+          </a:p>
+          <a:p>
+            <a:pPr marL="0" indent="0">
+              <a:buNone/>
+            </a:pPr>
             <a:r>
               <a:rPr lang="en-US" dirty="0"/>
-              <a:t>Section 15.1, Log/Rod cutting, optimal substructure property</a:t>
-            </a:r>
-          </a:p>
-          <a:p>
-            <a:pPr lvl="2"/>
+              <a:t>while </a:t>
+            </a:r>
+            <a:r>
+              <a:rPr lang="en-US" dirty="0" err="1"/>
+              <a:t>i</a:t>
+            </a:r>
             <a:r>
               <a:rPr lang="en-US" dirty="0"/>
-              <a:t>Note: </a:t>
+              <a:t> &gt; 0:</a:t>
+            </a:r>
+          </a:p>
+          <a:p>
+            <a:pPr marL="0" indent="0">
+              <a:buNone/>
+            </a:pPr>
+            <a:r>
+              <a:rPr lang="en-US" dirty="0"/>
+              <a:t>	print Choices[</a:t>
             </a:r>
             <a:r>
               <a:rPr lang="en-US" dirty="0" err="1"/>
-              <a:t>r</a:t>
-            </a:r>
-            <a:r>
-              <a:rPr lang="en-US" baseline="-25000" dirty="0" err="1"/>
               <a:t>i</a:t>
             </a:r>
             <a:r>
               <a:rPr lang="en-US" dirty="0"/>
-              <a:t> in book is called Cut() or C[] in our slides.  We do use their example.</a:t>
-            </a:r>
-          </a:p>
-          <a:p>
-            <a:pPr lvl="1"/>
+              <a:t>]</a:t>
+            </a:r>
+          </a:p>
+          <a:p>
+            <a:pPr marL="0" indent="0">
+              <a:buNone/>
+            </a:pPr>
             <a:r>
               <a:rPr lang="en-US" dirty="0"/>
-              <a:t>Section 15.3, More on elements of DP, including optimal substructure property</a:t>
-            </a:r>
-          </a:p>
-          <a:p>
+              <a:t>	</a:t>
+            </a:r>
+            <a:r>
+              <a:rPr lang="en-US" dirty="0" err="1"/>
+              <a:t>i</a:t>
+            </a:r>
             <a:r>
               <a:rPr lang="en-US" dirty="0"/>
-              <a:t>Chapter 16, Greedy Algorithms</a:t>
-            </a:r>
-          </a:p>
-          <a:p>
-            <a:pPr lvl="1"/>
+              <a:t> = </a:t>
+            </a:r>
+            <a:r>
+              <a:rPr lang="en-US" dirty="0" err="1"/>
+              <a:t>i</a:t>
+            </a:r>
             <a:r>
               <a:rPr lang="en-US" dirty="0"/>
-              <a:t>Intro, page 414</a:t>
-            </a:r>
-          </a:p>
-          <a:p>
-            <a:pPr lvl="1"/>
+              <a:t> – Choices[</a:t>
+            </a:r>
+            <a:r>
+              <a:rPr lang="en-US" dirty="0" err="1"/>
+              <a:t>i</a:t>
+            </a:r>
             <a:r>
               <a:rPr lang="en-US" dirty="0"/>
-              <a:t>Section 16.2, Elements of the Greedy Strategy, Knapsack problem</a:t>
-            </a:r>
-          </a:p>
-          <a:p>
-            <a:pPr lvl="1"/>
+              <a:t>]</a:t>
+            </a:r>
+          </a:p>
+          <a:p>
+            <a:pPr marL="0" indent="0">
+              <a:buNone/>
+            </a:pPr>
             <a:r>
               <a:rPr lang="en-US" dirty="0"/>
-              <a:t>Later Section 16.1, Activity Selection problem</a:t>
-            </a:r>
-          </a:p>
-          <a:p>
-            <a:endParaRPr lang="en-US" dirty="0"/>
+              <a:t>	</a:t>
+            </a:r>
           </a:p>
         </p:txBody>
       </p:sp>
@@ -38321,187 +38798,7 @@
           <a:p>
             <a:fld id="{86BADE50-950A-4D58-BFB2-FA2C6A8B385D}" type="slidenum">
               <a:rPr lang="en-US" smtClean="0"/>
-              <a:t>4</a:t>
-            </a:fld>
-            <a:endParaRPr lang="en-US"/>
-          </a:p>
-        </p:txBody>
-      </p:sp>
-    </p:spTree>
-    <p:extLst>
-      <p:ext uri="{BB962C8B-B14F-4D97-AF65-F5344CB8AC3E}">
-        <p14:creationId xmlns:p14="http://schemas.microsoft.com/office/powerpoint/2010/main" val="3671912407"/>
-      </p:ext>
-    </p:extLst>
-  </p:cSld>
-  <p:clrMapOvr>
-    <a:masterClrMapping/>
-  </p:clrMapOvr>
-</p:sld>
-</file>
-
-<file path=ppt/slides/slide40.xml><?xml version="1.0" encoding="utf-8"?>
-<p:sld xmlns:a="http://schemas.openxmlformats.org/drawingml/2006/main" xmlns:r="http://schemas.openxmlformats.org/officeDocument/2006/relationships" xmlns:p="http://schemas.openxmlformats.org/presentationml/2006/main">
-  <p:cSld>
-    <p:spTree>
-      <p:nvGrpSpPr>
-        <p:cNvPr id="1" name=""/>
-        <p:cNvGrpSpPr/>
-        <p:nvPr/>
-      </p:nvGrpSpPr>
-      <p:grpSpPr>
-        <a:xfrm>
-          <a:off x="0" y="0"/>
-          <a:ext cx="0" cy="0"/>
-          <a:chOff x="0" y="0"/>
-          <a:chExt cx="0" cy="0"/>
-        </a:xfrm>
-      </p:grpSpPr>
-      <p:sp>
-        <p:nvSpPr>
-          <p:cNvPr id="2" name="Title 1"/>
-          <p:cNvSpPr>
-            <a:spLocks noGrp="1"/>
-          </p:cNvSpPr>
-          <p:nvPr>
-            <p:ph type="title"/>
-          </p:nvPr>
-        </p:nvSpPr>
-        <p:spPr/>
-        <p:txBody>
-          <a:bodyPr/>
-          <a:lstStyle/>
-          <a:p>
-            <a:r>
-              <a:rPr lang="en-US" dirty="0"/>
-              <a:t>Backtracking Pseudocode</a:t>
-            </a:r>
-          </a:p>
-        </p:txBody>
-      </p:sp>
-      <p:sp>
-        <p:nvSpPr>
-          <p:cNvPr id="3" name="Content Placeholder 2"/>
-          <p:cNvSpPr>
-            <a:spLocks noGrp="1"/>
-          </p:cNvSpPr>
-          <p:nvPr>
-            <p:ph idx="1"/>
-          </p:nvPr>
-        </p:nvSpPr>
-        <p:spPr/>
-        <p:txBody>
-          <a:bodyPr/>
-          <a:lstStyle/>
-          <a:p>
-            <a:pPr marL="0" indent="0">
-              <a:buNone/>
-            </a:pPr>
-            <a:r>
-              <a:rPr lang="en-US" dirty="0" err="1"/>
-              <a:t>i</a:t>
-            </a:r>
-            <a:r>
-              <a:rPr lang="en-US" dirty="0"/>
-              <a:t> = n</a:t>
-            </a:r>
-          </a:p>
-          <a:p>
-            <a:pPr marL="0" indent="0">
-              <a:buNone/>
-            </a:pPr>
-            <a:r>
-              <a:rPr lang="en-US" dirty="0"/>
-              <a:t>while </a:t>
-            </a:r>
-            <a:r>
-              <a:rPr lang="en-US" dirty="0" err="1"/>
-              <a:t>i</a:t>
-            </a:r>
-            <a:r>
-              <a:rPr lang="en-US" dirty="0"/>
-              <a:t> &gt; 0:</a:t>
-            </a:r>
-          </a:p>
-          <a:p>
-            <a:pPr marL="0" indent="0">
-              <a:buNone/>
-            </a:pPr>
-            <a:r>
-              <a:rPr lang="en-US" dirty="0"/>
-              <a:t>	print Choices[</a:t>
-            </a:r>
-            <a:r>
-              <a:rPr lang="en-US" dirty="0" err="1"/>
-              <a:t>i</a:t>
-            </a:r>
-            <a:r>
-              <a:rPr lang="en-US" dirty="0"/>
-              <a:t>]</a:t>
-            </a:r>
-          </a:p>
-          <a:p>
-            <a:pPr marL="0" indent="0">
-              <a:buNone/>
-            </a:pPr>
-            <a:r>
-              <a:rPr lang="en-US" dirty="0"/>
-              <a:t>	</a:t>
-            </a:r>
-            <a:r>
-              <a:rPr lang="en-US" dirty="0" err="1"/>
-              <a:t>i</a:t>
-            </a:r>
-            <a:r>
-              <a:rPr lang="en-US" dirty="0"/>
-              <a:t> = </a:t>
-            </a:r>
-            <a:r>
-              <a:rPr lang="en-US" dirty="0" err="1"/>
-              <a:t>i</a:t>
-            </a:r>
-            <a:r>
-              <a:rPr lang="en-US" dirty="0"/>
-              <a:t> – Choices[</a:t>
-            </a:r>
-            <a:r>
-              <a:rPr lang="en-US" dirty="0" err="1"/>
-              <a:t>i</a:t>
-            </a:r>
-            <a:r>
-              <a:rPr lang="en-US" dirty="0"/>
-              <a:t>]</a:t>
-            </a:r>
-          </a:p>
-          <a:p>
-            <a:pPr marL="0" indent="0">
-              <a:buNone/>
-            </a:pPr>
-            <a:r>
-              <a:rPr lang="en-US" dirty="0"/>
-              <a:t>	</a:t>
-            </a:r>
-          </a:p>
-        </p:txBody>
-      </p:sp>
-      <p:sp>
-        <p:nvSpPr>
-          <p:cNvPr id="4" name="Slide Number Placeholder 3"/>
-          <p:cNvSpPr>
-            <a:spLocks noGrp="1"/>
-          </p:cNvSpPr>
-          <p:nvPr>
-            <p:ph type="sldNum" sz="quarter" idx="12"/>
-          </p:nvPr>
-        </p:nvSpPr>
-        <p:spPr/>
-        <p:txBody>
-          <a:bodyPr/>
-          <a:lstStyle/>
-          <a:p>
-            <a:fld id="{86BADE50-950A-4D58-BFB2-FA2C6A8B385D}" type="slidenum">
-              <a:rPr lang="en-US" smtClean="0"/>
-              <a:t>40</a:t>
+              <a:t>42</a:t>
             </a:fld>
             <a:endParaRPr lang="en-US"/>
           </a:p>
@@ -38520,7 +38817,7 @@
 </p:sld>
 </file>
 
-<file path=ppt/slides/slide41.xml><?xml version="1.0" encoding="utf-8"?>
+<file path=ppt/slides/slide43.xml><?xml version="1.0" encoding="utf-8"?>
 <p:sld xmlns:a="http://schemas.openxmlformats.org/drawingml/2006/main" xmlns:r="http://schemas.openxmlformats.org/officeDocument/2006/relationships" xmlns:p="http://schemas.openxmlformats.org/presentationml/2006/main">
   <p:cSld>
     <p:spTree>
@@ -39254,7 +39551,7 @@
           <a:p>
             <a:fld id="{86BADE50-950A-4D58-BFB2-FA2C6A8B385D}" type="slidenum">
               <a:rPr lang="en-US" smtClean="0"/>
-              <a:t>41</a:t>
+              <a:t>43</a:t>
             </a:fld>
             <a:endParaRPr lang="en-US"/>
           </a:p>
@@ -39385,6 +39682,1105 @@
           </a:p>
         </p:txBody>
       </p:sp>
+      <p:grpSp>
+        <p:nvGrpSpPr>
+          <p:cNvPr id="7" name="Group 6">
+            <a:extLst>
+              <a:ext uri="{FF2B5EF4-FFF2-40B4-BE49-F238E27FC236}">
+                <a16:creationId xmlns:a16="http://schemas.microsoft.com/office/drawing/2014/main" id="{9031565E-97D5-EC4C-AEC3-74B9FB39755D}"/>
+              </a:ext>
+            </a:extLst>
+          </p:cNvPr>
+          <p:cNvGrpSpPr/>
+          <p:nvPr/>
+        </p:nvGrpSpPr>
+        <p:grpSpPr>
+          <a:xfrm>
+            <a:off x="6599601" y="5591364"/>
+            <a:ext cx="5008199" cy="852626"/>
+            <a:chOff x="1315303" y="1594366"/>
+            <a:chExt cx="5008199" cy="852626"/>
+          </a:xfrm>
+        </p:grpSpPr>
+        <p:sp>
+          <p:nvSpPr>
+            <p:cNvPr id="8" name="Rectangle 7">
+              <a:extLst>
+                <a:ext uri="{FF2B5EF4-FFF2-40B4-BE49-F238E27FC236}">
+                  <a16:creationId xmlns:a16="http://schemas.microsoft.com/office/drawing/2014/main" id="{E1AFD547-E757-424F-B192-643EACBC7458}"/>
+                </a:ext>
+              </a:extLst>
+            </p:cNvPr>
+            <p:cNvSpPr/>
+            <p:nvPr/>
+          </p:nvSpPr>
+          <p:spPr>
+            <a:xfrm>
+              <a:off x="2238713" y="1594366"/>
+              <a:ext cx="407892" cy="533400"/>
+            </a:xfrm>
+            <a:prstGeom prst="rect">
+              <a:avLst/>
+            </a:prstGeom>
+            <a:solidFill>
+              <a:schemeClr val="bg1"/>
+            </a:solidFill>
+            <a:ln>
+              <a:solidFill>
+                <a:schemeClr val="tx1"/>
+              </a:solidFill>
+            </a:ln>
+          </p:spPr>
+          <p:style>
+            <a:lnRef idx="2">
+              <a:schemeClr val="accent1">
+                <a:shade val="50000"/>
+              </a:schemeClr>
+            </a:lnRef>
+            <a:fillRef idx="1">
+              <a:schemeClr val="accent1"/>
+            </a:fillRef>
+            <a:effectRef idx="0">
+              <a:schemeClr val="accent1"/>
+            </a:effectRef>
+            <a:fontRef idx="minor">
+              <a:schemeClr val="lt1"/>
+            </a:fontRef>
+          </p:style>
+          <p:txBody>
+            <a:bodyPr rtlCol="0" anchor="ctr"/>
+            <a:lstStyle/>
+            <a:p>
+              <a:pPr algn="ctr"/>
+              <a:r>
+                <a:rPr lang="en-US" sz="1600" dirty="0">
+                  <a:solidFill>
+                    <a:schemeClr val="tx1"/>
+                  </a:solidFill>
+                </a:rPr>
+                <a:t>1</a:t>
+              </a:r>
+            </a:p>
+          </p:txBody>
+        </p:sp>
+        <p:sp>
+          <p:nvSpPr>
+            <p:cNvPr id="9" name="Rectangle 8">
+              <a:extLst>
+                <a:ext uri="{FF2B5EF4-FFF2-40B4-BE49-F238E27FC236}">
+                  <a16:creationId xmlns:a16="http://schemas.microsoft.com/office/drawing/2014/main" id="{1301312A-A348-C14A-A88A-186049BAA817}"/>
+                </a:ext>
+              </a:extLst>
+            </p:cNvPr>
+            <p:cNvSpPr/>
+            <p:nvPr/>
+          </p:nvSpPr>
+          <p:spPr>
+            <a:xfrm>
+              <a:off x="2643930" y="1594366"/>
+              <a:ext cx="407892" cy="533400"/>
+            </a:xfrm>
+            <a:prstGeom prst="rect">
+              <a:avLst/>
+            </a:prstGeom>
+            <a:solidFill>
+              <a:schemeClr val="bg1"/>
+            </a:solidFill>
+            <a:ln>
+              <a:solidFill>
+                <a:schemeClr val="tx1"/>
+              </a:solidFill>
+            </a:ln>
+          </p:spPr>
+          <p:style>
+            <a:lnRef idx="2">
+              <a:schemeClr val="accent1">
+                <a:shade val="50000"/>
+              </a:schemeClr>
+            </a:lnRef>
+            <a:fillRef idx="1">
+              <a:schemeClr val="accent1"/>
+            </a:fillRef>
+            <a:effectRef idx="0">
+              <a:schemeClr val="accent1"/>
+            </a:effectRef>
+            <a:fontRef idx="minor">
+              <a:schemeClr val="lt1"/>
+            </a:fontRef>
+          </p:style>
+          <p:txBody>
+            <a:bodyPr rtlCol="0" anchor="ctr"/>
+            <a:lstStyle/>
+            <a:p>
+              <a:pPr algn="ctr"/>
+              <a:r>
+                <a:rPr lang="en-US" sz="1600" dirty="0">
+                  <a:solidFill>
+                    <a:schemeClr val="tx1"/>
+                  </a:solidFill>
+                </a:rPr>
+                <a:t>5</a:t>
+              </a:r>
+            </a:p>
+          </p:txBody>
+        </p:sp>
+        <p:sp>
+          <p:nvSpPr>
+            <p:cNvPr id="10" name="Rectangle 9">
+              <a:extLst>
+                <a:ext uri="{FF2B5EF4-FFF2-40B4-BE49-F238E27FC236}">
+                  <a16:creationId xmlns:a16="http://schemas.microsoft.com/office/drawing/2014/main" id="{5D1CF67F-9E5B-E447-887C-4F3F9389AED0}"/>
+                </a:ext>
+              </a:extLst>
+            </p:cNvPr>
+            <p:cNvSpPr/>
+            <p:nvPr/>
+          </p:nvSpPr>
+          <p:spPr>
+            <a:xfrm>
+              <a:off x="3051277" y="1594366"/>
+              <a:ext cx="407892" cy="533400"/>
+            </a:xfrm>
+            <a:prstGeom prst="rect">
+              <a:avLst/>
+            </a:prstGeom>
+            <a:solidFill>
+              <a:schemeClr val="bg1"/>
+            </a:solidFill>
+            <a:ln>
+              <a:solidFill>
+                <a:schemeClr val="tx1"/>
+              </a:solidFill>
+            </a:ln>
+          </p:spPr>
+          <p:style>
+            <a:lnRef idx="2">
+              <a:schemeClr val="accent1">
+                <a:shade val="50000"/>
+              </a:schemeClr>
+            </a:lnRef>
+            <a:fillRef idx="1">
+              <a:schemeClr val="accent1"/>
+            </a:fillRef>
+            <a:effectRef idx="0">
+              <a:schemeClr val="accent1"/>
+            </a:effectRef>
+            <a:fontRef idx="minor">
+              <a:schemeClr val="lt1"/>
+            </a:fontRef>
+          </p:style>
+          <p:txBody>
+            <a:bodyPr rtlCol="0" anchor="ctr"/>
+            <a:lstStyle/>
+            <a:p>
+              <a:pPr algn="ctr"/>
+              <a:r>
+                <a:rPr lang="en-US" sz="1600" dirty="0">
+                  <a:solidFill>
+                    <a:schemeClr val="tx1"/>
+                  </a:solidFill>
+                </a:rPr>
+                <a:t>8</a:t>
+              </a:r>
+            </a:p>
+          </p:txBody>
+        </p:sp>
+        <p:sp>
+          <p:nvSpPr>
+            <p:cNvPr id="11" name="Rectangle 10">
+              <a:extLst>
+                <a:ext uri="{FF2B5EF4-FFF2-40B4-BE49-F238E27FC236}">
+                  <a16:creationId xmlns:a16="http://schemas.microsoft.com/office/drawing/2014/main" id="{F42B9674-E10C-E54D-BA56-55F8B9F60B40}"/>
+                </a:ext>
+              </a:extLst>
+            </p:cNvPr>
+            <p:cNvSpPr/>
+            <p:nvPr/>
+          </p:nvSpPr>
+          <p:spPr>
+            <a:xfrm>
+              <a:off x="3460371" y="1594366"/>
+              <a:ext cx="407892" cy="533400"/>
+            </a:xfrm>
+            <a:prstGeom prst="rect">
+              <a:avLst/>
+            </a:prstGeom>
+            <a:solidFill>
+              <a:schemeClr val="bg1"/>
+            </a:solidFill>
+            <a:ln>
+              <a:solidFill>
+                <a:schemeClr val="tx1"/>
+              </a:solidFill>
+            </a:ln>
+          </p:spPr>
+          <p:style>
+            <a:lnRef idx="2">
+              <a:schemeClr val="accent1">
+                <a:shade val="50000"/>
+              </a:schemeClr>
+            </a:lnRef>
+            <a:fillRef idx="1">
+              <a:schemeClr val="accent1"/>
+            </a:fillRef>
+            <a:effectRef idx="0">
+              <a:schemeClr val="accent1"/>
+            </a:effectRef>
+            <a:fontRef idx="minor">
+              <a:schemeClr val="lt1"/>
+            </a:fontRef>
+          </p:style>
+          <p:txBody>
+            <a:bodyPr rtlCol="0" anchor="ctr"/>
+            <a:lstStyle/>
+            <a:p>
+              <a:pPr algn="ctr"/>
+              <a:r>
+                <a:rPr lang="en-US" sz="1600" dirty="0">
+                  <a:solidFill>
+                    <a:schemeClr val="tx1"/>
+                  </a:solidFill>
+                </a:rPr>
+                <a:t>9</a:t>
+              </a:r>
+            </a:p>
+          </p:txBody>
+        </p:sp>
+        <p:sp>
+          <p:nvSpPr>
+            <p:cNvPr id="12" name="Rectangle 11">
+              <a:extLst>
+                <a:ext uri="{FF2B5EF4-FFF2-40B4-BE49-F238E27FC236}">
+                  <a16:creationId xmlns:a16="http://schemas.microsoft.com/office/drawing/2014/main" id="{5132046E-E85F-4A44-9A32-D6EC156DDFCC}"/>
+                </a:ext>
+              </a:extLst>
+            </p:cNvPr>
+            <p:cNvSpPr/>
+            <p:nvPr/>
+          </p:nvSpPr>
+          <p:spPr>
+            <a:xfrm>
+              <a:off x="3863841" y="1594366"/>
+              <a:ext cx="407892" cy="533400"/>
+            </a:xfrm>
+            <a:prstGeom prst="rect">
+              <a:avLst/>
+            </a:prstGeom>
+            <a:solidFill>
+              <a:schemeClr val="bg1"/>
+            </a:solidFill>
+            <a:ln>
+              <a:solidFill>
+                <a:schemeClr val="tx1"/>
+              </a:solidFill>
+            </a:ln>
+          </p:spPr>
+          <p:style>
+            <a:lnRef idx="2">
+              <a:schemeClr val="accent1">
+                <a:shade val="50000"/>
+              </a:schemeClr>
+            </a:lnRef>
+            <a:fillRef idx="1">
+              <a:schemeClr val="accent1"/>
+            </a:fillRef>
+            <a:effectRef idx="0">
+              <a:schemeClr val="accent1"/>
+            </a:effectRef>
+            <a:fontRef idx="minor">
+              <a:schemeClr val="lt1"/>
+            </a:fontRef>
+          </p:style>
+          <p:txBody>
+            <a:bodyPr rtlCol="0" anchor="ctr"/>
+            <a:lstStyle/>
+            <a:p>
+              <a:pPr algn="ctr"/>
+              <a:r>
+                <a:rPr lang="en-US" sz="1600" dirty="0">
+                  <a:solidFill>
+                    <a:schemeClr val="tx1"/>
+                  </a:solidFill>
+                </a:rPr>
+                <a:t>10</a:t>
+              </a:r>
+            </a:p>
+          </p:txBody>
+        </p:sp>
+        <p:sp>
+          <p:nvSpPr>
+            <p:cNvPr id="13" name="Rectangle 12">
+              <a:extLst>
+                <a:ext uri="{FF2B5EF4-FFF2-40B4-BE49-F238E27FC236}">
+                  <a16:creationId xmlns:a16="http://schemas.microsoft.com/office/drawing/2014/main" id="{F6D4C4F1-F376-F044-BDCD-D8169FAB051C}"/>
+                </a:ext>
+              </a:extLst>
+            </p:cNvPr>
+            <p:cNvSpPr/>
+            <p:nvPr/>
+          </p:nvSpPr>
+          <p:spPr>
+            <a:xfrm>
+              <a:off x="4271733" y="1594366"/>
+              <a:ext cx="407892" cy="533400"/>
+            </a:xfrm>
+            <a:prstGeom prst="rect">
+              <a:avLst/>
+            </a:prstGeom>
+            <a:solidFill>
+              <a:schemeClr val="bg1"/>
+            </a:solidFill>
+            <a:ln>
+              <a:solidFill>
+                <a:schemeClr val="tx1"/>
+              </a:solidFill>
+            </a:ln>
+          </p:spPr>
+          <p:style>
+            <a:lnRef idx="2">
+              <a:schemeClr val="accent1">
+                <a:shade val="50000"/>
+              </a:schemeClr>
+            </a:lnRef>
+            <a:fillRef idx="1">
+              <a:schemeClr val="accent1"/>
+            </a:fillRef>
+            <a:effectRef idx="0">
+              <a:schemeClr val="accent1"/>
+            </a:effectRef>
+            <a:fontRef idx="minor">
+              <a:schemeClr val="lt1"/>
+            </a:fontRef>
+          </p:style>
+          <p:txBody>
+            <a:bodyPr rtlCol="0" anchor="ctr"/>
+            <a:lstStyle/>
+            <a:p>
+              <a:pPr algn="ctr"/>
+              <a:r>
+                <a:rPr lang="en-US" sz="1600" dirty="0">
+                  <a:solidFill>
+                    <a:schemeClr val="tx1"/>
+                  </a:solidFill>
+                </a:rPr>
+                <a:t>17</a:t>
+              </a:r>
+            </a:p>
+          </p:txBody>
+        </p:sp>
+        <p:sp>
+          <p:nvSpPr>
+            <p:cNvPr id="14" name="Rectangle 13">
+              <a:extLst>
+                <a:ext uri="{FF2B5EF4-FFF2-40B4-BE49-F238E27FC236}">
+                  <a16:creationId xmlns:a16="http://schemas.microsoft.com/office/drawing/2014/main" id="{1F5AEB1A-81A5-654C-A25B-EBB5C76A843E}"/>
+                </a:ext>
+              </a:extLst>
+            </p:cNvPr>
+            <p:cNvSpPr/>
+            <p:nvPr/>
+          </p:nvSpPr>
+          <p:spPr>
+            <a:xfrm>
+              <a:off x="4670633" y="1594366"/>
+              <a:ext cx="407892" cy="533400"/>
+            </a:xfrm>
+            <a:prstGeom prst="rect">
+              <a:avLst/>
+            </a:prstGeom>
+            <a:solidFill>
+              <a:schemeClr val="bg1"/>
+            </a:solidFill>
+            <a:ln>
+              <a:solidFill>
+                <a:schemeClr val="tx1"/>
+              </a:solidFill>
+            </a:ln>
+          </p:spPr>
+          <p:style>
+            <a:lnRef idx="2">
+              <a:schemeClr val="accent1">
+                <a:shade val="50000"/>
+              </a:schemeClr>
+            </a:lnRef>
+            <a:fillRef idx="1">
+              <a:schemeClr val="accent1"/>
+            </a:fillRef>
+            <a:effectRef idx="0">
+              <a:schemeClr val="accent1"/>
+            </a:effectRef>
+            <a:fontRef idx="minor">
+              <a:schemeClr val="lt1"/>
+            </a:fontRef>
+          </p:style>
+          <p:txBody>
+            <a:bodyPr rtlCol="0" anchor="ctr"/>
+            <a:lstStyle/>
+            <a:p>
+              <a:pPr algn="ctr"/>
+              <a:r>
+                <a:rPr lang="en-US" sz="1600" dirty="0">
+                  <a:solidFill>
+                    <a:schemeClr val="tx1"/>
+                  </a:solidFill>
+                </a:rPr>
+                <a:t>17</a:t>
+              </a:r>
+            </a:p>
+          </p:txBody>
+        </p:sp>
+        <p:sp>
+          <p:nvSpPr>
+            <p:cNvPr id="15" name="Rectangle 14">
+              <a:extLst>
+                <a:ext uri="{FF2B5EF4-FFF2-40B4-BE49-F238E27FC236}">
+                  <a16:creationId xmlns:a16="http://schemas.microsoft.com/office/drawing/2014/main" id="{045B28AB-848A-6F4B-9EB3-CEEF0296435D}"/>
+                </a:ext>
+              </a:extLst>
+            </p:cNvPr>
+            <p:cNvSpPr/>
+            <p:nvPr/>
+          </p:nvSpPr>
+          <p:spPr>
+            <a:xfrm>
+              <a:off x="5078525" y="1594366"/>
+              <a:ext cx="407892" cy="533400"/>
+            </a:xfrm>
+            <a:prstGeom prst="rect">
+              <a:avLst/>
+            </a:prstGeom>
+            <a:solidFill>
+              <a:schemeClr val="bg1"/>
+            </a:solidFill>
+            <a:ln>
+              <a:solidFill>
+                <a:schemeClr val="tx1"/>
+              </a:solidFill>
+            </a:ln>
+          </p:spPr>
+          <p:style>
+            <a:lnRef idx="2">
+              <a:schemeClr val="accent1">
+                <a:shade val="50000"/>
+              </a:schemeClr>
+            </a:lnRef>
+            <a:fillRef idx="1">
+              <a:schemeClr val="accent1"/>
+            </a:fillRef>
+            <a:effectRef idx="0">
+              <a:schemeClr val="accent1"/>
+            </a:effectRef>
+            <a:fontRef idx="minor">
+              <a:schemeClr val="lt1"/>
+            </a:fontRef>
+          </p:style>
+          <p:txBody>
+            <a:bodyPr rtlCol="0" anchor="ctr"/>
+            <a:lstStyle/>
+            <a:p>
+              <a:pPr algn="ctr"/>
+              <a:r>
+                <a:rPr lang="en-US" sz="1600" dirty="0">
+                  <a:solidFill>
+                    <a:schemeClr val="tx1"/>
+                  </a:solidFill>
+                </a:rPr>
+                <a:t>20</a:t>
+              </a:r>
+            </a:p>
+          </p:txBody>
+        </p:sp>
+        <p:sp>
+          <p:nvSpPr>
+            <p:cNvPr id="16" name="Rectangle 15">
+              <a:extLst>
+                <a:ext uri="{FF2B5EF4-FFF2-40B4-BE49-F238E27FC236}">
+                  <a16:creationId xmlns:a16="http://schemas.microsoft.com/office/drawing/2014/main" id="{5D525EE4-6DB7-5A42-B33C-F442B9EE40FA}"/>
+                </a:ext>
+              </a:extLst>
+            </p:cNvPr>
+            <p:cNvSpPr/>
+            <p:nvPr/>
+          </p:nvSpPr>
+          <p:spPr>
+            <a:xfrm>
+              <a:off x="5486375" y="1594366"/>
+              <a:ext cx="407892" cy="533400"/>
+            </a:xfrm>
+            <a:prstGeom prst="rect">
+              <a:avLst/>
+            </a:prstGeom>
+            <a:solidFill>
+              <a:schemeClr val="bg1"/>
+            </a:solidFill>
+            <a:ln>
+              <a:solidFill>
+                <a:schemeClr val="tx1"/>
+              </a:solidFill>
+            </a:ln>
+          </p:spPr>
+          <p:style>
+            <a:lnRef idx="2">
+              <a:schemeClr val="accent1">
+                <a:shade val="50000"/>
+              </a:schemeClr>
+            </a:lnRef>
+            <a:fillRef idx="1">
+              <a:schemeClr val="accent1"/>
+            </a:fillRef>
+            <a:effectRef idx="0">
+              <a:schemeClr val="accent1"/>
+            </a:effectRef>
+            <a:fontRef idx="minor">
+              <a:schemeClr val="lt1"/>
+            </a:fontRef>
+          </p:style>
+          <p:txBody>
+            <a:bodyPr rtlCol="0" anchor="ctr"/>
+            <a:lstStyle/>
+            <a:p>
+              <a:pPr algn="ctr"/>
+              <a:r>
+                <a:rPr lang="en-US" sz="1600" dirty="0">
+                  <a:solidFill>
+                    <a:schemeClr val="tx1"/>
+                  </a:solidFill>
+                </a:rPr>
+                <a:t>24</a:t>
+              </a:r>
+            </a:p>
+          </p:txBody>
+        </p:sp>
+        <p:sp>
+          <p:nvSpPr>
+            <p:cNvPr id="17" name="Rectangle 16">
+              <a:extLst>
+                <a:ext uri="{FF2B5EF4-FFF2-40B4-BE49-F238E27FC236}">
+                  <a16:creationId xmlns:a16="http://schemas.microsoft.com/office/drawing/2014/main" id="{D32FFBD5-6084-9D45-AC08-D3D982E79756}"/>
+                </a:ext>
+              </a:extLst>
+            </p:cNvPr>
+            <p:cNvSpPr/>
+            <p:nvPr/>
+          </p:nvSpPr>
+          <p:spPr>
+            <a:xfrm>
+              <a:off x="5895151" y="1594366"/>
+              <a:ext cx="407892" cy="533400"/>
+            </a:xfrm>
+            <a:prstGeom prst="rect">
+              <a:avLst/>
+            </a:prstGeom>
+            <a:solidFill>
+              <a:schemeClr val="bg1"/>
+            </a:solidFill>
+            <a:ln>
+              <a:solidFill>
+                <a:schemeClr val="tx1"/>
+              </a:solidFill>
+            </a:ln>
+          </p:spPr>
+          <p:style>
+            <a:lnRef idx="2">
+              <a:schemeClr val="accent1">
+                <a:shade val="50000"/>
+              </a:schemeClr>
+            </a:lnRef>
+            <a:fillRef idx="1">
+              <a:schemeClr val="accent1"/>
+            </a:fillRef>
+            <a:effectRef idx="0">
+              <a:schemeClr val="accent1"/>
+            </a:effectRef>
+            <a:fontRef idx="minor">
+              <a:schemeClr val="lt1"/>
+            </a:fontRef>
+          </p:style>
+          <p:txBody>
+            <a:bodyPr rtlCol="0" anchor="ctr"/>
+            <a:lstStyle/>
+            <a:p>
+              <a:pPr algn="ctr"/>
+              <a:r>
+                <a:rPr lang="en-US" sz="1600" dirty="0">
+                  <a:solidFill>
+                    <a:schemeClr val="tx1"/>
+                  </a:solidFill>
+                </a:rPr>
+                <a:t>30</a:t>
+              </a:r>
+            </a:p>
+          </p:txBody>
+        </p:sp>
+        <p:sp>
+          <p:nvSpPr>
+            <p:cNvPr id="18" name="TextBox 17">
+              <a:extLst>
+                <a:ext uri="{FF2B5EF4-FFF2-40B4-BE49-F238E27FC236}">
+                  <a16:creationId xmlns:a16="http://schemas.microsoft.com/office/drawing/2014/main" id="{2CE9FC51-7177-444C-B1CA-A81B9F2E449A}"/>
+                </a:ext>
+              </a:extLst>
+            </p:cNvPr>
+            <p:cNvSpPr txBox="1"/>
+            <p:nvPr/>
+          </p:nvSpPr>
+          <p:spPr>
+            <a:xfrm>
+              <a:off x="5868498" y="2094560"/>
+              <a:ext cx="455004" cy="338554"/>
+            </a:xfrm>
+            <a:prstGeom prst="rect">
+              <a:avLst/>
+            </a:prstGeom>
+            <a:noFill/>
+          </p:spPr>
+          <p:txBody>
+            <a:bodyPr wrap="square" rtlCol="0">
+              <a:spAutoFit/>
+            </a:bodyPr>
+            <a:lstStyle/>
+            <a:p>
+              <a:r>
+                <a:rPr lang="en-US" sz="1600" dirty="0">
+                  <a:solidFill>
+                    <a:srgbClr val="FF33CC"/>
+                  </a:solidFill>
+                </a:rPr>
+                <a:t>10</a:t>
+              </a:r>
+            </a:p>
+          </p:txBody>
+        </p:sp>
+        <p:sp>
+          <p:nvSpPr>
+            <p:cNvPr id="19" name="TextBox 18">
+              <a:extLst>
+                <a:ext uri="{FF2B5EF4-FFF2-40B4-BE49-F238E27FC236}">
+                  <a16:creationId xmlns:a16="http://schemas.microsoft.com/office/drawing/2014/main" id="{8BDF0716-EE99-D942-AABB-87BFCC633173}"/>
+                </a:ext>
+              </a:extLst>
+            </p:cNvPr>
+            <p:cNvSpPr txBox="1"/>
+            <p:nvPr/>
+          </p:nvSpPr>
+          <p:spPr>
+            <a:xfrm>
+              <a:off x="5552733" y="2100463"/>
+              <a:ext cx="242983" cy="338554"/>
+            </a:xfrm>
+            <a:prstGeom prst="rect">
+              <a:avLst/>
+            </a:prstGeom>
+            <a:noFill/>
+          </p:spPr>
+          <p:txBody>
+            <a:bodyPr wrap="square" rtlCol="0">
+              <a:spAutoFit/>
+            </a:bodyPr>
+            <a:lstStyle/>
+            <a:p>
+              <a:r>
+                <a:rPr lang="en-US" sz="1600" dirty="0">
+                  <a:solidFill>
+                    <a:srgbClr val="FF33CC"/>
+                  </a:solidFill>
+                </a:rPr>
+                <a:t>9</a:t>
+              </a:r>
+            </a:p>
+          </p:txBody>
+        </p:sp>
+        <p:sp>
+          <p:nvSpPr>
+            <p:cNvPr id="20" name="TextBox 19">
+              <a:extLst>
+                <a:ext uri="{FF2B5EF4-FFF2-40B4-BE49-F238E27FC236}">
+                  <a16:creationId xmlns:a16="http://schemas.microsoft.com/office/drawing/2014/main" id="{DE471047-E384-2C4A-917E-BA16D14A26D0}"/>
+                </a:ext>
+              </a:extLst>
+            </p:cNvPr>
+            <p:cNvSpPr txBox="1"/>
+            <p:nvPr/>
+          </p:nvSpPr>
+          <p:spPr>
+            <a:xfrm>
+              <a:off x="5154710" y="2093218"/>
+              <a:ext cx="242983" cy="338554"/>
+            </a:xfrm>
+            <a:prstGeom prst="rect">
+              <a:avLst/>
+            </a:prstGeom>
+            <a:noFill/>
+          </p:spPr>
+          <p:txBody>
+            <a:bodyPr wrap="square" rtlCol="0">
+              <a:spAutoFit/>
+            </a:bodyPr>
+            <a:lstStyle/>
+            <a:p>
+              <a:r>
+                <a:rPr lang="en-US" sz="1600" dirty="0">
+                  <a:solidFill>
+                    <a:srgbClr val="FF33CC"/>
+                  </a:solidFill>
+                </a:rPr>
+                <a:t>8</a:t>
+              </a:r>
+            </a:p>
+          </p:txBody>
+        </p:sp>
+        <p:sp>
+          <p:nvSpPr>
+            <p:cNvPr id="21" name="TextBox 20">
+              <a:extLst>
+                <a:ext uri="{FF2B5EF4-FFF2-40B4-BE49-F238E27FC236}">
+                  <a16:creationId xmlns:a16="http://schemas.microsoft.com/office/drawing/2014/main" id="{BE9B13DB-7CF5-C343-88DE-F1E1FDDBE452}"/>
+                </a:ext>
+              </a:extLst>
+            </p:cNvPr>
+            <p:cNvSpPr txBox="1"/>
+            <p:nvPr/>
+          </p:nvSpPr>
+          <p:spPr>
+            <a:xfrm>
+              <a:off x="4747996" y="2097082"/>
+              <a:ext cx="242983" cy="338554"/>
+            </a:xfrm>
+            <a:prstGeom prst="rect">
+              <a:avLst/>
+            </a:prstGeom>
+            <a:noFill/>
+          </p:spPr>
+          <p:txBody>
+            <a:bodyPr wrap="square" rtlCol="0">
+              <a:spAutoFit/>
+            </a:bodyPr>
+            <a:lstStyle/>
+            <a:p>
+              <a:r>
+                <a:rPr lang="en-US" sz="1600" dirty="0">
+                  <a:solidFill>
+                    <a:srgbClr val="FF33CC"/>
+                  </a:solidFill>
+                </a:rPr>
+                <a:t>7</a:t>
+              </a:r>
+            </a:p>
+          </p:txBody>
+        </p:sp>
+        <p:sp>
+          <p:nvSpPr>
+            <p:cNvPr id="22" name="TextBox 21">
+              <a:extLst>
+                <a:ext uri="{FF2B5EF4-FFF2-40B4-BE49-F238E27FC236}">
+                  <a16:creationId xmlns:a16="http://schemas.microsoft.com/office/drawing/2014/main" id="{E5100A5B-FECC-3146-8C7D-105149A30BE6}"/>
+                </a:ext>
+              </a:extLst>
+            </p:cNvPr>
+            <p:cNvSpPr txBox="1"/>
+            <p:nvPr/>
+          </p:nvSpPr>
+          <p:spPr>
+            <a:xfrm>
+              <a:off x="4349455" y="2100463"/>
+              <a:ext cx="242983" cy="338554"/>
+            </a:xfrm>
+            <a:prstGeom prst="rect">
+              <a:avLst/>
+            </a:prstGeom>
+            <a:noFill/>
+          </p:spPr>
+          <p:txBody>
+            <a:bodyPr wrap="square" rtlCol="0">
+              <a:spAutoFit/>
+            </a:bodyPr>
+            <a:lstStyle/>
+            <a:p>
+              <a:r>
+                <a:rPr lang="en-US" sz="1600" dirty="0">
+                  <a:solidFill>
+                    <a:srgbClr val="FF33CC"/>
+                  </a:solidFill>
+                </a:rPr>
+                <a:t>6</a:t>
+              </a:r>
+            </a:p>
+          </p:txBody>
+        </p:sp>
+        <p:sp>
+          <p:nvSpPr>
+            <p:cNvPr id="23" name="TextBox 22">
+              <a:extLst>
+                <a:ext uri="{FF2B5EF4-FFF2-40B4-BE49-F238E27FC236}">
+                  <a16:creationId xmlns:a16="http://schemas.microsoft.com/office/drawing/2014/main" id="{4B15AADD-E05F-9B43-BD27-664DE8BADAF6}"/>
+                </a:ext>
+              </a:extLst>
+            </p:cNvPr>
+            <p:cNvSpPr txBox="1"/>
+            <p:nvPr/>
+          </p:nvSpPr>
+          <p:spPr>
+            <a:xfrm>
+              <a:off x="3947428" y="2108438"/>
+              <a:ext cx="242983" cy="338554"/>
+            </a:xfrm>
+            <a:prstGeom prst="rect">
+              <a:avLst/>
+            </a:prstGeom>
+            <a:noFill/>
+          </p:spPr>
+          <p:txBody>
+            <a:bodyPr wrap="square" rtlCol="0">
+              <a:spAutoFit/>
+            </a:bodyPr>
+            <a:lstStyle/>
+            <a:p>
+              <a:r>
+                <a:rPr lang="en-US" sz="1600" dirty="0">
+                  <a:solidFill>
+                    <a:srgbClr val="FF33CC"/>
+                  </a:solidFill>
+                </a:rPr>
+                <a:t>5</a:t>
+              </a:r>
+            </a:p>
+          </p:txBody>
+        </p:sp>
+        <p:sp>
+          <p:nvSpPr>
+            <p:cNvPr id="24" name="TextBox 23">
+              <a:extLst>
+                <a:ext uri="{FF2B5EF4-FFF2-40B4-BE49-F238E27FC236}">
+                  <a16:creationId xmlns:a16="http://schemas.microsoft.com/office/drawing/2014/main" id="{5AC7DBF3-0658-B049-95DB-7A3216D438EE}"/>
+                </a:ext>
+              </a:extLst>
+            </p:cNvPr>
+            <p:cNvSpPr txBox="1"/>
+            <p:nvPr/>
+          </p:nvSpPr>
+          <p:spPr>
+            <a:xfrm>
+              <a:off x="3504386" y="2108438"/>
+              <a:ext cx="242983" cy="338554"/>
+            </a:xfrm>
+            <a:prstGeom prst="rect">
+              <a:avLst/>
+            </a:prstGeom>
+            <a:noFill/>
+          </p:spPr>
+          <p:txBody>
+            <a:bodyPr wrap="square" rtlCol="0">
+              <a:spAutoFit/>
+            </a:bodyPr>
+            <a:lstStyle/>
+            <a:p>
+              <a:r>
+                <a:rPr lang="en-US" sz="1600" dirty="0">
+                  <a:solidFill>
+                    <a:srgbClr val="FF33CC"/>
+                  </a:solidFill>
+                </a:rPr>
+                <a:t>4</a:t>
+              </a:r>
+            </a:p>
+          </p:txBody>
+        </p:sp>
+        <p:sp>
+          <p:nvSpPr>
+            <p:cNvPr id="25" name="TextBox 24">
+              <a:extLst>
+                <a:ext uri="{FF2B5EF4-FFF2-40B4-BE49-F238E27FC236}">
+                  <a16:creationId xmlns:a16="http://schemas.microsoft.com/office/drawing/2014/main" id="{CF947245-F9EB-1040-A504-A611AB8E5FFE}"/>
+                </a:ext>
+              </a:extLst>
+            </p:cNvPr>
+            <p:cNvSpPr txBox="1"/>
+            <p:nvPr/>
+          </p:nvSpPr>
+          <p:spPr>
+            <a:xfrm>
+              <a:off x="3122551" y="2108438"/>
+              <a:ext cx="242983" cy="338554"/>
+            </a:xfrm>
+            <a:prstGeom prst="rect">
+              <a:avLst/>
+            </a:prstGeom>
+            <a:noFill/>
+          </p:spPr>
+          <p:txBody>
+            <a:bodyPr wrap="square" rtlCol="0">
+              <a:spAutoFit/>
+            </a:bodyPr>
+            <a:lstStyle/>
+            <a:p>
+              <a:r>
+                <a:rPr lang="en-US" sz="1600" dirty="0">
+                  <a:solidFill>
+                    <a:srgbClr val="FF33CC"/>
+                  </a:solidFill>
+                </a:rPr>
+                <a:t>3</a:t>
+              </a:r>
+            </a:p>
+          </p:txBody>
+        </p:sp>
+        <p:sp>
+          <p:nvSpPr>
+            <p:cNvPr id="26" name="TextBox 25">
+              <a:extLst>
+                <a:ext uri="{FF2B5EF4-FFF2-40B4-BE49-F238E27FC236}">
+                  <a16:creationId xmlns:a16="http://schemas.microsoft.com/office/drawing/2014/main" id="{B4A91C11-E178-684E-BD31-9EA2FCE1B237}"/>
+                </a:ext>
+              </a:extLst>
+            </p:cNvPr>
+            <p:cNvSpPr txBox="1"/>
+            <p:nvPr/>
+          </p:nvSpPr>
+          <p:spPr>
+            <a:xfrm>
+              <a:off x="2723306" y="2108438"/>
+              <a:ext cx="242983" cy="338554"/>
+            </a:xfrm>
+            <a:prstGeom prst="rect">
+              <a:avLst/>
+            </a:prstGeom>
+            <a:noFill/>
+          </p:spPr>
+          <p:txBody>
+            <a:bodyPr wrap="square" rtlCol="0">
+              <a:spAutoFit/>
+            </a:bodyPr>
+            <a:lstStyle/>
+            <a:p>
+              <a:r>
+                <a:rPr lang="en-US" sz="1600" dirty="0">
+                  <a:solidFill>
+                    <a:srgbClr val="FF33CC"/>
+                  </a:solidFill>
+                </a:rPr>
+                <a:t>2</a:t>
+              </a:r>
+            </a:p>
+          </p:txBody>
+        </p:sp>
+        <p:sp>
+          <p:nvSpPr>
+            <p:cNvPr id="27" name="TextBox 26">
+              <a:extLst>
+                <a:ext uri="{FF2B5EF4-FFF2-40B4-BE49-F238E27FC236}">
+                  <a16:creationId xmlns:a16="http://schemas.microsoft.com/office/drawing/2014/main" id="{5CDC10DA-BAF5-B648-819E-5D5441869680}"/>
+                </a:ext>
+              </a:extLst>
+            </p:cNvPr>
+            <p:cNvSpPr txBox="1"/>
+            <p:nvPr/>
+          </p:nvSpPr>
+          <p:spPr>
+            <a:xfrm>
+              <a:off x="2311397" y="2097082"/>
+              <a:ext cx="242983" cy="338554"/>
+            </a:xfrm>
+            <a:prstGeom prst="rect">
+              <a:avLst/>
+            </a:prstGeom>
+            <a:noFill/>
+          </p:spPr>
+          <p:txBody>
+            <a:bodyPr wrap="square" rtlCol="0">
+              <a:spAutoFit/>
+            </a:bodyPr>
+            <a:lstStyle/>
+            <a:p>
+              <a:r>
+                <a:rPr lang="en-US" sz="1600" dirty="0">
+                  <a:solidFill>
+                    <a:srgbClr val="FF33CC"/>
+                  </a:solidFill>
+                </a:rPr>
+                <a:t>1</a:t>
+              </a:r>
+            </a:p>
+          </p:txBody>
+        </p:sp>
+        <p:sp>
+          <p:nvSpPr>
+            <p:cNvPr id="28" name="TextBox 27">
+              <a:extLst>
+                <a:ext uri="{FF2B5EF4-FFF2-40B4-BE49-F238E27FC236}">
+                  <a16:creationId xmlns:a16="http://schemas.microsoft.com/office/drawing/2014/main" id="{1DC42EBB-33A6-FC4B-805F-12370B87F000}"/>
+                </a:ext>
+              </a:extLst>
+            </p:cNvPr>
+            <p:cNvSpPr txBox="1"/>
+            <p:nvPr/>
+          </p:nvSpPr>
+          <p:spPr>
+            <a:xfrm>
+              <a:off x="1315303" y="2055831"/>
+              <a:ext cx="886525" cy="369332"/>
+            </a:xfrm>
+            <a:prstGeom prst="rect">
+              <a:avLst/>
+            </a:prstGeom>
+            <a:noFill/>
+          </p:spPr>
+          <p:txBody>
+            <a:bodyPr wrap="none" rtlCol="0">
+              <a:spAutoFit/>
+            </a:bodyPr>
+            <a:lstStyle/>
+            <a:p>
+              <a:r>
+                <a:rPr lang="en-US" dirty="0">
+                  <a:solidFill>
+                    <a:srgbClr val="FF33CC"/>
+                  </a:solidFill>
+                </a:rPr>
+                <a:t>Length:</a:t>
+              </a:r>
+            </a:p>
+          </p:txBody>
+        </p:sp>
+        <p:sp>
+          <p:nvSpPr>
+            <p:cNvPr id="29" name="TextBox 28">
+              <a:extLst>
+                <a:ext uri="{FF2B5EF4-FFF2-40B4-BE49-F238E27FC236}">
+                  <a16:creationId xmlns:a16="http://schemas.microsoft.com/office/drawing/2014/main" id="{055A39E8-78FC-C941-870D-69150BE41DEB}"/>
+                </a:ext>
+              </a:extLst>
+            </p:cNvPr>
+            <p:cNvSpPr txBox="1"/>
+            <p:nvPr/>
+          </p:nvSpPr>
+          <p:spPr>
+            <a:xfrm>
+              <a:off x="1322734" y="1594366"/>
+              <a:ext cx="712054" cy="369332"/>
+            </a:xfrm>
+            <a:prstGeom prst="rect">
+              <a:avLst/>
+            </a:prstGeom>
+            <a:noFill/>
+          </p:spPr>
+          <p:txBody>
+            <a:bodyPr wrap="none" rtlCol="0">
+              <a:spAutoFit/>
+            </a:bodyPr>
+            <a:lstStyle/>
+            <a:p>
+              <a:r>
+                <a:rPr lang="en-US" dirty="0">
+                  <a:solidFill>
+                    <a:srgbClr val="0070C0"/>
+                  </a:solidFill>
+                </a:rPr>
+                <a:t>Price:</a:t>
+              </a:r>
+            </a:p>
+          </p:txBody>
+        </p:sp>
+      </p:grpSp>
     </p:spTree>
     <p:extLst>
       <p:ext uri="{BB962C8B-B14F-4D97-AF65-F5344CB8AC3E}">
@@ -39398,7 +40794,7 @@
 </p:sld>
 </file>
 
-<file path=ppt/slides/slide42.xml><?xml version="1.0" encoding="utf-8"?>
+<file path=ppt/slides/slide44.xml><?xml version="1.0" encoding="utf-8"?>
 <p:sld xmlns:a="http://schemas.openxmlformats.org/drawingml/2006/main" xmlns:r="http://schemas.openxmlformats.org/officeDocument/2006/relationships" xmlns:p="http://schemas.openxmlformats.org/presentationml/2006/main">
   <p:cSld>
     <p:spTree>
@@ -39492,7 +40888,7 @@
           <a:p>
             <a:fld id="{86BADE50-950A-4D58-BFB2-FA2C6A8B385D}" type="slidenum">
               <a:rPr lang="en-US" smtClean="0"/>
-              <a:t>42</a:t>
+              <a:t>44</a:t>
             </a:fld>
             <a:endParaRPr lang="en-US"/>
           </a:p>
@@ -39511,7 +40907,7 @@
 </p:sld>
 </file>
 
-<file path=ppt/slides/slide43.xml><?xml version="1.0" encoding="utf-8"?>
+<file path=ppt/slides/slide45.xml><?xml version="1.0" encoding="utf-8"?>
 <p:sld xmlns:a="http://schemas.openxmlformats.org/drawingml/2006/main" xmlns:r="http://schemas.openxmlformats.org/officeDocument/2006/relationships" xmlns:p="http://schemas.openxmlformats.org/presentationml/2006/main">
   <p:cSld>
     <p:spTree>
@@ -39726,7 +41122,7 @@
                 <a:buFontTx/>
                 <a:buNone/>
               </a:pPr>
-              <a:t>43</a:t>
+              <a:t>45</a:t>
             </a:fld>
             <a:endParaRPr kumimoji="0" lang="en-US" altLang="en-US" sz="1400"/>
           </a:p>
@@ -39959,7 +41355,7 @@
 </p:sld>
 </file>
 
-<file path=ppt/slides/slide44.xml><?xml version="1.0" encoding="utf-8"?>
+<file path=ppt/slides/slide46.xml><?xml version="1.0" encoding="utf-8"?>
 <p:sld xmlns:a="http://schemas.openxmlformats.org/drawingml/2006/main" xmlns:r="http://schemas.openxmlformats.org/officeDocument/2006/relationships" xmlns:p="http://schemas.openxmlformats.org/presentationml/2006/main">
   <p:cSld>
     <p:spTree>
@@ -40174,7 +41570,7 @@
                 <a:buFontTx/>
                 <a:buNone/>
               </a:pPr>
-              <a:t>44</a:t>
+              <a:t>46</a:t>
             </a:fld>
             <a:endParaRPr kumimoji="0" lang="en-US" altLang="en-US" sz="1400"/>
           </a:p>
@@ -40357,7 +41753,7 @@
 </p:sld>
 </file>
 
-<file path=ppt/slides/slide45.xml><?xml version="1.0" encoding="utf-8"?>
+<file path=ppt/slides/slide47.xml><?xml version="1.0" encoding="utf-8"?>
 <p:sld xmlns:a="http://schemas.openxmlformats.org/drawingml/2006/main" xmlns:r="http://schemas.openxmlformats.org/officeDocument/2006/relationships" xmlns:p="http://schemas.openxmlformats.org/presentationml/2006/main">
   <p:cSld>
     <p:spTree>
@@ -40572,7 +41968,7 @@
                 <a:buFontTx/>
                 <a:buNone/>
               </a:pPr>
-              <a:t>45</a:t>
+              <a:t>47</a:t>
             </a:fld>
             <a:endParaRPr kumimoji="0" lang="en-US" altLang="en-US" sz="1400"/>
           </a:p>
@@ -40792,7 +42188,7 @@
 </p:sld>
 </file>
 
-<file path=ppt/slides/slide46.xml><?xml version="1.0" encoding="utf-8"?>
+<file path=ppt/slides/slide48.xml><?xml version="1.0" encoding="utf-8"?>
 <p:sld xmlns:a="http://schemas.openxmlformats.org/drawingml/2006/main" xmlns:r="http://schemas.openxmlformats.org/officeDocument/2006/relationships" xmlns:p="http://schemas.openxmlformats.org/presentationml/2006/main">
   <p:cSld>
     <p:spTree>
@@ -41007,7 +42403,7 @@
                 <a:buFontTx/>
                 <a:buNone/>
               </a:pPr>
-              <a:t>46</a:t>
+              <a:t>48</a:t>
             </a:fld>
             <a:endParaRPr kumimoji="0" lang="en-US" altLang="en-US" sz="1400"/>
           </a:p>
@@ -41382,7 +42778,7 @@
 </p:sld>
 </file>
 
-<file path=ppt/slides/slide47.xml><?xml version="1.0" encoding="utf-8"?>
+<file path=ppt/slides/slide49.xml><?xml version="1.0" encoding="utf-8"?>
 <p:sld xmlns:a="http://schemas.openxmlformats.org/drawingml/2006/main" xmlns:r="http://schemas.openxmlformats.org/officeDocument/2006/relationships" xmlns:p="http://schemas.openxmlformats.org/presentationml/2006/main">
   <p:cSld>
     <p:spTree>
@@ -41597,7 +42993,7 @@
                 <a:buFontTx/>
                 <a:buNone/>
               </a:pPr>
-              <a:t>47</a:t>
+              <a:t>49</a:t>
             </a:fld>
             <a:endParaRPr kumimoji="0" lang="en-US" altLang="en-US" sz="1400"/>
           </a:p>
@@ -41762,7 +43158,173 @@
 </p:sld>
 </file>
 
-<file path=ppt/slides/slide48.xml><?xml version="1.0" encoding="utf-8"?>
+<file path=ppt/slides/slide5.xml><?xml version="1.0" encoding="utf-8"?>
+<p:sld xmlns:a="http://schemas.openxmlformats.org/drawingml/2006/main" xmlns:r="http://schemas.openxmlformats.org/officeDocument/2006/relationships" xmlns:p="http://schemas.openxmlformats.org/presentationml/2006/main">
+  <p:cSld>
+    <p:spTree>
+      <p:nvGrpSpPr>
+        <p:cNvPr id="1" name=""/>
+        <p:cNvGrpSpPr/>
+        <p:nvPr/>
+      </p:nvGrpSpPr>
+      <p:grpSpPr>
+        <a:xfrm>
+          <a:off x="0" y="0"/>
+          <a:ext cx="0" cy="0"/>
+          <a:chOff x="0" y="0"/>
+          <a:chExt cx="0" cy="0"/>
+        </a:xfrm>
+      </p:grpSpPr>
+      <p:sp>
+        <p:nvSpPr>
+          <p:cNvPr id="2" name="Title 1">
+            <a:extLst>
+              <a:ext uri="{FF2B5EF4-FFF2-40B4-BE49-F238E27FC236}">
+                <a16:creationId xmlns:a16="http://schemas.microsoft.com/office/drawing/2014/main" id="{3504958A-1B23-A64F-9249-F7943CB9F082}"/>
+              </a:ext>
+            </a:extLst>
+          </p:cNvPr>
+          <p:cNvSpPr>
+            <a:spLocks noGrp="1"/>
+          </p:cNvSpPr>
+          <p:nvPr>
+            <p:ph type="title"/>
+          </p:nvPr>
+        </p:nvSpPr>
+        <p:spPr/>
+        <p:txBody>
+          <a:bodyPr/>
+          <a:lstStyle/>
+          <a:p>
+            <a:r>
+              <a:rPr lang="en-US" dirty="0"/>
+              <a:t>Dynamic Programming and Greedy Approach</a:t>
+            </a:r>
+          </a:p>
+        </p:txBody>
+      </p:sp>
+      <p:sp>
+        <p:nvSpPr>
+          <p:cNvPr id="3" name="Content Placeholder 2">
+            <a:extLst>
+              <a:ext uri="{FF2B5EF4-FFF2-40B4-BE49-F238E27FC236}">
+                <a16:creationId xmlns:a16="http://schemas.microsoft.com/office/drawing/2014/main" id="{6EB3B5F3-60DB-794C-8A50-2C59D77FEA97}"/>
+              </a:ext>
+            </a:extLst>
+          </p:cNvPr>
+          <p:cNvSpPr>
+            <a:spLocks noGrp="1"/>
+          </p:cNvSpPr>
+          <p:nvPr>
+            <p:ph idx="1"/>
+          </p:nvPr>
+        </p:nvSpPr>
+        <p:spPr/>
+        <p:txBody>
+          <a:bodyPr/>
+          <a:lstStyle/>
+          <a:p>
+            <a:r>
+              <a:rPr lang="en-US" dirty="0"/>
+              <a:t>Module 3 is on Dynamic Programming and the Greedy Approach</a:t>
+            </a:r>
+          </a:p>
+          <a:p>
+            <a:r>
+              <a:rPr lang="en-US" dirty="0"/>
+              <a:t>This term we’re doing something unusual:</a:t>
+            </a:r>
+            <a:br>
+              <a:rPr lang="en-US" dirty="0"/>
+            </a:br>
+            <a:r>
+              <a:rPr lang="en-US" dirty="0"/>
+              <a:t>        </a:t>
+            </a:r>
+            <a:r>
+              <a:rPr lang="en-US" b="1" dirty="0">
+                <a:solidFill>
+                  <a:srgbClr val="0070C0"/>
+                </a:solidFill>
+              </a:rPr>
+              <a:t>We’ll introduce these </a:t>
+            </a:r>
+            <a:r>
+              <a:rPr lang="en-US" b="1" i="1" dirty="0">
+                <a:solidFill>
+                  <a:srgbClr val="0070C0"/>
+                </a:solidFill>
+              </a:rPr>
+              <a:t>together</a:t>
+            </a:r>
+            <a:r>
+              <a:rPr lang="en-US" b="1" dirty="0">
+                <a:solidFill>
+                  <a:srgbClr val="0070C0"/>
+                </a:solidFill>
+              </a:rPr>
+              <a:t>, not in sequence</a:t>
+            </a:r>
+          </a:p>
+          <a:p>
+            <a:pPr lvl="1"/>
+            <a:r>
+              <a:rPr lang="en-US" dirty="0"/>
+              <a:t>They have a lot in common</a:t>
+            </a:r>
+          </a:p>
+          <a:p>
+            <a:pPr lvl="1"/>
+            <a:r>
+              <a:rPr lang="en-US" dirty="0"/>
+              <a:t>Goal:  teach you enough about both early enough so you can work on HWs on both topics</a:t>
+            </a:r>
+          </a:p>
+        </p:txBody>
+      </p:sp>
+      <p:sp>
+        <p:nvSpPr>
+          <p:cNvPr id="4" name="Slide Number Placeholder 3">
+            <a:extLst>
+              <a:ext uri="{FF2B5EF4-FFF2-40B4-BE49-F238E27FC236}">
+                <a16:creationId xmlns:a16="http://schemas.microsoft.com/office/drawing/2014/main" id="{C901E929-E141-4E40-B55C-8EF68A414389}"/>
+              </a:ext>
+            </a:extLst>
+          </p:cNvPr>
+          <p:cNvSpPr>
+            <a:spLocks noGrp="1"/>
+          </p:cNvSpPr>
+          <p:nvPr>
+            <p:ph type="sldNum" sz="quarter" idx="12"/>
+          </p:nvPr>
+        </p:nvSpPr>
+        <p:spPr/>
+        <p:txBody>
+          <a:bodyPr/>
+          <a:lstStyle/>
+          <a:p>
+            <a:fld id="{86BADE50-950A-4D58-BFB2-FA2C6A8B385D}" type="slidenum">
+              <a:rPr lang="en-US" smtClean="0"/>
+              <a:t>5</a:t>
+            </a:fld>
+            <a:endParaRPr lang="en-US"/>
+          </a:p>
+        </p:txBody>
+      </p:sp>
+    </p:spTree>
+    <p:extLst>
+      <p:ext uri="{BB962C8B-B14F-4D97-AF65-F5344CB8AC3E}">
+        <p14:creationId xmlns:p14="http://schemas.microsoft.com/office/powerpoint/2010/main" val="1457938365"/>
+      </p:ext>
+    </p:extLst>
+  </p:cSld>
+  <p:clrMapOvr>
+    <a:masterClrMapping/>
+  </p:clrMapOvr>
+</p:sld>
+</file>
+
+<file path=ppt/slides/slide50.xml><?xml version="1.0" encoding="utf-8"?>
 <p:sld xmlns:a="http://schemas.openxmlformats.org/drawingml/2006/main" xmlns:r="http://schemas.openxmlformats.org/officeDocument/2006/relationships" xmlns:p="http://schemas.openxmlformats.org/presentationml/2006/main">
   <p:cSld>
     <p:spTree>
@@ -42366,7 +43928,7 @@
 </p:sld>
 </file>
 
-<file path=ppt/slides/slide49.xml><?xml version="1.0" encoding="utf-8"?>
+<file path=ppt/slides/slide51.xml><?xml version="1.0" encoding="utf-8"?>
 <p:sld xmlns:a="http://schemas.openxmlformats.org/drawingml/2006/main" xmlns:r="http://schemas.openxmlformats.org/officeDocument/2006/relationships" xmlns:p="http://schemas.openxmlformats.org/presentationml/2006/main">
   <p:cSld>
     <p:spTree>
@@ -42581,7 +44143,7 @@
                 <a:buFontTx/>
                 <a:buNone/>
               </a:pPr>
-              <a:t>49</a:t>
+              <a:t>51</a:t>
             </a:fld>
             <a:endParaRPr kumimoji="0" lang="en-US" altLang="en-US" sz="1400"/>
           </a:p>
@@ -42831,172 +44393,6 @@
       </p:par>
     </p:tnLst>
   </p:timing>
-</p:sld>
-</file>
-
-<file path=ppt/slides/slide5.xml><?xml version="1.0" encoding="utf-8"?>
-<p:sld xmlns:a="http://schemas.openxmlformats.org/drawingml/2006/main" xmlns:r="http://schemas.openxmlformats.org/officeDocument/2006/relationships" xmlns:p="http://schemas.openxmlformats.org/presentationml/2006/main">
-  <p:cSld>
-    <p:spTree>
-      <p:nvGrpSpPr>
-        <p:cNvPr id="1" name=""/>
-        <p:cNvGrpSpPr/>
-        <p:nvPr/>
-      </p:nvGrpSpPr>
-      <p:grpSpPr>
-        <a:xfrm>
-          <a:off x="0" y="0"/>
-          <a:ext cx="0" cy="0"/>
-          <a:chOff x="0" y="0"/>
-          <a:chExt cx="0" cy="0"/>
-        </a:xfrm>
-      </p:grpSpPr>
-      <p:sp>
-        <p:nvSpPr>
-          <p:cNvPr id="2" name="Title 1">
-            <a:extLst>
-              <a:ext uri="{FF2B5EF4-FFF2-40B4-BE49-F238E27FC236}">
-                <a16:creationId xmlns:a16="http://schemas.microsoft.com/office/drawing/2014/main" id="{3504958A-1B23-A64F-9249-F7943CB9F082}"/>
-              </a:ext>
-            </a:extLst>
-          </p:cNvPr>
-          <p:cNvSpPr>
-            <a:spLocks noGrp="1"/>
-          </p:cNvSpPr>
-          <p:nvPr>
-            <p:ph type="title"/>
-          </p:nvPr>
-        </p:nvSpPr>
-        <p:spPr/>
-        <p:txBody>
-          <a:bodyPr/>
-          <a:lstStyle/>
-          <a:p>
-            <a:r>
-              <a:rPr lang="en-US" dirty="0"/>
-              <a:t>Dynamic Programming and Greedy Approach</a:t>
-            </a:r>
-          </a:p>
-        </p:txBody>
-      </p:sp>
-      <p:sp>
-        <p:nvSpPr>
-          <p:cNvPr id="3" name="Content Placeholder 2">
-            <a:extLst>
-              <a:ext uri="{FF2B5EF4-FFF2-40B4-BE49-F238E27FC236}">
-                <a16:creationId xmlns:a16="http://schemas.microsoft.com/office/drawing/2014/main" id="{6EB3B5F3-60DB-794C-8A50-2C59D77FEA97}"/>
-              </a:ext>
-            </a:extLst>
-          </p:cNvPr>
-          <p:cNvSpPr>
-            <a:spLocks noGrp="1"/>
-          </p:cNvSpPr>
-          <p:nvPr>
-            <p:ph idx="1"/>
-          </p:nvPr>
-        </p:nvSpPr>
-        <p:spPr/>
-        <p:txBody>
-          <a:bodyPr/>
-          <a:lstStyle/>
-          <a:p>
-            <a:r>
-              <a:rPr lang="en-US" dirty="0"/>
-              <a:t>Module 3 is on Dynamic Programming and the Greedy Approach</a:t>
-            </a:r>
-          </a:p>
-          <a:p>
-            <a:r>
-              <a:rPr lang="en-US" dirty="0"/>
-              <a:t>This term we’re doing something unusual:</a:t>
-            </a:r>
-            <a:br>
-              <a:rPr lang="en-US" dirty="0"/>
-            </a:br>
-            <a:r>
-              <a:rPr lang="en-US" dirty="0"/>
-              <a:t>        </a:t>
-            </a:r>
-            <a:r>
-              <a:rPr lang="en-US" b="1" dirty="0">
-                <a:solidFill>
-                  <a:srgbClr val="0070C0"/>
-                </a:solidFill>
-              </a:rPr>
-              <a:t>We’ll introduce these </a:t>
-            </a:r>
-            <a:r>
-              <a:rPr lang="en-US" b="1" i="1" dirty="0">
-                <a:solidFill>
-                  <a:srgbClr val="0070C0"/>
-                </a:solidFill>
-              </a:rPr>
-              <a:t>together</a:t>
-            </a:r>
-            <a:r>
-              <a:rPr lang="en-US" b="1" dirty="0">
-                <a:solidFill>
-                  <a:srgbClr val="0070C0"/>
-                </a:solidFill>
-              </a:rPr>
-              <a:t>, not in sequence</a:t>
-            </a:r>
-          </a:p>
-          <a:p>
-            <a:pPr lvl="1"/>
-            <a:r>
-              <a:rPr lang="en-US" dirty="0"/>
-              <a:t>They have a lot in common</a:t>
-            </a:r>
-          </a:p>
-          <a:p>
-            <a:pPr lvl="1"/>
-            <a:r>
-              <a:rPr lang="en-US" dirty="0"/>
-              <a:t>Goal:  teach you enough about both early enough so you can work on HWs on both topics</a:t>
-            </a:r>
-          </a:p>
-        </p:txBody>
-      </p:sp>
-      <p:sp>
-        <p:nvSpPr>
-          <p:cNvPr id="4" name="Slide Number Placeholder 3">
-            <a:extLst>
-              <a:ext uri="{FF2B5EF4-FFF2-40B4-BE49-F238E27FC236}">
-                <a16:creationId xmlns:a16="http://schemas.microsoft.com/office/drawing/2014/main" id="{C901E929-E141-4E40-B55C-8EF68A414389}"/>
-              </a:ext>
-            </a:extLst>
-          </p:cNvPr>
-          <p:cNvSpPr>
-            <a:spLocks noGrp="1"/>
-          </p:cNvSpPr>
-          <p:nvPr>
-            <p:ph type="sldNum" sz="quarter" idx="12"/>
-          </p:nvPr>
-        </p:nvSpPr>
-        <p:spPr/>
-        <p:txBody>
-          <a:bodyPr/>
-          <a:lstStyle/>
-          <a:p>
-            <a:fld id="{86BADE50-950A-4D58-BFB2-FA2C6A8B385D}" type="slidenum">
-              <a:rPr lang="en-US" smtClean="0"/>
-              <a:t>5</a:t>
-            </a:fld>
-            <a:endParaRPr lang="en-US"/>
-          </a:p>
-        </p:txBody>
-      </p:sp>
-    </p:spTree>
-    <p:extLst>
-      <p:ext uri="{BB962C8B-B14F-4D97-AF65-F5344CB8AC3E}">
-        <p14:creationId xmlns:p14="http://schemas.microsoft.com/office/powerpoint/2010/main" val="1457938365"/>
-      </p:ext>
-    </p:extLst>
-  </p:cSld>
-  <p:clrMapOvr>
-    <a:masterClrMapping/>
-  </p:clrMapOvr>
 </p:sld>
 </file>
 
@@ -44667,7 +46063,7 @@
           <a:graphicData uri="http://schemas.openxmlformats.org/presentationml/2006/ole">
             <mc:AlternateContent xmlns:mc="http://schemas.openxmlformats.org/markup-compatibility/2006">
               <mc:Choice xmlns:v="urn:schemas-microsoft-com:vml" Requires="v">
-                <p:oleObj spid="_x0000_s1085" name="Equation" r:id="rId4" imgW="482391" imgH="431613" progId="Equation.3">
+                <p:oleObj spid="_x0000_s1091" name="Equation" r:id="rId4" imgW="482391" imgH="431613" progId="Equation.3">
                   <p:embed/>
                 </p:oleObj>
               </mc:Choice>
@@ -44737,7 +46133,7 @@
           <a:graphicData uri="http://schemas.openxmlformats.org/presentationml/2006/ole">
             <mc:AlternateContent xmlns:mc="http://schemas.openxmlformats.org/markup-compatibility/2006">
               <mc:Choice xmlns:v="urn:schemas-microsoft-com:vml" Requires="v">
-                <p:oleObj spid="_x0000_s1086" name="Equation" r:id="rId6" imgW="1422400" imgH="457200" progId="Equation.3">
+                <p:oleObj spid="_x0000_s1092" name="Equation" r:id="rId6" imgW="1422400" imgH="457200" progId="Equation.3">
                   <p:embed/>
                 </p:oleObj>
               </mc:Choice>
